--- a/classes/stats2021/Lecture20.pptx
+++ b/classes/stats2021/Lecture20.pptx
@@ -5,38 +5,39 @@
     <p:sldMasterId id="2147483648" r:id="rId1"/>
   </p:sldMasterIdLst>
   <p:sldIdLst>
-    <p:sldId id="256" r:id="rId2"/>
-    <p:sldId id="257" r:id="rId3"/>
-    <p:sldId id="258" r:id="rId4"/>
-    <p:sldId id="292" r:id="rId5"/>
-    <p:sldId id="260" r:id="rId6"/>
-    <p:sldId id="261" r:id="rId7"/>
-    <p:sldId id="259" r:id="rId8"/>
-    <p:sldId id="262" r:id="rId9"/>
-    <p:sldId id="263" r:id="rId10"/>
-    <p:sldId id="264" r:id="rId11"/>
-    <p:sldId id="267" r:id="rId12"/>
-    <p:sldId id="278" r:id="rId13"/>
-    <p:sldId id="269" r:id="rId14"/>
-    <p:sldId id="271" r:id="rId15"/>
-    <p:sldId id="272" r:id="rId16"/>
-    <p:sldId id="279" r:id="rId17"/>
-    <p:sldId id="274" r:id="rId18"/>
-    <p:sldId id="277" r:id="rId19"/>
-    <p:sldId id="276" r:id="rId20"/>
-    <p:sldId id="275" r:id="rId21"/>
-    <p:sldId id="291" r:id="rId22"/>
-    <p:sldId id="293" r:id="rId23"/>
-    <p:sldId id="280" r:id="rId24"/>
-    <p:sldId id="282" r:id="rId25"/>
-    <p:sldId id="283" r:id="rId26"/>
-    <p:sldId id="284" r:id="rId27"/>
-    <p:sldId id="285" r:id="rId28"/>
-    <p:sldId id="286" r:id="rId29"/>
-    <p:sldId id="287" r:id="rId30"/>
-    <p:sldId id="288" r:id="rId31"/>
-    <p:sldId id="289" r:id="rId32"/>
-    <p:sldId id="290" r:id="rId33"/>
+    <p:sldId id="294" r:id="rId2"/>
+    <p:sldId id="256" r:id="rId3"/>
+    <p:sldId id="257" r:id="rId4"/>
+    <p:sldId id="258" r:id="rId5"/>
+    <p:sldId id="292" r:id="rId6"/>
+    <p:sldId id="260" r:id="rId7"/>
+    <p:sldId id="261" r:id="rId8"/>
+    <p:sldId id="259" r:id="rId9"/>
+    <p:sldId id="262" r:id="rId10"/>
+    <p:sldId id="263" r:id="rId11"/>
+    <p:sldId id="264" r:id="rId12"/>
+    <p:sldId id="267" r:id="rId13"/>
+    <p:sldId id="278" r:id="rId14"/>
+    <p:sldId id="269" r:id="rId15"/>
+    <p:sldId id="271" r:id="rId16"/>
+    <p:sldId id="272" r:id="rId17"/>
+    <p:sldId id="279" r:id="rId18"/>
+    <p:sldId id="274" r:id="rId19"/>
+    <p:sldId id="277" r:id="rId20"/>
+    <p:sldId id="276" r:id="rId21"/>
+    <p:sldId id="275" r:id="rId22"/>
+    <p:sldId id="291" r:id="rId23"/>
+    <p:sldId id="293" r:id="rId24"/>
+    <p:sldId id="280" r:id="rId25"/>
+    <p:sldId id="282" r:id="rId26"/>
+    <p:sldId id="283" r:id="rId27"/>
+    <p:sldId id="284" r:id="rId28"/>
+    <p:sldId id="285" r:id="rId29"/>
+    <p:sldId id="286" r:id="rId30"/>
+    <p:sldId id="287" r:id="rId31"/>
+    <p:sldId id="288" r:id="rId32"/>
+    <p:sldId id="289" r:id="rId33"/>
+    <p:sldId id="290" r:id="rId34"/>
   </p:sldIdLst>
   <p:sldSz cx="9144000" cy="6858000" type="screen4x3"/>
   <p:notesSz cx="6858000" cy="9144000"/>
@@ -334,7 +335,7 @@
             <a:fld id="{1D8BD707-D9CF-40AE-B4C6-C98DA3205C09}" type="datetimeFigureOut">
               <a:rPr lang="en-US" smtClean="0"/>
               <a:pPr/>
-              <a:t>4/26/2021</a:t>
+              <a:t>4/29/2021</a:t>
             </a:fld>
             <a:endParaRPr lang="en-US"/>
           </a:p>
@@ -499,7 +500,7 @@
             <a:fld id="{1D8BD707-D9CF-40AE-B4C6-C98DA3205C09}" type="datetimeFigureOut">
               <a:rPr lang="en-US" smtClean="0"/>
               <a:pPr/>
-              <a:t>4/26/2021</a:t>
+              <a:t>4/29/2021</a:t>
             </a:fld>
             <a:endParaRPr lang="en-US"/>
           </a:p>
@@ -674,7 +675,7 @@
             <a:fld id="{1D8BD707-D9CF-40AE-B4C6-C98DA3205C09}" type="datetimeFigureOut">
               <a:rPr lang="en-US" smtClean="0"/>
               <a:pPr/>
-              <a:t>4/26/2021</a:t>
+              <a:t>4/29/2021</a:t>
             </a:fld>
             <a:endParaRPr lang="en-US"/>
           </a:p>
@@ -839,7 +840,7 @@
             <a:fld id="{1D8BD707-D9CF-40AE-B4C6-C98DA3205C09}" type="datetimeFigureOut">
               <a:rPr lang="en-US" smtClean="0"/>
               <a:pPr/>
-              <a:t>4/26/2021</a:t>
+              <a:t>4/29/2021</a:t>
             </a:fld>
             <a:endParaRPr lang="en-US"/>
           </a:p>
@@ -1081,7 +1082,7 @@
             <a:fld id="{1D8BD707-D9CF-40AE-B4C6-C98DA3205C09}" type="datetimeFigureOut">
               <a:rPr lang="en-US" smtClean="0"/>
               <a:pPr/>
-              <a:t>4/26/2021</a:t>
+              <a:t>4/29/2021</a:t>
             </a:fld>
             <a:endParaRPr lang="en-US"/>
           </a:p>
@@ -1363,7 +1364,7 @@
             <a:fld id="{1D8BD707-D9CF-40AE-B4C6-C98DA3205C09}" type="datetimeFigureOut">
               <a:rPr lang="en-US" smtClean="0"/>
               <a:pPr/>
-              <a:t>4/26/2021</a:t>
+              <a:t>4/29/2021</a:t>
             </a:fld>
             <a:endParaRPr lang="en-US"/>
           </a:p>
@@ -1779,7 +1780,7 @@
             <a:fld id="{1D8BD707-D9CF-40AE-B4C6-C98DA3205C09}" type="datetimeFigureOut">
               <a:rPr lang="en-US" smtClean="0"/>
               <a:pPr/>
-              <a:t>4/26/2021</a:t>
+              <a:t>4/29/2021</a:t>
             </a:fld>
             <a:endParaRPr lang="en-US"/>
           </a:p>
@@ -1893,7 +1894,7 @@
             <a:fld id="{1D8BD707-D9CF-40AE-B4C6-C98DA3205C09}" type="datetimeFigureOut">
               <a:rPr lang="en-US" smtClean="0"/>
               <a:pPr/>
-              <a:t>4/26/2021</a:t>
+              <a:t>4/29/2021</a:t>
             </a:fld>
             <a:endParaRPr lang="en-US"/>
           </a:p>
@@ -1985,7 +1986,7 @@
             <a:fld id="{1D8BD707-D9CF-40AE-B4C6-C98DA3205C09}" type="datetimeFigureOut">
               <a:rPr lang="en-US" smtClean="0"/>
               <a:pPr/>
-              <a:t>4/26/2021</a:t>
+              <a:t>4/29/2021</a:t>
             </a:fld>
             <a:endParaRPr lang="en-US"/>
           </a:p>
@@ -2257,7 +2258,7 @@
             <a:fld id="{1D8BD707-D9CF-40AE-B4C6-C98DA3205C09}" type="datetimeFigureOut">
               <a:rPr lang="en-US" smtClean="0"/>
               <a:pPr/>
-              <a:t>4/26/2021</a:t>
+              <a:t>4/29/2021</a:t>
             </a:fld>
             <a:endParaRPr lang="en-US"/>
           </a:p>
@@ -2506,7 +2507,7 @@
             <a:fld id="{1D8BD707-D9CF-40AE-B4C6-C98DA3205C09}" type="datetimeFigureOut">
               <a:rPr lang="en-US" smtClean="0"/>
               <a:pPr/>
-              <a:t>4/26/2021</a:t>
+              <a:t>4/29/2021</a:t>
             </a:fld>
             <a:endParaRPr lang="en-US"/>
           </a:p>
@@ -2714,7 +2715,7 @@
             <a:fld id="{1D8BD707-D9CF-40AE-B4C6-C98DA3205C09}" type="datetimeFigureOut">
               <a:rPr lang="en-US" smtClean="0"/>
               <a:pPr/>
-              <a:t>4/26/2021</a:t>
+              <a:t>4/29/2021</a:t>
             </a:fld>
             <a:endParaRPr lang="en-US"/>
           </a:p>
@@ -3087,14 +3088,20 @@
       </p:grpSpPr>
       <p:sp>
         <p:nvSpPr>
-          <p:cNvPr id="4" name="TextBox 3"/>
+          <p:cNvPr id="4" name="TextBox 3">
+            <a:extLst>
+              <a:ext uri="{FF2B5EF4-FFF2-40B4-BE49-F238E27FC236}">
+                <a16:creationId xmlns:a16="http://schemas.microsoft.com/office/drawing/2014/main" id="{4775AEF5-55CF-4EE4-B6E9-FCBA57FECD75}"/>
+              </a:ext>
+            </a:extLst>
+          </p:cNvPr>
           <p:cNvSpPr txBox="1"/>
           <p:nvPr/>
         </p:nvSpPr>
         <p:spPr>
           <a:xfrm>
-            <a:off x="381000" y="228600"/>
-            <a:ext cx="2111155" cy="646331"/>
+            <a:off x="381000" y="0"/>
+            <a:ext cx="8135560" cy="7017306"/>
           </a:xfrm>
           <a:prstGeom prst="rect">
             <a:avLst/>
@@ -3108,52 +3115,274 @@
           <a:lstStyle/>
           <a:p>
             <a:r>
-              <a:rPr lang="en-US" dirty="0"/>
-              <a:t>Zero inflated models</a:t>
-            </a:r>
-          </a:p>
-          <a:p>
-            <a:r>
-              <a:rPr lang="en-US" dirty="0"/>
-              <a:t>Kendall’s tau</a:t>
-            </a:r>
-          </a:p>
-        </p:txBody>
-      </p:sp>
-      <p:cxnSp>
-        <p:nvCxnSpPr>
-          <p:cNvPr id="5" name="Straight Arrow Connector 4"/>
-          <p:cNvCxnSpPr/>
-          <p:nvPr/>
-        </p:nvCxnSpPr>
-        <p:spPr>
-          <a:xfrm flipH="1">
-            <a:off x="2492155" y="381000"/>
-            <a:ext cx="936845" cy="0"/>
-          </a:xfrm>
-          <a:prstGeom prst="straightConnector1">
-            <a:avLst/>
-          </a:prstGeom>
-          <a:ln>
-            <a:tailEnd type="triangle"/>
-          </a:ln>
-        </p:spPr>
-        <p:style>
-          <a:lnRef idx="1">
-            <a:schemeClr val="accent1"/>
-          </a:lnRef>
-          <a:fillRef idx="0">
-            <a:schemeClr val="accent1"/>
-          </a:fillRef>
-          <a:effectRef idx="0">
-            <a:schemeClr val="accent1"/>
-          </a:effectRef>
-          <a:fontRef idx="minor">
-            <a:schemeClr val="tx1"/>
-          </a:fontRef>
-        </p:style>
-      </p:cxnSp>
+              <a:rPr lang="en-US" dirty="0">
+                <a:latin typeface="Arial" panose="020B0604020202020204" pitchFamily="34" charset="0"/>
+                <a:cs typeface="Arial" panose="020B0604020202020204" pitchFamily="34" charset="0"/>
+              </a:rPr>
+              <a:t>Calendar:</a:t>
+            </a:r>
+          </a:p>
+          <a:p>
+            <a:r>
+              <a:rPr lang="en-US" dirty="0">
+                <a:latin typeface="Arial" panose="020B0604020202020204" pitchFamily="34" charset="0"/>
+                <a:cs typeface="Arial" panose="020B0604020202020204" pitchFamily="34" charset="0"/>
+              </a:rPr>
+              <a:t>	4/29/2021 last lecture</a:t>
+            </a:r>
+          </a:p>
+          <a:p>
+            <a:r>
+              <a:rPr lang="en-US" dirty="0">
+                <a:latin typeface="Arial" panose="020B0604020202020204" pitchFamily="34" charset="0"/>
+                <a:cs typeface="Arial" panose="020B0604020202020204" pitchFamily="34" charset="0"/>
+              </a:rPr>
+              <a:t>	</a:t>
+            </a:r>
+          </a:p>
+          <a:p>
+            <a:r>
+              <a:rPr lang="en-US" dirty="0">
+                <a:latin typeface="Arial" panose="020B0604020202020204" pitchFamily="34" charset="0"/>
+                <a:cs typeface="Arial" panose="020B0604020202020204" pitchFamily="34" charset="0"/>
+              </a:rPr>
+              <a:t>	5/4/2021 Optional lab during class time at 1:00 pm	</a:t>
+            </a:r>
+          </a:p>
+          <a:p>
+            <a:r>
+              <a:rPr lang="en-US" dirty="0">
+                <a:latin typeface="Arial" panose="020B0604020202020204" pitchFamily="34" charset="0"/>
+                <a:cs typeface="Arial" panose="020B0604020202020204" pitchFamily="34" charset="0"/>
+              </a:rPr>
+              <a:t>		(or e-mail me for an appointment)</a:t>
+            </a:r>
+          </a:p>
+          <a:p>
+            <a:endParaRPr lang="en-US" dirty="0">
+              <a:latin typeface="Arial" panose="020B0604020202020204" pitchFamily="34" charset="0"/>
+              <a:cs typeface="Arial" panose="020B0604020202020204" pitchFamily="34" charset="0"/>
+            </a:endParaRPr>
+          </a:p>
+          <a:p>
+            <a:r>
+              <a:rPr lang="en-US" dirty="0">
+                <a:latin typeface="Arial" panose="020B0604020202020204" pitchFamily="34" charset="0"/>
+                <a:cs typeface="Arial" panose="020B0604020202020204" pitchFamily="34" charset="0"/>
+              </a:rPr>
+              <a:t>	Final project write-up and all </a:t>
+            </a:r>
+            <a:r>
+              <a:rPr lang="en-US" dirty="0" err="1">
+                <a:latin typeface="Arial" panose="020B0604020202020204" pitchFamily="34" charset="0"/>
+                <a:cs typeface="Arial" panose="020B0604020202020204" pitchFamily="34" charset="0"/>
+              </a:rPr>
+              <a:t>homeworks</a:t>
+            </a:r>
+            <a:r>
+              <a:rPr lang="en-US" dirty="0">
+                <a:latin typeface="Arial" panose="020B0604020202020204" pitchFamily="34" charset="0"/>
+                <a:cs typeface="Arial" panose="020B0604020202020204" pitchFamily="34" charset="0"/>
+              </a:rPr>
+              <a:t> due May 14</a:t>
+            </a:r>
+            <a:r>
+              <a:rPr lang="en-US" baseline="30000" dirty="0">
+                <a:latin typeface="Arial" panose="020B0604020202020204" pitchFamily="34" charset="0"/>
+                <a:cs typeface="Arial" panose="020B0604020202020204" pitchFamily="34" charset="0"/>
+              </a:rPr>
+              <a:t>th</a:t>
+            </a:r>
+            <a:endParaRPr lang="en-US" dirty="0">
+              <a:latin typeface="Arial" panose="020B0604020202020204" pitchFamily="34" charset="0"/>
+              <a:cs typeface="Arial" panose="020B0604020202020204" pitchFamily="34" charset="0"/>
+            </a:endParaRPr>
+          </a:p>
+          <a:p>
+            <a:r>
+              <a:rPr lang="en-US" dirty="0">
+                <a:latin typeface="Arial" panose="020B0604020202020204" pitchFamily="34" charset="0"/>
+                <a:cs typeface="Arial" panose="020B0604020202020204" pitchFamily="34" charset="0"/>
+              </a:rPr>
+              <a:t>	(no extensions as grades are due)</a:t>
+            </a:r>
+          </a:p>
+          <a:p>
+            <a:endParaRPr lang="en-US" dirty="0">
+              <a:latin typeface="Arial" panose="020B0604020202020204" pitchFamily="34" charset="0"/>
+              <a:cs typeface="Arial" panose="020B0604020202020204" pitchFamily="34" charset="0"/>
+            </a:endParaRPr>
+          </a:p>
+          <a:p>
+            <a:r>
+              <a:rPr lang="en-US" dirty="0">
+                <a:latin typeface="Arial" panose="020B0604020202020204" pitchFamily="34" charset="0"/>
+                <a:cs typeface="Arial" panose="020B0604020202020204" pitchFamily="34" charset="0"/>
+              </a:rPr>
+              <a:t>	If you get me final projects earlier, I might be able to  provide a grade</a:t>
+            </a:r>
+          </a:p>
+          <a:p>
+            <a:r>
+              <a:rPr lang="en-US" dirty="0">
+                <a:latin typeface="Arial" panose="020B0604020202020204" pitchFamily="34" charset="0"/>
+                <a:cs typeface="Arial" panose="020B0604020202020204" pitchFamily="34" charset="0"/>
+              </a:rPr>
+              <a:t>	and give you the option to re-submit (depending on when you get me</a:t>
+            </a:r>
+          </a:p>
+          <a:p>
+            <a:r>
+              <a:rPr lang="en-US" dirty="0">
+                <a:latin typeface="Arial" panose="020B0604020202020204" pitchFamily="34" charset="0"/>
+                <a:cs typeface="Arial" panose="020B0604020202020204" pitchFamily="34" charset="0"/>
+              </a:rPr>
+              <a:t>	your draft)</a:t>
+            </a:r>
+          </a:p>
+          <a:p>
+            <a:endParaRPr lang="en-US" dirty="0">
+              <a:latin typeface="Arial" panose="020B0604020202020204" pitchFamily="34" charset="0"/>
+              <a:cs typeface="Arial" panose="020B0604020202020204" pitchFamily="34" charset="0"/>
+            </a:endParaRPr>
+          </a:p>
+          <a:p>
+            <a:endParaRPr lang="en-US" dirty="0">
+              <a:latin typeface="Arial" panose="020B0604020202020204" pitchFamily="34" charset="0"/>
+              <a:cs typeface="Arial" panose="020B0604020202020204" pitchFamily="34" charset="0"/>
+            </a:endParaRPr>
+          </a:p>
+          <a:p>
+            <a:r>
+              <a:rPr lang="en-US" dirty="0">
+                <a:latin typeface="Arial" panose="020B0604020202020204" pitchFamily="34" charset="0"/>
+                <a:cs typeface="Arial" panose="020B0604020202020204" pitchFamily="34" charset="0"/>
+              </a:rPr>
+              <a:t>Optional: (Extra credit </a:t>
+            </a:r>
+            <a:r>
+              <a:rPr lang="en-US" dirty="0" err="1">
+                <a:latin typeface="Arial" panose="020B0604020202020204" pitchFamily="34" charset="0"/>
+                <a:cs typeface="Arial" panose="020B0604020202020204" pitchFamily="34" charset="0"/>
+              </a:rPr>
+              <a:t>homeworks</a:t>
+            </a:r>
+            <a:r>
+              <a:rPr lang="en-US" dirty="0">
+                <a:latin typeface="Arial" panose="020B0604020202020204" pitchFamily="34" charset="0"/>
+                <a:cs typeface="Arial" panose="020B0604020202020204" pitchFamily="34" charset="0"/>
+              </a:rPr>
+              <a:t>).</a:t>
+            </a:r>
+          </a:p>
+          <a:p>
+            <a:r>
+              <a:rPr lang="en-US" dirty="0">
+                <a:latin typeface="Arial" panose="020B0604020202020204" pitchFamily="34" charset="0"/>
+                <a:cs typeface="Arial" panose="020B0604020202020204" pitchFamily="34" charset="0"/>
+              </a:rPr>
+              <a:t>For anyone who wants to work through these assignments, I will grade</a:t>
+            </a:r>
+          </a:p>
+          <a:p>
+            <a:r>
+              <a:rPr lang="en-US" dirty="0">
+                <a:latin typeface="Arial" panose="020B0604020202020204" pitchFamily="34" charset="0"/>
+                <a:cs typeface="Arial" panose="020B0604020202020204" pitchFamily="34" charset="0"/>
+              </a:rPr>
+              <a:t>them if you get to me.  Do not due these if you have </a:t>
+            </a:r>
+            <a:r>
+              <a:rPr lang="en-US" dirty="0" err="1">
+                <a:latin typeface="Arial" panose="020B0604020202020204" pitchFamily="34" charset="0"/>
+                <a:cs typeface="Arial" panose="020B0604020202020204" pitchFamily="34" charset="0"/>
+              </a:rPr>
+              <a:t>homeworks</a:t>
+            </a:r>
+            <a:r>
+              <a:rPr lang="en-US" dirty="0">
+                <a:latin typeface="Arial" panose="020B0604020202020204" pitchFamily="34" charset="0"/>
+                <a:cs typeface="Arial" panose="020B0604020202020204" pitchFamily="34" charset="0"/>
+              </a:rPr>
+              <a:t> due or</a:t>
+            </a:r>
+          </a:p>
+          <a:p>
+            <a:r>
+              <a:rPr lang="en-US" dirty="0">
+                <a:latin typeface="Arial" panose="020B0604020202020204" pitchFamily="34" charset="0"/>
+                <a:cs typeface="Arial" panose="020B0604020202020204" pitchFamily="34" charset="0"/>
+              </a:rPr>
+              <a:t>if you need time on your final projects</a:t>
+            </a:r>
+          </a:p>
+          <a:p>
+            <a:endParaRPr lang="en-US" dirty="0">
+              <a:latin typeface="Arial" panose="020B0604020202020204" pitchFamily="34" charset="0"/>
+              <a:cs typeface="Arial" panose="020B0604020202020204" pitchFamily="34" charset="0"/>
+            </a:endParaRPr>
+          </a:p>
+          <a:p>
+            <a:r>
+              <a:rPr lang="en-US" dirty="0">
+                <a:latin typeface="Arial" panose="020B0604020202020204" pitchFamily="34" charset="0"/>
+                <a:cs typeface="Arial" panose="020B0604020202020204" pitchFamily="34" charset="0"/>
+              </a:rPr>
+              <a:t>Lab #11 and Lab #12 from last year’s course</a:t>
+            </a:r>
+          </a:p>
+          <a:p>
+            <a:r>
+              <a:rPr lang="en-US" dirty="0">
+                <a:latin typeface="Arial" panose="020B0604020202020204" pitchFamily="34" charset="0"/>
+                <a:cs typeface="Arial" panose="020B0604020202020204" pitchFamily="34" charset="0"/>
+                <a:hlinkClick r:id="rId2"/>
+              </a:rPr>
+              <a:t>https://fodorclasses.github.io/classes/stats2020/stats2020.html</a:t>
+            </a:r>
+            <a:endParaRPr lang="en-US" dirty="0">
+              <a:latin typeface="Arial" panose="020B0604020202020204" pitchFamily="34" charset="0"/>
+              <a:cs typeface="Arial" panose="020B0604020202020204" pitchFamily="34" charset="0"/>
+            </a:endParaRPr>
+          </a:p>
+          <a:p>
+            <a:br>
+              <a:rPr lang="en-US" dirty="0">
+                <a:latin typeface="Arial" panose="020B0604020202020204" pitchFamily="34" charset="0"/>
+                <a:cs typeface="Arial" panose="020B0604020202020204" pitchFamily="34" charset="0"/>
+              </a:rPr>
+            </a:br>
+            <a:r>
+              <a:rPr lang="en-US" dirty="0">
+                <a:latin typeface="Arial" panose="020B0604020202020204" pitchFamily="34" charset="0"/>
+                <a:cs typeface="Arial" panose="020B0604020202020204" pitchFamily="34" charset="0"/>
+              </a:rPr>
+              <a:t>(obviously, ignore the due dates.  Extra credit labs are due 5/14 )</a:t>
+            </a:r>
+          </a:p>
+          <a:p>
+            <a:endParaRPr lang="en-US" dirty="0">
+              <a:latin typeface="Arial" panose="020B0604020202020204" pitchFamily="34" charset="0"/>
+              <a:cs typeface="Arial" panose="020B0604020202020204" pitchFamily="34" charset="0"/>
+            </a:endParaRPr>
+          </a:p>
+          <a:p>
+            <a:r>
+              <a:rPr lang="en-US" dirty="0">
+                <a:latin typeface="Arial" panose="020B0604020202020204" pitchFamily="34" charset="0"/>
+                <a:cs typeface="Arial" panose="020B0604020202020204" pitchFamily="34" charset="0"/>
+              </a:rPr>
+              <a:t>	</a:t>
+            </a:r>
+          </a:p>
+        </p:txBody>
+      </p:sp>
     </p:spTree>
+    <p:extLst>
+      <p:ext uri="{BB962C8B-B14F-4D97-AF65-F5344CB8AC3E}">
+        <p14:creationId xmlns:p14="http://schemas.microsoft.com/office/powerpoint/2010/main" val="872842023"/>
+      </p:ext>
+    </p:extLst>
   </p:cSld>
   <p:clrMapOvr>
     <a:masterClrMapping/>
@@ -3178,38 +3407,9 @@
           <a:chExt cx="0" cy="0"/>
         </a:xfrm>
       </p:grpSpPr>
-      <p:sp>
-        <p:nvSpPr>
-          <p:cNvPr id="4" name="TextBox 3"/>
-          <p:cNvSpPr txBox="1"/>
-          <p:nvPr/>
-        </p:nvSpPr>
-        <p:spPr>
-          <a:xfrm>
-            <a:off x="152400" y="-64532"/>
-            <a:ext cx="3557256" cy="369332"/>
-          </a:xfrm>
-          <a:prstGeom prst="rect">
-            <a:avLst/>
-          </a:prstGeom>
-          <a:noFill/>
-        </p:spPr>
-        <p:txBody>
-          <a:bodyPr wrap="none" rtlCol="0">
-            <a:spAutoFit/>
-          </a:bodyPr>
-          <a:lstStyle/>
-          <a:p>
-            <a:r>
-              <a:rPr lang="en-US" dirty="0"/>
-              <a:t>Next, we consider a Poisson model..</a:t>
-            </a:r>
-          </a:p>
-        </p:txBody>
-      </p:sp>
       <p:pic>
         <p:nvPicPr>
-          <p:cNvPr id="1026" name="Picture 2"/>
+          <p:cNvPr id="3074" name="Picture 2"/>
           <p:cNvPicPr>
             <a:picLocks noChangeAspect="1" noChangeArrowheads="1"/>
           </p:cNvPicPr>
@@ -3224,8 +3424,8 @@
         </p:blipFill>
         <p:spPr bwMode="auto">
           <a:xfrm>
-            <a:off x="152400" y="304800"/>
-            <a:ext cx="9002806" cy="1828800"/>
+            <a:off x="0" y="1752600"/>
+            <a:ext cx="4900612" cy="4900612"/>
           </a:xfrm>
           <a:prstGeom prst="rect">
             <a:avLst/>
@@ -3239,9 +3439,47 @@
           </a:ln>
         </p:spPr>
       </p:pic>
+      <p:sp>
+        <p:nvSpPr>
+          <p:cNvPr id="5" name="TextBox 4"/>
+          <p:cNvSpPr txBox="1"/>
+          <p:nvPr/>
+        </p:nvSpPr>
+        <p:spPr>
+          <a:xfrm>
+            <a:off x="1143000" y="152400"/>
+            <a:ext cx="2629631" cy="923330"/>
+          </a:xfrm>
+          <a:prstGeom prst="rect">
+            <a:avLst/>
+          </a:prstGeom>
+          <a:noFill/>
+        </p:spPr>
+        <p:txBody>
+          <a:bodyPr wrap="none" rtlCol="0">
+            <a:spAutoFit/>
+          </a:bodyPr>
+          <a:lstStyle/>
+          <a:p>
+            <a:r>
+              <a:rPr lang="en-US" dirty="0"/>
+              <a:t>The residuals are a mess…</a:t>
+            </a:r>
+          </a:p>
+          <a:p>
+            <a:endParaRPr lang="en-US" dirty="0"/>
+          </a:p>
+          <a:p>
+            <a:r>
+              <a:rPr lang="en-US" dirty="0"/>
+              <a:t>plot(M0)</a:t>
+            </a:r>
+          </a:p>
+        </p:txBody>
+      </p:sp>
       <p:pic>
         <p:nvPicPr>
-          <p:cNvPr id="1027" name="Picture 3"/>
+          <p:cNvPr id="3075" name="Picture 3"/>
           <p:cNvPicPr>
             <a:picLocks noChangeAspect="1" noChangeArrowheads="1"/>
           </p:cNvPicPr>
@@ -3256,8 +3494,8 @@
         </p:blipFill>
         <p:spPr bwMode="auto">
           <a:xfrm>
-            <a:off x="2057400" y="2438400"/>
-            <a:ext cx="4038600" cy="3977828"/>
+            <a:off x="4724400" y="2057400"/>
+            <a:ext cx="4286596" cy="4267200"/>
           </a:xfrm>
           <a:prstGeom prst="rect">
             <a:avLst/>
@@ -3271,142 +3509,6 @@
           </a:ln>
         </p:spPr>
       </p:pic>
-      <p:cxnSp>
-        <p:nvCxnSpPr>
-          <p:cNvPr id="8" name="Straight Arrow Connector 7"/>
-          <p:cNvCxnSpPr/>
-          <p:nvPr/>
-        </p:nvCxnSpPr>
-        <p:spPr>
-          <a:xfrm flipH="1">
-            <a:off x="5715000" y="5181600"/>
-            <a:ext cx="838200" cy="304800"/>
-          </a:xfrm>
-          <a:prstGeom prst="straightConnector1">
-            <a:avLst/>
-          </a:prstGeom>
-          <a:ln>
-            <a:tailEnd type="arrow"/>
-          </a:ln>
-        </p:spPr>
-        <p:style>
-          <a:lnRef idx="1">
-            <a:schemeClr val="accent1"/>
-          </a:lnRef>
-          <a:fillRef idx="0">
-            <a:schemeClr val="accent1"/>
-          </a:fillRef>
-          <a:effectRef idx="0">
-            <a:schemeClr val="accent1"/>
-          </a:effectRef>
-          <a:fontRef idx="minor">
-            <a:schemeClr val="tx1"/>
-          </a:fontRef>
-        </p:style>
-      </p:cxnSp>
-      <p:sp>
-        <p:nvSpPr>
-          <p:cNvPr id="9" name="TextBox 8"/>
-          <p:cNvSpPr txBox="1"/>
-          <p:nvPr/>
-        </p:nvSpPr>
-        <p:spPr>
-          <a:xfrm>
-            <a:off x="6248400" y="4800600"/>
-            <a:ext cx="2915991" cy="369332"/>
-          </a:xfrm>
-          <a:prstGeom prst="rect">
-            <a:avLst/>
-          </a:prstGeom>
-          <a:noFill/>
-        </p:spPr>
-        <p:txBody>
-          <a:bodyPr wrap="none" rtlCol="0">
-            <a:spAutoFit/>
-          </a:bodyPr>
-          <a:lstStyle/>
-          <a:p>
-            <a:r>
-              <a:rPr lang="en-US" dirty="0"/>
-              <a:t>Model doesn’t go below zero</a:t>
-            </a:r>
-          </a:p>
-        </p:txBody>
-      </p:sp>
-      <p:cxnSp>
-        <p:nvCxnSpPr>
-          <p:cNvPr id="11" name="Straight Arrow Connector 10"/>
-          <p:cNvCxnSpPr/>
-          <p:nvPr/>
-        </p:nvCxnSpPr>
-        <p:spPr>
-          <a:xfrm flipH="1">
-            <a:off x="4724400" y="2209800"/>
-            <a:ext cx="914400" cy="228600"/>
-          </a:xfrm>
-          <a:prstGeom prst="straightConnector1">
-            <a:avLst/>
-          </a:prstGeom>
-          <a:ln>
-            <a:tailEnd type="arrow"/>
-          </a:ln>
-        </p:spPr>
-        <p:style>
-          <a:lnRef idx="1">
-            <a:schemeClr val="accent1"/>
-          </a:lnRef>
-          <a:fillRef idx="0">
-            <a:schemeClr val="accent1"/>
-          </a:fillRef>
-          <a:effectRef idx="0">
-            <a:schemeClr val="accent1"/>
-          </a:effectRef>
-          <a:fontRef idx="minor">
-            <a:schemeClr val="tx1"/>
-          </a:fontRef>
-        </p:style>
-      </p:cxnSp>
-      <p:sp>
-        <p:nvSpPr>
-          <p:cNvPr id="12" name="TextBox 11"/>
-          <p:cNvSpPr txBox="1"/>
-          <p:nvPr/>
-        </p:nvSpPr>
-        <p:spPr>
-          <a:xfrm>
-            <a:off x="5638800" y="1981200"/>
-            <a:ext cx="3605539" cy="923330"/>
-          </a:xfrm>
-          <a:prstGeom prst="rect">
-            <a:avLst/>
-          </a:prstGeom>
-          <a:noFill/>
-        </p:spPr>
-        <p:txBody>
-          <a:bodyPr wrap="none" rtlCol="0">
-            <a:spAutoFit/>
-          </a:bodyPr>
-          <a:lstStyle/>
-          <a:p>
-            <a:r>
-              <a:rPr lang="en-US" dirty="0"/>
-              <a:t>Fit is considerably worse than linear;</a:t>
-            </a:r>
-          </a:p>
-          <a:p>
-            <a:r>
-              <a:rPr lang="en-US" dirty="0"/>
-              <a:t>Assumption that mean==variance</a:t>
-            </a:r>
-          </a:p>
-          <a:p>
-            <a:r>
-              <a:rPr lang="en-US" dirty="0"/>
-              <a:t>seems a poor one..</a:t>
-            </a:r>
-          </a:p>
-        </p:txBody>
-      </p:sp>
     </p:spTree>
   </p:cSld>
   <p:clrMapOvr>
@@ -3440,8 +3542,8 @@
         </p:nvSpPr>
         <p:spPr>
           <a:xfrm>
-            <a:off x="457200" y="-76200"/>
-            <a:ext cx="2994922" cy="369332"/>
+            <a:off x="152400" y="-64532"/>
+            <a:ext cx="3557256" cy="369332"/>
           </a:xfrm>
           <a:prstGeom prst="rect">
             <a:avLst/>
@@ -3456,14 +3558,14 @@
           <a:p>
             <a:r>
               <a:rPr lang="en-US" dirty="0"/>
-              <a:t>Next the zero-inflated Poisson</a:t>
+              <a:t>Next, we consider a Poisson model..</a:t>
             </a:r>
           </a:p>
         </p:txBody>
       </p:sp>
       <p:pic>
         <p:nvPicPr>
-          <p:cNvPr id="4098" name="Picture 2"/>
+          <p:cNvPr id="1026" name="Picture 2"/>
           <p:cNvPicPr>
             <a:picLocks noChangeAspect="1" noChangeArrowheads="1"/>
           </p:cNvPicPr>
@@ -3478,8 +3580,8 @@
         </p:blipFill>
         <p:spPr bwMode="auto">
           <a:xfrm>
-            <a:off x="381000" y="304800"/>
-            <a:ext cx="8350250" cy="2260600"/>
+            <a:off x="152400" y="304800"/>
+            <a:ext cx="9002806" cy="1828800"/>
           </a:xfrm>
           <a:prstGeom prst="rect">
             <a:avLst/>
@@ -3495,7 +3597,7 @@
       </p:pic>
       <p:pic>
         <p:nvPicPr>
-          <p:cNvPr id="4099" name="Picture 3"/>
+          <p:cNvPr id="1027" name="Picture 3"/>
           <p:cNvPicPr>
             <a:picLocks noChangeAspect="1" noChangeArrowheads="1"/>
           </p:cNvPicPr>
@@ -3510,8 +3612,8 @@
         </p:blipFill>
         <p:spPr bwMode="auto">
           <a:xfrm>
-            <a:off x="2257425" y="2473325"/>
-            <a:ext cx="4284964" cy="4308475"/>
+            <a:off x="2057400" y="2438400"/>
+            <a:ext cx="4038600" cy="3977828"/>
           </a:xfrm>
           <a:prstGeom prst="rect">
             <a:avLst/>
@@ -3525,48 +3627,16 @@
           </a:ln>
         </p:spPr>
       </p:pic>
-      <p:pic>
-        <p:nvPicPr>
-          <p:cNvPr id="7" name="Picture 3"/>
-          <p:cNvPicPr>
-            <a:picLocks noChangeAspect="1" noChangeArrowheads="1"/>
-          </p:cNvPicPr>
-          <p:nvPr/>
-        </p:nvPicPr>
-        <p:blipFill>
-          <a:blip r:embed="rId4" cstate="print"/>
-          <a:srcRect/>
-          <a:stretch>
-            <a:fillRect/>
-          </a:stretch>
-        </p:blipFill>
-        <p:spPr bwMode="auto">
-          <a:xfrm>
-            <a:off x="5410200" y="1219200"/>
-            <a:ext cx="5753100" cy="733425"/>
-          </a:xfrm>
-          <a:prstGeom prst="rect">
-            <a:avLst/>
-          </a:prstGeom>
-          <a:noFill/>
-          <a:ln w="9525">
-            <a:noFill/>
-            <a:miter lim="800000"/>
-            <a:headEnd/>
-            <a:tailEnd/>
-          </a:ln>
-        </p:spPr>
-      </p:pic>
       <p:cxnSp>
         <p:nvCxnSpPr>
-          <p:cNvPr id="11" name="Straight Arrow Connector 10"/>
+          <p:cNvPr id="8" name="Straight Arrow Connector 7"/>
           <p:cNvCxnSpPr/>
           <p:nvPr/>
         </p:nvCxnSpPr>
         <p:spPr>
-          <a:xfrm flipV="1">
-            <a:off x="3886200" y="1752600"/>
-            <a:ext cx="2590800" cy="457200"/>
+          <a:xfrm flipH="1">
+            <a:off x="5715000" y="5181600"/>
+            <a:ext cx="838200" cy="304800"/>
           </a:xfrm>
           <a:prstGeom prst="straightConnector1">
             <a:avLst/>
@@ -3590,6 +3660,109 @@
           </a:fontRef>
         </p:style>
       </p:cxnSp>
+      <p:sp>
+        <p:nvSpPr>
+          <p:cNvPr id="9" name="TextBox 8"/>
+          <p:cNvSpPr txBox="1"/>
+          <p:nvPr/>
+        </p:nvSpPr>
+        <p:spPr>
+          <a:xfrm>
+            <a:off x="6248400" y="4800600"/>
+            <a:ext cx="2915991" cy="369332"/>
+          </a:xfrm>
+          <a:prstGeom prst="rect">
+            <a:avLst/>
+          </a:prstGeom>
+          <a:noFill/>
+        </p:spPr>
+        <p:txBody>
+          <a:bodyPr wrap="none" rtlCol="0">
+            <a:spAutoFit/>
+          </a:bodyPr>
+          <a:lstStyle/>
+          <a:p>
+            <a:r>
+              <a:rPr lang="en-US" dirty="0"/>
+              <a:t>Model doesn’t go below zero</a:t>
+            </a:r>
+          </a:p>
+        </p:txBody>
+      </p:sp>
+      <p:cxnSp>
+        <p:nvCxnSpPr>
+          <p:cNvPr id="11" name="Straight Arrow Connector 10"/>
+          <p:cNvCxnSpPr/>
+          <p:nvPr/>
+        </p:nvCxnSpPr>
+        <p:spPr>
+          <a:xfrm flipH="1">
+            <a:off x="4724400" y="2209800"/>
+            <a:ext cx="914400" cy="228600"/>
+          </a:xfrm>
+          <a:prstGeom prst="straightConnector1">
+            <a:avLst/>
+          </a:prstGeom>
+          <a:ln>
+            <a:tailEnd type="arrow"/>
+          </a:ln>
+        </p:spPr>
+        <p:style>
+          <a:lnRef idx="1">
+            <a:schemeClr val="accent1"/>
+          </a:lnRef>
+          <a:fillRef idx="0">
+            <a:schemeClr val="accent1"/>
+          </a:fillRef>
+          <a:effectRef idx="0">
+            <a:schemeClr val="accent1"/>
+          </a:effectRef>
+          <a:fontRef idx="minor">
+            <a:schemeClr val="tx1"/>
+          </a:fontRef>
+        </p:style>
+      </p:cxnSp>
+      <p:sp>
+        <p:nvSpPr>
+          <p:cNvPr id="12" name="TextBox 11"/>
+          <p:cNvSpPr txBox="1"/>
+          <p:nvPr/>
+        </p:nvSpPr>
+        <p:spPr>
+          <a:xfrm>
+            <a:off x="5638800" y="1981200"/>
+            <a:ext cx="3605539" cy="923330"/>
+          </a:xfrm>
+          <a:prstGeom prst="rect">
+            <a:avLst/>
+          </a:prstGeom>
+          <a:noFill/>
+        </p:spPr>
+        <p:txBody>
+          <a:bodyPr wrap="none" rtlCol="0">
+            <a:spAutoFit/>
+          </a:bodyPr>
+          <a:lstStyle/>
+          <a:p>
+            <a:r>
+              <a:rPr lang="en-US" dirty="0"/>
+              <a:t>Fit is considerably worse than linear;</a:t>
+            </a:r>
+          </a:p>
+          <a:p>
+            <a:r>
+              <a:rPr lang="en-US" dirty="0"/>
+              <a:t>Assumption that mean==variance</a:t>
+            </a:r>
+          </a:p>
+          <a:p>
+            <a:r>
+              <a:rPr lang="en-US" dirty="0"/>
+              <a:t>seems a poor one..</a:t>
+            </a:r>
+          </a:p>
+        </p:txBody>
+      </p:sp>
     </p:spTree>
   </p:cSld>
   <p:clrMapOvr>
@@ -3615,9 +3788,38 @@
           <a:chExt cx="0" cy="0"/>
         </a:xfrm>
       </p:grpSpPr>
+      <p:sp>
+        <p:nvSpPr>
+          <p:cNvPr id="4" name="TextBox 3"/>
+          <p:cNvSpPr txBox="1"/>
+          <p:nvPr/>
+        </p:nvSpPr>
+        <p:spPr>
+          <a:xfrm>
+            <a:off x="457200" y="-76200"/>
+            <a:ext cx="2994922" cy="369332"/>
+          </a:xfrm>
+          <a:prstGeom prst="rect">
+            <a:avLst/>
+          </a:prstGeom>
+          <a:noFill/>
+        </p:spPr>
+        <p:txBody>
+          <a:bodyPr wrap="none" rtlCol="0">
+            <a:spAutoFit/>
+          </a:bodyPr>
+          <a:lstStyle/>
+          <a:p>
+            <a:r>
+              <a:rPr lang="en-US" dirty="0"/>
+              <a:t>Next the zero-inflated Poisson</a:t>
+            </a:r>
+          </a:p>
+        </p:txBody>
+      </p:sp>
       <p:pic>
         <p:nvPicPr>
-          <p:cNvPr id="1026" name="Picture 2"/>
+          <p:cNvPr id="4098" name="Picture 2"/>
           <p:cNvPicPr>
             <a:picLocks noChangeAspect="1" noChangeArrowheads="1"/>
           </p:cNvPicPr>
@@ -3632,8 +3834,8 @@
         </p:blipFill>
         <p:spPr bwMode="auto">
           <a:xfrm>
-            <a:off x="233363" y="533400"/>
-            <a:ext cx="8677275" cy="5667375"/>
+            <a:off x="381000" y="304800"/>
+            <a:ext cx="8350250" cy="2260600"/>
           </a:xfrm>
           <a:prstGeom prst="rect">
             <a:avLst/>
@@ -3647,49 +3849,80 @@
           </a:ln>
         </p:spPr>
       </p:pic>
+      <p:pic>
+        <p:nvPicPr>
+          <p:cNvPr id="4099" name="Picture 3"/>
+          <p:cNvPicPr>
+            <a:picLocks noChangeAspect="1" noChangeArrowheads="1"/>
+          </p:cNvPicPr>
+          <p:nvPr/>
+        </p:nvPicPr>
+        <p:blipFill>
+          <a:blip r:embed="rId3" cstate="print"/>
+          <a:srcRect/>
+          <a:stretch>
+            <a:fillRect/>
+          </a:stretch>
+        </p:blipFill>
+        <p:spPr bwMode="auto">
+          <a:xfrm>
+            <a:off x="2257425" y="2473325"/>
+            <a:ext cx="4284964" cy="4308475"/>
+          </a:xfrm>
+          <a:prstGeom prst="rect">
+            <a:avLst/>
+          </a:prstGeom>
+          <a:noFill/>
+          <a:ln w="9525">
+            <a:noFill/>
+            <a:miter lim="800000"/>
+            <a:headEnd/>
+            <a:tailEnd/>
+          </a:ln>
+        </p:spPr>
+      </p:pic>
+      <p:pic>
+        <p:nvPicPr>
+          <p:cNvPr id="7" name="Picture 3"/>
+          <p:cNvPicPr>
+            <a:picLocks noChangeAspect="1" noChangeArrowheads="1"/>
+          </p:cNvPicPr>
+          <p:nvPr/>
+        </p:nvPicPr>
+        <p:blipFill>
+          <a:blip r:embed="rId4" cstate="print"/>
+          <a:srcRect/>
+          <a:stretch>
+            <a:fillRect/>
+          </a:stretch>
+        </p:blipFill>
+        <p:spPr bwMode="auto">
+          <a:xfrm>
+            <a:off x="5410200" y="1219200"/>
+            <a:ext cx="5753100" cy="733425"/>
+          </a:xfrm>
+          <a:prstGeom prst="rect">
+            <a:avLst/>
+          </a:prstGeom>
+          <a:noFill/>
+          <a:ln w="9525">
+            <a:noFill/>
+            <a:miter lim="800000"/>
+            <a:headEnd/>
+            <a:tailEnd/>
+          </a:ln>
+        </p:spPr>
+      </p:pic>
       <p:cxnSp>
         <p:nvCxnSpPr>
-          <p:cNvPr id="6" name="Straight Arrow Connector 5"/>
+          <p:cNvPr id="11" name="Straight Arrow Connector 10"/>
           <p:cNvCxnSpPr/>
           <p:nvPr/>
         </p:nvCxnSpPr>
         <p:spPr>
-          <a:xfrm flipH="1">
-            <a:off x="5410200" y="2514600"/>
-            <a:ext cx="533400" cy="304800"/>
-          </a:xfrm>
-          <a:prstGeom prst="straightConnector1">
-            <a:avLst/>
-          </a:prstGeom>
-          <a:ln>
-            <a:tailEnd type="arrow"/>
-          </a:ln>
-        </p:spPr>
-        <p:style>
-          <a:lnRef idx="1">
-            <a:schemeClr val="accent1"/>
-          </a:lnRef>
-          <a:fillRef idx="0">
-            <a:schemeClr val="accent1"/>
-          </a:fillRef>
-          <a:effectRef idx="0">
-            <a:schemeClr val="accent1"/>
-          </a:effectRef>
-          <a:fontRef idx="minor">
-            <a:schemeClr val="tx1"/>
-          </a:fontRef>
-        </p:style>
-      </p:cxnSp>
-      <p:cxnSp>
-        <p:nvCxnSpPr>
-          <p:cNvPr id="8" name="Straight Arrow Connector 7"/>
-          <p:cNvCxnSpPr/>
-          <p:nvPr/>
-        </p:nvCxnSpPr>
-        <p:spPr>
-          <a:xfrm flipH="1">
-            <a:off x="6705600" y="3581400"/>
-            <a:ext cx="533400" cy="381000"/>
+          <a:xfrm flipV="1">
+            <a:off x="3886200" y="1752600"/>
+            <a:ext cx="2590800" cy="457200"/>
           </a:xfrm>
           <a:prstGeom prst="straightConnector1">
             <a:avLst/>
@@ -3740,7 +3973,7 @@
       </p:grpSpPr>
       <p:pic>
         <p:nvPicPr>
-          <p:cNvPr id="6146" name="Picture 2"/>
+          <p:cNvPr id="1026" name="Picture 2"/>
           <p:cNvPicPr>
             <a:picLocks noChangeAspect="1" noChangeArrowheads="1"/>
           </p:cNvPicPr>
@@ -3755,8 +3988,8 @@
         </p:blipFill>
         <p:spPr bwMode="auto">
           <a:xfrm>
-            <a:off x="228600" y="158750"/>
-            <a:ext cx="8496300" cy="1593850"/>
+            <a:off x="233363" y="533400"/>
+            <a:ext cx="8677275" cy="5667375"/>
           </a:xfrm>
           <a:prstGeom prst="rect">
             <a:avLst/>
@@ -3770,71 +4003,72 @@
           </a:ln>
         </p:spPr>
       </p:pic>
-      <p:pic>
-        <p:nvPicPr>
-          <p:cNvPr id="6147" name="Picture 3"/>
-          <p:cNvPicPr>
-            <a:picLocks noChangeAspect="1" noChangeArrowheads="1"/>
-          </p:cNvPicPr>
-          <p:nvPr/>
-        </p:nvPicPr>
-        <p:blipFill>
-          <a:blip r:embed="rId3" cstate="print"/>
-          <a:srcRect/>
-          <a:stretch>
-            <a:fillRect/>
-          </a:stretch>
-        </p:blipFill>
-        <p:spPr bwMode="auto">
-          <a:xfrm>
-            <a:off x="2133600" y="1828800"/>
-            <a:ext cx="4749800" cy="4730750"/>
-          </a:xfrm>
-          <a:prstGeom prst="rect">
-            <a:avLst/>
-          </a:prstGeom>
-          <a:noFill/>
-          <a:ln w="9525">
-            <a:noFill/>
-            <a:miter lim="800000"/>
-            <a:headEnd/>
-            <a:tailEnd/>
+      <p:cxnSp>
+        <p:nvCxnSpPr>
+          <p:cNvPr id="6" name="Straight Arrow Connector 5"/>
+          <p:cNvCxnSpPr/>
+          <p:nvPr/>
+        </p:nvCxnSpPr>
+        <p:spPr>
+          <a:xfrm flipH="1">
+            <a:off x="5410200" y="2514600"/>
+            <a:ext cx="533400" cy="304800"/>
+          </a:xfrm>
+          <a:prstGeom prst="straightConnector1">
+            <a:avLst/>
+          </a:prstGeom>
+          <a:ln>
+            <a:tailEnd type="arrow"/>
           </a:ln>
         </p:spPr>
-      </p:pic>
-      <p:sp>
-        <p:nvSpPr>
-          <p:cNvPr id="7" name="TextBox 6"/>
-          <p:cNvSpPr txBox="1"/>
-          <p:nvPr/>
-        </p:nvSpPr>
-        <p:spPr>
-          <a:xfrm>
-            <a:off x="3742368" y="0"/>
-            <a:ext cx="2429832" cy="369332"/>
-          </a:xfrm>
-          <a:prstGeom prst="rect">
-            <a:avLst/>
-          </a:prstGeom>
-          <a:noFill/>
-        </p:spPr>
-        <p:txBody>
-          <a:bodyPr wrap="none" rtlCol="0">
-            <a:spAutoFit/>
-          </a:bodyPr>
-          <a:lstStyle/>
-          <a:p>
-            <a:r>
-              <a:rPr lang="en-US" dirty="0"/>
-              <a:t>The </a:t>
-            </a:r>
-            <a:r>
-              <a:rPr lang="en-US"/>
-              <a:t>negative binomial…</a:t>
-            </a:r>
-          </a:p>
-        </p:txBody>
-      </p:sp>
+        <p:style>
+          <a:lnRef idx="1">
+            <a:schemeClr val="accent1"/>
+          </a:lnRef>
+          <a:fillRef idx="0">
+            <a:schemeClr val="accent1"/>
+          </a:fillRef>
+          <a:effectRef idx="0">
+            <a:schemeClr val="accent1"/>
+          </a:effectRef>
+          <a:fontRef idx="minor">
+            <a:schemeClr val="tx1"/>
+          </a:fontRef>
+        </p:style>
+      </p:cxnSp>
+      <p:cxnSp>
+        <p:nvCxnSpPr>
+          <p:cNvPr id="8" name="Straight Arrow Connector 7"/>
+          <p:cNvCxnSpPr/>
+          <p:nvPr/>
+        </p:nvCxnSpPr>
+        <p:spPr>
+          <a:xfrm flipH="1">
+            <a:off x="6705600" y="3581400"/>
+            <a:ext cx="533400" cy="381000"/>
+          </a:xfrm>
+          <a:prstGeom prst="straightConnector1">
+            <a:avLst/>
+          </a:prstGeom>
+          <a:ln>
+            <a:tailEnd type="arrow"/>
+          </a:ln>
+        </p:spPr>
+        <p:style>
+          <a:lnRef idx="1">
+            <a:schemeClr val="accent1"/>
+          </a:lnRef>
+          <a:fillRef idx="0">
+            <a:schemeClr val="accent1"/>
+          </a:fillRef>
+          <a:effectRef idx="0">
+            <a:schemeClr val="accent1"/>
+          </a:effectRef>
+          <a:fontRef idx="minor">
+            <a:schemeClr val="tx1"/>
+          </a:fontRef>
+        </p:style>
+      </p:cxnSp>
     </p:spTree>
   </p:cSld>
   <p:clrMapOvr>
@@ -3860,38 +4094,9 @@
           <a:chExt cx="0" cy="0"/>
         </a:xfrm>
       </p:grpSpPr>
-      <p:sp>
-        <p:nvSpPr>
-          <p:cNvPr id="4" name="TextBox 3"/>
-          <p:cNvSpPr txBox="1"/>
-          <p:nvPr/>
-        </p:nvSpPr>
-        <p:spPr>
-          <a:xfrm>
-            <a:off x="533400" y="164068"/>
-            <a:ext cx="4312463" cy="369332"/>
-          </a:xfrm>
-          <a:prstGeom prst="rect">
-            <a:avLst/>
-          </a:prstGeom>
-          <a:noFill/>
-        </p:spPr>
-        <p:txBody>
-          <a:bodyPr wrap="none" rtlCol="0">
-            <a:spAutoFit/>
-          </a:bodyPr>
-          <a:lstStyle/>
-          <a:p>
-            <a:r>
-              <a:rPr lang="en-US" dirty="0"/>
-              <a:t>Finally, the zero inflated negative binomial…</a:t>
-            </a:r>
-          </a:p>
-        </p:txBody>
-      </p:sp>
       <p:pic>
         <p:nvPicPr>
-          <p:cNvPr id="8194" name="Picture 2"/>
+          <p:cNvPr id="6146" name="Picture 2"/>
           <p:cNvPicPr>
             <a:picLocks noChangeAspect="1" noChangeArrowheads="1"/>
           </p:cNvPicPr>
@@ -3906,8 +4111,8 @@
         </p:blipFill>
         <p:spPr bwMode="auto">
           <a:xfrm>
-            <a:off x="228600" y="762000"/>
-            <a:ext cx="8788400" cy="2425700"/>
+            <a:off x="228600" y="158750"/>
+            <a:ext cx="8496300" cy="1593850"/>
           </a:xfrm>
           <a:prstGeom prst="rect">
             <a:avLst/>
@@ -3923,7 +4128,7 @@
       </p:pic>
       <p:pic>
         <p:nvPicPr>
-          <p:cNvPr id="8195" name="Picture 3"/>
+          <p:cNvPr id="6147" name="Picture 3"/>
           <p:cNvPicPr>
             <a:picLocks noChangeAspect="1" noChangeArrowheads="1"/>
           </p:cNvPicPr>
@@ -3938,8 +4143,8 @@
         </p:blipFill>
         <p:spPr bwMode="auto">
           <a:xfrm>
-            <a:off x="0" y="4114800"/>
-            <a:ext cx="8470900" cy="1879600"/>
+            <a:off x="2133600" y="1828800"/>
+            <a:ext cx="4749800" cy="4730750"/>
           </a:xfrm>
           <a:prstGeom prst="rect">
             <a:avLst/>
@@ -3961,8 +4166,8 @@
         </p:nvSpPr>
         <p:spPr>
           <a:xfrm>
-            <a:off x="533400" y="3669268"/>
-            <a:ext cx="2219967" cy="369332"/>
+            <a:off x="3742368" y="0"/>
+            <a:ext cx="2429832" cy="369332"/>
           </a:xfrm>
           <a:prstGeom prst="rect">
             <a:avLst/>
@@ -3977,149 +4182,15 @@
           <a:p>
             <a:r>
               <a:rPr lang="en-US" dirty="0"/>
-              <a:t>From the </a:t>
-            </a:r>
-            <a:r>
-              <a:rPr lang="en-US" dirty="0" err="1"/>
-              <a:t>Zuur</a:t>
-            </a:r>
-            <a:r>
-              <a:rPr lang="en-US" dirty="0"/>
-              <a:t> book…</a:t>
-            </a:r>
-          </a:p>
-        </p:txBody>
-      </p:sp>
-      <p:pic>
-        <p:nvPicPr>
-          <p:cNvPr id="8" name="Picture 4"/>
-          <p:cNvPicPr>
-            <a:picLocks noChangeAspect="1" noChangeArrowheads="1"/>
-          </p:cNvPicPr>
-          <p:nvPr/>
-        </p:nvPicPr>
-        <p:blipFill>
-          <a:blip r:embed="rId4" cstate="print"/>
-          <a:srcRect/>
-          <a:stretch>
-            <a:fillRect/>
-          </a:stretch>
-        </p:blipFill>
-        <p:spPr bwMode="auto">
-          <a:xfrm>
-            <a:off x="6019800" y="1695450"/>
-            <a:ext cx="2286000" cy="438150"/>
-          </a:xfrm>
-          <a:prstGeom prst="rect">
-            <a:avLst/>
-          </a:prstGeom>
-          <a:noFill/>
-          <a:ln w="9525">
-            <a:noFill/>
-            <a:miter lim="800000"/>
-            <a:headEnd/>
-            <a:tailEnd/>
-          </a:ln>
-        </p:spPr>
-      </p:pic>
-      <p:pic>
-        <p:nvPicPr>
-          <p:cNvPr id="9" name="Picture 5"/>
-          <p:cNvPicPr>
-            <a:picLocks noChangeAspect="1" noChangeArrowheads="1"/>
-          </p:cNvPicPr>
-          <p:nvPr/>
-        </p:nvPicPr>
-        <p:blipFill>
-          <a:blip r:embed="rId5" cstate="print"/>
-          <a:srcRect/>
-          <a:stretch>
-            <a:fillRect/>
-          </a:stretch>
-        </p:blipFill>
-        <p:spPr bwMode="auto">
-          <a:xfrm>
-            <a:off x="5867400" y="1981200"/>
-            <a:ext cx="2533650" cy="714375"/>
-          </a:xfrm>
-          <a:prstGeom prst="rect">
-            <a:avLst/>
-          </a:prstGeom>
-          <a:noFill/>
-          <a:ln w="9525">
-            <a:noFill/>
-            <a:miter lim="800000"/>
-            <a:headEnd/>
-            <a:tailEnd/>
-          </a:ln>
-        </p:spPr>
-      </p:pic>
-      <p:cxnSp>
-        <p:nvCxnSpPr>
-          <p:cNvPr id="11" name="Straight Arrow Connector 10"/>
-          <p:cNvCxnSpPr/>
-          <p:nvPr/>
-        </p:nvCxnSpPr>
-        <p:spPr>
-          <a:xfrm flipV="1">
-            <a:off x="3810000" y="1905000"/>
-            <a:ext cx="2133600" cy="152400"/>
-          </a:xfrm>
-          <a:prstGeom prst="straightConnector1">
-            <a:avLst/>
-          </a:prstGeom>
-          <a:ln>
-            <a:tailEnd type="arrow"/>
-          </a:ln>
-        </p:spPr>
-        <p:style>
-          <a:lnRef idx="1">
-            <a:schemeClr val="accent1"/>
-          </a:lnRef>
-          <a:fillRef idx="0">
-            <a:schemeClr val="accent1"/>
-          </a:fillRef>
-          <a:effectRef idx="0">
-            <a:schemeClr val="accent1"/>
-          </a:effectRef>
-          <a:fontRef idx="minor">
-            <a:schemeClr val="tx1"/>
-          </a:fontRef>
-        </p:style>
-      </p:cxnSp>
-      <p:cxnSp>
-        <p:nvCxnSpPr>
-          <p:cNvPr id="13" name="Straight Arrow Connector 12"/>
-          <p:cNvCxnSpPr/>
-          <p:nvPr/>
-        </p:nvCxnSpPr>
-        <p:spPr>
-          <a:xfrm>
-            <a:off x="5181600" y="2209800"/>
-            <a:ext cx="914400" cy="152400"/>
-          </a:xfrm>
-          <a:prstGeom prst="straightConnector1">
-            <a:avLst/>
-          </a:prstGeom>
-          <a:ln>
-            <a:tailEnd type="arrow"/>
-          </a:ln>
-        </p:spPr>
-        <p:style>
-          <a:lnRef idx="1">
-            <a:schemeClr val="accent1"/>
-          </a:lnRef>
-          <a:fillRef idx="0">
-            <a:schemeClr val="accent1"/>
-          </a:fillRef>
-          <a:effectRef idx="0">
-            <a:schemeClr val="accent1"/>
-          </a:effectRef>
-          <a:fontRef idx="minor">
-            <a:schemeClr val="tx1"/>
-          </a:fontRef>
-        </p:style>
-      </p:cxnSp>
+              <a:t>The </a:t>
+            </a:r>
+            <a:r>
+              <a:rPr lang="en-US"/>
+              <a:t>negative binomial…</a:t>
+            </a:r>
+          </a:p>
+        </p:txBody>
+      </p:sp>
     </p:spTree>
   </p:cSld>
   <p:clrMapOvr>
@@ -4145,9 +4216,38 @@
           <a:chExt cx="0" cy="0"/>
         </a:xfrm>
       </p:grpSpPr>
+      <p:sp>
+        <p:nvSpPr>
+          <p:cNvPr id="4" name="TextBox 3"/>
+          <p:cNvSpPr txBox="1"/>
+          <p:nvPr/>
+        </p:nvSpPr>
+        <p:spPr>
+          <a:xfrm>
+            <a:off x="533400" y="164068"/>
+            <a:ext cx="4312463" cy="369332"/>
+          </a:xfrm>
+          <a:prstGeom prst="rect">
+            <a:avLst/>
+          </a:prstGeom>
+          <a:noFill/>
+        </p:spPr>
+        <p:txBody>
+          <a:bodyPr wrap="none" rtlCol="0">
+            <a:spAutoFit/>
+          </a:bodyPr>
+          <a:lstStyle/>
+          <a:p>
+            <a:r>
+              <a:rPr lang="en-US" dirty="0"/>
+              <a:t>Finally, the zero inflated negative binomial…</a:t>
+            </a:r>
+          </a:p>
+        </p:txBody>
+      </p:sp>
       <p:pic>
         <p:nvPicPr>
-          <p:cNvPr id="9219" name="Picture 3"/>
+          <p:cNvPr id="8194" name="Picture 2"/>
           <p:cNvPicPr>
             <a:picLocks noChangeAspect="1" noChangeArrowheads="1"/>
           </p:cNvPicPr>
@@ -4162,8 +4262,8 @@
         </p:blipFill>
         <p:spPr bwMode="auto">
           <a:xfrm>
-            <a:off x="304800" y="533400"/>
-            <a:ext cx="8534400" cy="5553075"/>
+            <a:off x="228600" y="762000"/>
+            <a:ext cx="8788400" cy="2425700"/>
           </a:xfrm>
           <a:prstGeom prst="rect">
             <a:avLst/>
@@ -4177,6 +4277,205 @@
           </a:ln>
         </p:spPr>
       </p:pic>
+      <p:pic>
+        <p:nvPicPr>
+          <p:cNvPr id="8195" name="Picture 3"/>
+          <p:cNvPicPr>
+            <a:picLocks noChangeAspect="1" noChangeArrowheads="1"/>
+          </p:cNvPicPr>
+          <p:nvPr/>
+        </p:nvPicPr>
+        <p:blipFill>
+          <a:blip r:embed="rId3" cstate="print"/>
+          <a:srcRect/>
+          <a:stretch>
+            <a:fillRect/>
+          </a:stretch>
+        </p:blipFill>
+        <p:spPr bwMode="auto">
+          <a:xfrm>
+            <a:off x="0" y="4114800"/>
+            <a:ext cx="8470900" cy="1879600"/>
+          </a:xfrm>
+          <a:prstGeom prst="rect">
+            <a:avLst/>
+          </a:prstGeom>
+          <a:noFill/>
+          <a:ln w="9525">
+            <a:noFill/>
+            <a:miter lim="800000"/>
+            <a:headEnd/>
+            <a:tailEnd/>
+          </a:ln>
+        </p:spPr>
+      </p:pic>
+      <p:sp>
+        <p:nvSpPr>
+          <p:cNvPr id="7" name="TextBox 6"/>
+          <p:cNvSpPr txBox="1"/>
+          <p:nvPr/>
+        </p:nvSpPr>
+        <p:spPr>
+          <a:xfrm>
+            <a:off x="533400" y="3669268"/>
+            <a:ext cx="2219967" cy="369332"/>
+          </a:xfrm>
+          <a:prstGeom prst="rect">
+            <a:avLst/>
+          </a:prstGeom>
+          <a:noFill/>
+        </p:spPr>
+        <p:txBody>
+          <a:bodyPr wrap="none" rtlCol="0">
+            <a:spAutoFit/>
+          </a:bodyPr>
+          <a:lstStyle/>
+          <a:p>
+            <a:r>
+              <a:rPr lang="en-US" dirty="0"/>
+              <a:t>From the </a:t>
+            </a:r>
+            <a:r>
+              <a:rPr lang="en-US" dirty="0" err="1"/>
+              <a:t>Zuur</a:t>
+            </a:r>
+            <a:r>
+              <a:rPr lang="en-US" dirty="0"/>
+              <a:t> book…</a:t>
+            </a:r>
+          </a:p>
+        </p:txBody>
+      </p:sp>
+      <p:pic>
+        <p:nvPicPr>
+          <p:cNvPr id="8" name="Picture 4"/>
+          <p:cNvPicPr>
+            <a:picLocks noChangeAspect="1" noChangeArrowheads="1"/>
+          </p:cNvPicPr>
+          <p:nvPr/>
+        </p:nvPicPr>
+        <p:blipFill>
+          <a:blip r:embed="rId4" cstate="print"/>
+          <a:srcRect/>
+          <a:stretch>
+            <a:fillRect/>
+          </a:stretch>
+        </p:blipFill>
+        <p:spPr bwMode="auto">
+          <a:xfrm>
+            <a:off x="6019800" y="1695450"/>
+            <a:ext cx="2286000" cy="438150"/>
+          </a:xfrm>
+          <a:prstGeom prst="rect">
+            <a:avLst/>
+          </a:prstGeom>
+          <a:noFill/>
+          <a:ln w="9525">
+            <a:noFill/>
+            <a:miter lim="800000"/>
+            <a:headEnd/>
+            <a:tailEnd/>
+          </a:ln>
+        </p:spPr>
+      </p:pic>
+      <p:pic>
+        <p:nvPicPr>
+          <p:cNvPr id="9" name="Picture 5"/>
+          <p:cNvPicPr>
+            <a:picLocks noChangeAspect="1" noChangeArrowheads="1"/>
+          </p:cNvPicPr>
+          <p:nvPr/>
+        </p:nvPicPr>
+        <p:blipFill>
+          <a:blip r:embed="rId5" cstate="print"/>
+          <a:srcRect/>
+          <a:stretch>
+            <a:fillRect/>
+          </a:stretch>
+        </p:blipFill>
+        <p:spPr bwMode="auto">
+          <a:xfrm>
+            <a:off x="5867400" y="1981200"/>
+            <a:ext cx="2533650" cy="714375"/>
+          </a:xfrm>
+          <a:prstGeom prst="rect">
+            <a:avLst/>
+          </a:prstGeom>
+          <a:noFill/>
+          <a:ln w="9525">
+            <a:noFill/>
+            <a:miter lim="800000"/>
+            <a:headEnd/>
+            <a:tailEnd/>
+          </a:ln>
+        </p:spPr>
+      </p:pic>
+      <p:cxnSp>
+        <p:nvCxnSpPr>
+          <p:cNvPr id="11" name="Straight Arrow Connector 10"/>
+          <p:cNvCxnSpPr/>
+          <p:nvPr/>
+        </p:nvCxnSpPr>
+        <p:spPr>
+          <a:xfrm flipV="1">
+            <a:off x="3810000" y="1905000"/>
+            <a:ext cx="2133600" cy="152400"/>
+          </a:xfrm>
+          <a:prstGeom prst="straightConnector1">
+            <a:avLst/>
+          </a:prstGeom>
+          <a:ln>
+            <a:tailEnd type="arrow"/>
+          </a:ln>
+        </p:spPr>
+        <p:style>
+          <a:lnRef idx="1">
+            <a:schemeClr val="accent1"/>
+          </a:lnRef>
+          <a:fillRef idx="0">
+            <a:schemeClr val="accent1"/>
+          </a:fillRef>
+          <a:effectRef idx="0">
+            <a:schemeClr val="accent1"/>
+          </a:effectRef>
+          <a:fontRef idx="minor">
+            <a:schemeClr val="tx1"/>
+          </a:fontRef>
+        </p:style>
+      </p:cxnSp>
+      <p:cxnSp>
+        <p:nvCxnSpPr>
+          <p:cNvPr id="13" name="Straight Arrow Connector 12"/>
+          <p:cNvCxnSpPr/>
+          <p:nvPr/>
+        </p:nvCxnSpPr>
+        <p:spPr>
+          <a:xfrm>
+            <a:off x="5181600" y="2209800"/>
+            <a:ext cx="914400" cy="152400"/>
+          </a:xfrm>
+          <a:prstGeom prst="straightConnector1">
+            <a:avLst/>
+          </a:prstGeom>
+          <a:ln>
+            <a:tailEnd type="arrow"/>
+          </a:ln>
+        </p:spPr>
+        <p:style>
+          <a:lnRef idx="1">
+            <a:schemeClr val="accent1"/>
+          </a:lnRef>
+          <a:fillRef idx="0">
+            <a:schemeClr val="accent1"/>
+          </a:fillRef>
+          <a:effectRef idx="0">
+            <a:schemeClr val="accent1"/>
+          </a:effectRef>
+          <a:fontRef idx="minor">
+            <a:schemeClr val="tx1"/>
+          </a:fontRef>
+        </p:style>
+      </p:cxnSp>
     </p:spTree>
   </p:cSld>
   <p:clrMapOvr>
@@ -4204,7 +4503,7 @@
       </p:grpSpPr>
       <p:pic>
         <p:nvPicPr>
-          <p:cNvPr id="2050" name="Picture 2"/>
+          <p:cNvPr id="9219" name="Picture 3"/>
           <p:cNvPicPr>
             <a:picLocks noChangeAspect="1" noChangeArrowheads="1"/>
           </p:cNvPicPr>
@@ -4219,8 +4518,8 @@
         </p:blipFill>
         <p:spPr bwMode="auto">
           <a:xfrm>
-            <a:off x="533400" y="762000"/>
-            <a:ext cx="8005084" cy="5334000"/>
+            <a:off x="304800" y="533400"/>
+            <a:ext cx="8534400" cy="5553075"/>
           </a:xfrm>
           <a:prstGeom prst="rect">
             <a:avLst/>
@@ -4261,7 +4560,7 @@
       </p:grpSpPr>
       <p:pic>
         <p:nvPicPr>
-          <p:cNvPr id="11267" name="Picture 3"/>
+          <p:cNvPr id="2050" name="Picture 2"/>
           <p:cNvPicPr>
             <a:picLocks noChangeAspect="1" noChangeArrowheads="1"/>
           </p:cNvPicPr>
@@ -4276,8 +4575,8 @@
         </p:blipFill>
         <p:spPr bwMode="auto">
           <a:xfrm>
-            <a:off x="914400" y="533399"/>
-            <a:ext cx="7467600" cy="6280329"/>
+            <a:off x="533400" y="762000"/>
+            <a:ext cx="8005084" cy="5334000"/>
           </a:xfrm>
           <a:prstGeom prst="rect">
             <a:avLst/>
@@ -4291,35 +4590,6 @@
           </a:ln>
         </p:spPr>
       </p:pic>
-      <p:sp>
-        <p:nvSpPr>
-          <p:cNvPr id="6" name="TextBox 5"/>
-          <p:cNvSpPr txBox="1"/>
-          <p:nvPr/>
-        </p:nvSpPr>
-        <p:spPr>
-          <a:xfrm>
-            <a:off x="1371600" y="152400"/>
-            <a:ext cx="3539752" cy="369332"/>
-          </a:xfrm>
-          <a:prstGeom prst="rect">
-            <a:avLst/>
-          </a:prstGeom>
-          <a:noFill/>
-        </p:spPr>
-        <p:txBody>
-          <a:bodyPr wrap="none" rtlCol="0">
-            <a:spAutoFit/>
-          </a:bodyPr>
-          <a:lstStyle/>
-          <a:p>
-            <a:r>
-              <a:rPr lang="en-US"/>
-              <a:t>A summary view of all our models…</a:t>
-            </a:r>
-          </a:p>
-        </p:txBody>
-      </p:sp>
     </p:spTree>
   </p:cSld>
   <p:clrMapOvr>
@@ -4345,46 +4615,9 @@
           <a:chExt cx="0" cy="0"/>
         </a:xfrm>
       </p:grpSpPr>
-      <p:sp>
-        <p:nvSpPr>
-          <p:cNvPr id="4" name="TextBox 3"/>
-          <p:cNvSpPr txBox="1"/>
-          <p:nvPr/>
-        </p:nvSpPr>
-        <p:spPr>
-          <a:xfrm>
-            <a:off x="1066800" y="685800"/>
-            <a:ext cx="7411260" cy="369332"/>
-          </a:xfrm>
-          <a:prstGeom prst="rect">
-            <a:avLst/>
-          </a:prstGeom>
-          <a:noFill/>
-        </p:spPr>
-        <p:txBody>
-          <a:bodyPr wrap="none" rtlCol="0">
-            <a:spAutoFit/>
-          </a:bodyPr>
-          <a:lstStyle/>
-          <a:p>
-            <a:r>
-              <a:rPr lang="en-US" dirty="0"/>
-              <a:t>From the </a:t>
-            </a:r>
-            <a:r>
-              <a:rPr lang="en-US" dirty="0" err="1"/>
-              <a:t>Zuur</a:t>
-            </a:r>
-            <a:r>
-              <a:rPr lang="en-US" dirty="0"/>
-              <a:t> book; we can look at Pearson residuals vs. model or covariates</a:t>
-            </a:r>
-          </a:p>
-        </p:txBody>
-      </p:sp>
       <p:pic>
         <p:nvPicPr>
-          <p:cNvPr id="14338" name="Picture 2"/>
+          <p:cNvPr id="11267" name="Picture 3"/>
           <p:cNvPicPr>
             <a:picLocks noChangeAspect="1" noChangeArrowheads="1"/>
           </p:cNvPicPr>
@@ -4399,8 +4632,8 @@
         </p:blipFill>
         <p:spPr bwMode="auto">
           <a:xfrm>
-            <a:off x="282575" y="1377950"/>
-            <a:ext cx="8578850" cy="4102100"/>
+            <a:off x="914400" y="533399"/>
+            <a:ext cx="7467600" cy="6280329"/>
           </a:xfrm>
           <a:prstGeom prst="rect">
             <a:avLst/>
@@ -4414,6 +4647,35 @@
           </a:ln>
         </p:spPr>
       </p:pic>
+      <p:sp>
+        <p:nvSpPr>
+          <p:cNvPr id="6" name="TextBox 5"/>
+          <p:cNvSpPr txBox="1"/>
+          <p:nvPr/>
+        </p:nvSpPr>
+        <p:spPr>
+          <a:xfrm>
+            <a:off x="1371600" y="152400"/>
+            <a:ext cx="3539752" cy="369332"/>
+          </a:xfrm>
+          <a:prstGeom prst="rect">
+            <a:avLst/>
+          </a:prstGeom>
+          <a:noFill/>
+        </p:spPr>
+        <p:txBody>
+          <a:bodyPr wrap="none" rtlCol="0">
+            <a:spAutoFit/>
+          </a:bodyPr>
+          <a:lstStyle/>
+          <a:p>
+            <a:r>
+              <a:rPr lang="en-US"/>
+              <a:t>A summary view of all our models…</a:t>
+            </a:r>
+          </a:p>
+        </p:txBody>
+      </p:sp>
     </p:spTree>
   </p:cSld>
   <p:clrMapOvr>
@@ -4441,14 +4703,14 @@
       </p:grpSpPr>
       <p:sp>
         <p:nvSpPr>
-          <p:cNvPr id="6" name="TextBox 5"/>
+          <p:cNvPr id="4" name="TextBox 3"/>
           <p:cNvSpPr txBox="1"/>
           <p:nvPr/>
         </p:nvSpPr>
         <p:spPr>
           <a:xfrm>
-            <a:off x="685800" y="11668"/>
-            <a:ext cx="6109558" cy="369332"/>
+            <a:off x="1066800" y="685800"/>
+            <a:ext cx="7411260" cy="369332"/>
           </a:xfrm>
           <a:prstGeom prst="rect">
             <a:avLst/>
@@ -4463,22 +4725,22 @@
           <a:p>
             <a:r>
               <a:rPr lang="en-US" dirty="0"/>
-              <a:t>None of these models are free </a:t>
-            </a:r>
-            <a:r>
-              <a:rPr lang="en-US"/>
-              <a:t>from patterns </a:t>
+              <a:t>From the </a:t>
+            </a:r>
+            <a:r>
+              <a:rPr lang="en-US" dirty="0" err="1"/>
+              <a:t>Zuur</a:t>
             </a:r>
             <a:r>
               <a:rPr lang="en-US" dirty="0"/>
-              <a:t>in their residuals..</a:t>
+              <a:t> book; we can look at Pearson residuals vs. model or covariates</a:t>
             </a:r>
           </a:p>
         </p:txBody>
       </p:sp>
       <p:pic>
         <p:nvPicPr>
-          <p:cNvPr id="13316" name="Picture 4"/>
+          <p:cNvPr id="14338" name="Picture 2"/>
           <p:cNvPicPr>
             <a:picLocks noChangeAspect="1" noChangeArrowheads="1"/>
           </p:cNvPicPr>
@@ -4493,40 +4755,8 @@
         </p:blipFill>
         <p:spPr bwMode="auto">
           <a:xfrm>
-            <a:off x="1066800" y="323850"/>
-            <a:ext cx="6788150" cy="1123950"/>
-          </a:xfrm>
-          <a:prstGeom prst="rect">
-            <a:avLst/>
-          </a:prstGeom>
-          <a:noFill/>
-          <a:ln w="9525">
-            <a:noFill/>
-            <a:miter lim="800000"/>
-            <a:headEnd/>
-            <a:tailEnd/>
-          </a:ln>
-        </p:spPr>
-      </p:pic>
-      <p:pic>
-        <p:nvPicPr>
-          <p:cNvPr id="13317" name="Picture 5"/>
-          <p:cNvPicPr>
-            <a:picLocks noChangeAspect="1" noChangeArrowheads="1"/>
-          </p:cNvPicPr>
-          <p:nvPr/>
-        </p:nvPicPr>
-        <p:blipFill>
-          <a:blip r:embed="rId3" cstate="print"/>
-          <a:srcRect/>
-          <a:stretch>
-            <a:fillRect/>
-          </a:stretch>
-        </p:blipFill>
-        <p:spPr bwMode="auto">
-          <a:xfrm>
-            <a:off x="2133600" y="1524000"/>
-            <a:ext cx="5213350" cy="5261750"/>
+            <a:off x="282575" y="1377950"/>
+            <a:ext cx="8578850" cy="4102100"/>
           </a:xfrm>
           <a:prstGeom prst="rect">
             <a:avLst/>
@@ -4573,8 +4803,8 @@
         </p:nvSpPr>
         <p:spPr>
           <a:xfrm>
-            <a:off x="762000" y="0"/>
-            <a:ext cx="5414880" cy="369332"/>
+            <a:off x="381000" y="228600"/>
+            <a:ext cx="2111155" cy="646331"/>
           </a:xfrm>
           <a:prstGeom prst="rect">
             <a:avLst/>
@@ -4589,131 +4819,50 @@
           <a:p>
             <a:r>
               <a:rPr lang="en-US" dirty="0"/>
-              <a:t>We often see lots of zeros in our sequence datasheets…</a:t>
-            </a:r>
-          </a:p>
-        </p:txBody>
-      </p:sp>
-      <p:pic>
-        <p:nvPicPr>
-          <p:cNvPr id="1026" name="Picture 2"/>
-          <p:cNvPicPr>
-            <a:picLocks noChangeAspect="1" noChangeArrowheads="1"/>
-          </p:cNvPicPr>
-          <p:nvPr/>
-        </p:nvPicPr>
-        <p:blipFill>
-          <a:blip r:embed="rId2" cstate="print"/>
-          <a:srcRect/>
-          <a:stretch>
-            <a:fillRect/>
-          </a:stretch>
-        </p:blipFill>
-        <p:spPr bwMode="auto">
-          <a:xfrm>
-            <a:off x="152400" y="533400"/>
-            <a:ext cx="8915400" cy="4140455"/>
-          </a:xfrm>
-          <a:prstGeom prst="rect">
-            <a:avLst/>
-          </a:prstGeom>
-          <a:noFill/>
-          <a:ln w="9525">
-            <a:noFill/>
-            <a:miter lim="800000"/>
-            <a:headEnd/>
-            <a:tailEnd/>
+              <a:t>Zero inflated models</a:t>
+            </a:r>
+          </a:p>
+          <a:p>
+            <a:r>
+              <a:rPr lang="en-US" dirty="0"/>
+              <a:t>Kendall’s tau</a:t>
+            </a:r>
+          </a:p>
+        </p:txBody>
+      </p:sp>
+      <p:cxnSp>
+        <p:nvCxnSpPr>
+          <p:cNvPr id="5" name="Straight Arrow Connector 4"/>
+          <p:cNvCxnSpPr/>
+          <p:nvPr/>
+        </p:nvCxnSpPr>
+        <p:spPr>
+          <a:xfrm flipH="1">
+            <a:off x="2492155" y="381000"/>
+            <a:ext cx="936845" cy="0"/>
+          </a:xfrm>
+          <a:prstGeom prst="straightConnector1">
+            <a:avLst/>
+          </a:prstGeom>
+          <a:ln>
+            <a:tailEnd type="triangle"/>
           </a:ln>
         </p:spPr>
-      </p:pic>
-      <p:sp>
-        <p:nvSpPr>
-          <p:cNvPr id="6" name="TextBox 5"/>
-          <p:cNvSpPr txBox="1"/>
-          <p:nvPr/>
-        </p:nvSpPr>
-        <p:spPr>
-          <a:xfrm>
-            <a:off x="228600" y="4876800"/>
-            <a:ext cx="8755025" cy="923330"/>
-          </a:xfrm>
-          <a:prstGeom prst="rect">
-            <a:avLst/>
-          </a:prstGeom>
-          <a:noFill/>
-        </p:spPr>
-        <p:txBody>
-          <a:bodyPr wrap="none" rtlCol="0">
-            <a:spAutoFit/>
-          </a:bodyPr>
-          <a:lstStyle/>
-          <a:p>
-            <a:r>
-              <a:rPr lang="en-US" dirty="0"/>
-              <a:t>The source of all these zeros is not entirely clear…</a:t>
-            </a:r>
-          </a:p>
-          <a:p>
-            <a:r>
-              <a:rPr lang="en-US" dirty="0"/>
-              <a:t>Sequencing error, </a:t>
-            </a:r>
-            <a:r>
-              <a:rPr lang="en-US" dirty="0" err="1"/>
-              <a:t>mis</a:t>
-            </a:r>
-            <a:r>
-              <a:rPr lang="en-US" dirty="0"/>
-              <a:t>-classified </a:t>
-            </a:r>
-            <a:r>
-              <a:rPr lang="en-US" dirty="0" err="1"/>
-              <a:t>taxa</a:t>
-            </a:r>
-            <a:r>
-              <a:rPr lang="en-US" dirty="0"/>
-              <a:t>, lack of sequencing depth in some samples,</a:t>
-            </a:r>
-          </a:p>
-          <a:p>
-            <a:r>
-              <a:rPr lang="en-US" dirty="0"/>
-              <a:t>Biological diversity (we all have a few unique bugs that are not shared across many people).</a:t>
-            </a:r>
-          </a:p>
-        </p:txBody>
-      </p:sp>
-      <p:sp>
-        <p:nvSpPr>
-          <p:cNvPr id="7" name="Rectangle 6"/>
-          <p:cNvSpPr/>
-          <p:nvPr/>
-        </p:nvSpPr>
-        <p:spPr>
-          <a:xfrm>
-            <a:off x="609600" y="6428601"/>
-            <a:ext cx="7924800" cy="276999"/>
-          </a:xfrm>
-          <a:prstGeom prst="rect">
-            <a:avLst/>
-          </a:prstGeom>
-        </p:spPr>
-        <p:txBody>
-          <a:bodyPr wrap="square">
-            <a:spAutoFit/>
-          </a:bodyPr>
-          <a:lstStyle/>
-          <a:p>
-            <a:r>
-              <a:rPr lang="en-US" sz="1200" dirty="0">
-                <a:latin typeface="Arial" pitchFamily="34" charset="0"/>
-                <a:cs typeface="Arial" pitchFamily="34" charset="0"/>
-              </a:rPr>
-              <a:t>http://afodor.github.io/classes/stats2015/caseControlData.txt</a:t>
-            </a:r>
-          </a:p>
-        </p:txBody>
-      </p:sp>
+        <p:style>
+          <a:lnRef idx="1">
+            <a:schemeClr val="accent1"/>
+          </a:lnRef>
+          <a:fillRef idx="0">
+            <a:schemeClr val="accent1"/>
+          </a:fillRef>
+          <a:effectRef idx="0">
+            <a:schemeClr val="accent1"/>
+          </a:effectRef>
+          <a:fontRef idx="minor">
+            <a:schemeClr val="tx1"/>
+          </a:fontRef>
+        </p:style>
+      </p:cxnSp>
     </p:spTree>
   </p:cSld>
   <p:clrMapOvr>
@@ -4739,9 +4888,46 @@
           <a:chExt cx="0" cy="0"/>
         </a:xfrm>
       </p:grpSpPr>
+      <p:sp>
+        <p:nvSpPr>
+          <p:cNvPr id="6" name="TextBox 5"/>
+          <p:cNvSpPr txBox="1"/>
+          <p:nvPr/>
+        </p:nvSpPr>
+        <p:spPr>
+          <a:xfrm>
+            <a:off x="685800" y="11668"/>
+            <a:ext cx="6109558" cy="369332"/>
+          </a:xfrm>
+          <a:prstGeom prst="rect">
+            <a:avLst/>
+          </a:prstGeom>
+          <a:noFill/>
+        </p:spPr>
+        <p:txBody>
+          <a:bodyPr wrap="none" rtlCol="0">
+            <a:spAutoFit/>
+          </a:bodyPr>
+          <a:lstStyle/>
+          <a:p>
+            <a:r>
+              <a:rPr lang="en-US" dirty="0"/>
+              <a:t>None of these models are free </a:t>
+            </a:r>
+            <a:r>
+              <a:rPr lang="en-US"/>
+              <a:t>from patterns </a:t>
+            </a:r>
+            <a:r>
+              <a:rPr lang="en-US" dirty="0"/>
+              <a:t>in their residuals..</a:t>
+            </a:r>
+          </a:p>
+        </p:txBody>
+      </p:sp>
       <p:pic>
         <p:nvPicPr>
-          <p:cNvPr id="12290" name="Picture 2"/>
+          <p:cNvPr id="13316" name="Picture 4"/>
           <p:cNvPicPr>
             <a:picLocks noChangeAspect="1" noChangeArrowheads="1"/>
           </p:cNvPicPr>
@@ -4756,8 +4942,8 @@
         </p:blipFill>
         <p:spPr bwMode="auto">
           <a:xfrm>
-            <a:off x="990600" y="1676400"/>
-            <a:ext cx="5295900" cy="1162050"/>
+            <a:off x="1066800" y="323850"/>
+            <a:ext cx="6788150" cy="1123950"/>
           </a:xfrm>
           <a:prstGeom prst="rect">
             <a:avLst/>
@@ -4771,35 +4957,38 @@
           </a:ln>
         </p:spPr>
       </p:pic>
-      <p:sp>
-        <p:nvSpPr>
-          <p:cNvPr id="6" name="TextBox 5"/>
-          <p:cNvSpPr txBox="1"/>
-          <p:nvPr/>
-        </p:nvSpPr>
-        <p:spPr>
-          <a:xfrm>
-            <a:off x="1219200" y="533400"/>
-            <a:ext cx="6457730" cy="369332"/>
-          </a:xfrm>
-          <a:prstGeom prst="rect">
-            <a:avLst/>
-          </a:prstGeom>
-          <a:noFill/>
-        </p:spPr>
-        <p:txBody>
-          <a:bodyPr wrap="none" rtlCol="0">
-            <a:spAutoFit/>
-          </a:bodyPr>
-          <a:lstStyle/>
-          <a:p>
-            <a:r>
-              <a:rPr lang="en-US" dirty="0"/>
-              <a:t>A non-parametric alternative with a (just barely) significant p-value</a:t>
-            </a:r>
-          </a:p>
-        </p:txBody>
-      </p:sp>
+      <p:pic>
+        <p:nvPicPr>
+          <p:cNvPr id="13317" name="Picture 5"/>
+          <p:cNvPicPr>
+            <a:picLocks noChangeAspect="1" noChangeArrowheads="1"/>
+          </p:cNvPicPr>
+          <p:nvPr/>
+        </p:nvPicPr>
+        <p:blipFill>
+          <a:blip r:embed="rId3" cstate="print"/>
+          <a:srcRect/>
+          <a:stretch>
+            <a:fillRect/>
+          </a:stretch>
+        </p:blipFill>
+        <p:spPr bwMode="auto">
+          <a:xfrm>
+            <a:off x="2133600" y="1524000"/>
+            <a:ext cx="5213350" cy="5261750"/>
+          </a:xfrm>
+          <a:prstGeom prst="rect">
+            <a:avLst/>
+          </a:prstGeom>
+          <a:noFill/>
+          <a:ln w="9525">
+            <a:noFill/>
+            <a:miter lim="800000"/>
+            <a:headEnd/>
+            <a:tailEnd/>
+          </a:ln>
+        </p:spPr>
+      </p:pic>
     </p:spTree>
   </p:cSld>
   <p:clrMapOvr>
@@ -4825,101 +5014,68 @@
           <a:chExt cx="0" cy="0"/>
         </a:xfrm>
       </p:grpSpPr>
-      <p:sp>
-        <p:nvSpPr>
-          <p:cNvPr id="4" name="TextBox 3"/>
-          <p:cNvSpPr txBox="1"/>
-          <p:nvPr/>
-        </p:nvSpPr>
-        <p:spPr>
-          <a:xfrm>
-            <a:off x="914400" y="304800"/>
-            <a:ext cx="6716519" cy="1477328"/>
-          </a:xfrm>
-          <a:prstGeom prst="rect">
-            <a:avLst/>
-          </a:prstGeom>
-          <a:noFill/>
-        </p:spPr>
-        <p:txBody>
-          <a:bodyPr wrap="none" rtlCol="0">
-            <a:spAutoFit/>
-          </a:bodyPr>
-          <a:lstStyle/>
-          <a:p>
-            <a:r>
-              <a:rPr lang="en-US" dirty="0"/>
-              <a:t>Zero inflated models are an area of very active research in genomics…</a:t>
-            </a:r>
-          </a:p>
-          <a:p>
-            <a:endParaRPr lang="en-US" dirty="0"/>
-          </a:p>
-          <a:p>
-            <a:endParaRPr lang="en-US" dirty="0"/>
-          </a:p>
-          <a:p>
-            <a:endParaRPr lang="en-US" dirty="0"/>
-          </a:p>
-          <a:p>
-            <a:endParaRPr lang="en-US" dirty="0"/>
-          </a:p>
-        </p:txBody>
-      </p:sp>
       <p:pic>
         <p:nvPicPr>
-          <p:cNvPr id="7" name="Picture 6"/>
+          <p:cNvPr id="12290" name="Picture 2"/>
           <p:cNvPicPr>
-            <a:picLocks noChangeAspect="1"/>
+            <a:picLocks noChangeAspect="1" noChangeArrowheads="1"/>
           </p:cNvPicPr>
           <p:nvPr/>
         </p:nvPicPr>
         <p:blipFill>
-          <a:blip r:embed="rId2"/>
+          <a:blip r:embed="rId2" cstate="print"/>
+          <a:srcRect/>
           <a:stretch>
             <a:fillRect/>
           </a:stretch>
         </p:blipFill>
-        <p:spPr>
-          <a:xfrm>
-            <a:off x="304800" y="990600"/>
-            <a:ext cx="8534400" cy="1833519"/>
-          </a:xfrm>
-          <a:prstGeom prst="rect">
-            <a:avLst/>
-          </a:prstGeom>
+        <p:spPr bwMode="auto">
+          <a:xfrm>
+            <a:off x="990600" y="1676400"/>
+            <a:ext cx="5295900" cy="1162050"/>
+          </a:xfrm>
+          <a:prstGeom prst="rect">
+            <a:avLst/>
+          </a:prstGeom>
+          <a:noFill/>
+          <a:ln w="9525">
+            <a:noFill/>
+            <a:miter lim="800000"/>
+            <a:headEnd/>
+            <a:tailEnd/>
+          </a:ln>
         </p:spPr>
       </p:pic>
-      <p:pic>
-        <p:nvPicPr>
-          <p:cNvPr id="8" name="Picture 7"/>
-          <p:cNvPicPr>
-            <a:picLocks noChangeAspect="1"/>
-          </p:cNvPicPr>
-          <p:nvPr/>
-        </p:nvPicPr>
-        <p:blipFill>
-          <a:blip r:embed="rId3"/>
-          <a:stretch>
-            <a:fillRect/>
-          </a:stretch>
-        </p:blipFill>
-        <p:spPr>
-          <a:xfrm>
-            <a:off x="76200" y="3276600"/>
-            <a:ext cx="8610600" cy="1318657"/>
-          </a:xfrm>
-          <a:prstGeom prst="rect">
-            <a:avLst/>
-          </a:prstGeom>
-        </p:spPr>
-      </p:pic>
+      <p:sp>
+        <p:nvSpPr>
+          <p:cNvPr id="6" name="TextBox 5"/>
+          <p:cNvSpPr txBox="1"/>
+          <p:nvPr/>
+        </p:nvSpPr>
+        <p:spPr>
+          <a:xfrm>
+            <a:off x="1219200" y="533400"/>
+            <a:ext cx="6457730" cy="369332"/>
+          </a:xfrm>
+          <a:prstGeom prst="rect">
+            <a:avLst/>
+          </a:prstGeom>
+          <a:noFill/>
+        </p:spPr>
+        <p:txBody>
+          <a:bodyPr wrap="none" rtlCol="0">
+            <a:spAutoFit/>
+          </a:bodyPr>
+          <a:lstStyle/>
+          <a:p>
+            <a:r>
+              <a:rPr lang="en-US" dirty="0"/>
+              <a:t>A non-parametric alternative with a (just barely) significant p-value</a:t>
+            </a:r>
+          </a:p>
+        </p:txBody>
+      </p:sp>
     </p:spTree>
-    <p:extLst>
-      <p:ext uri="{BB962C8B-B14F-4D97-AF65-F5344CB8AC3E}">
-        <p14:creationId xmlns:p14="http://schemas.microsoft.com/office/powerpoint/2010/main" val="2203487541"/>
-      </p:ext>
-    </p:extLst>
   </p:cSld>
   <p:clrMapOvr>
     <a:masterClrMapping/>
@@ -4944,6 +5100,125 @@
           <a:chExt cx="0" cy="0"/>
         </a:xfrm>
       </p:grpSpPr>
+      <p:sp>
+        <p:nvSpPr>
+          <p:cNvPr id="4" name="TextBox 3"/>
+          <p:cNvSpPr txBox="1"/>
+          <p:nvPr/>
+        </p:nvSpPr>
+        <p:spPr>
+          <a:xfrm>
+            <a:off x="914400" y="304800"/>
+            <a:ext cx="6716519" cy="1477328"/>
+          </a:xfrm>
+          <a:prstGeom prst="rect">
+            <a:avLst/>
+          </a:prstGeom>
+          <a:noFill/>
+        </p:spPr>
+        <p:txBody>
+          <a:bodyPr wrap="none" rtlCol="0">
+            <a:spAutoFit/>
+          </a:bodyPr>
+          <a:lstStyle/>
+          <a:p>
+            <a:r>
+              <a:rPr lang="en-US" dirty="0"/>
+              <a:t>Zero inflated models are an area of very active research in genomics…</a:t>
+            </a:r>
+          </a:p>
+          <a:p>
+            <a:endParaRPr lang="en-US" dirty="0"/>
+          </a:p>
+          <a:p>
+            <a:endParaRPr lang="en-US" dirty="0"/>
+          </a:p>
+          <a:p>
+            <a:endParaRPr lang="en-US" dirty="0"/>
+          </a:p>
+          <a:p>
+            <a:endParaRPr lang="en-US" dirty="0"/>
+          </a:p>
+        </p:txBody>
+      </p:sp>
+      <p:pic>
+        <p:nvPicPr>
+          <p:cNvPr id="7" name="Picture 6"/>
+          <p:cNvPicPr>
+            <a:picLocks noChangeAspect="1"/>
+          </p:cNvPicPr>
+          <p:nvPr/>
+        </p:nvPicPr>
+        <p:blipFill>
+          <a:blip r:embed="rId2"/>
+          <a:stretch>
+            <a:fillRect/>
+          </a:stretch>
+        </p:blipFill>
+        <p:spPr>
+          <a:xfrm>
+            <a:off x="304800" y="990600"/>
+            <a:ext cx="8534400" cy="1833519"/>
+          </a:xfrm>
+          <a:prstGeom prst="rect">
+            <a:avLst/>
+          </a:prstGeom>
+        </p:spPr>
+      </p:pic>
+      <p:pic>
+        <p:nvPicPr>
+          <p:cNvPr id="8" name="Picture 7"/>
+          <p:cNvPicPr>
+            <a:picLocks noChangeAspect="1"/>
+          </p:cNvPicPr>
+          <p:nvPr/>
+        </p:nvPicPr>
+        <p:blipFill>
+          <a:blip r:embed="rId3"/>
+          <a:stretch>
+            <a:fillRect/>
+          </a:stretch>
+        </p:blipFill>
+        <p:spPr>
+          <a:xfrm>
+            <a:off x="76200" y="3276600"/>
+            <a:ext cx="8610600" cy="1318657"/>
+          </a:xfrm>
+          <a:prstGeom prst="rect">
+            <a:avLst/>
+          </a:prstGeom>
+        </p:spPr>
+      </p:pic>
+    </p:spTree>
+    <p:extLst>
+      <p:ext uri="{BB962C8B-B14F-4D97-AF65-F5344CB8AC3E}">
+        <p14:creationId xmlns:p14="http://schemas.microsoft.com/office/powerpoint/2010/main" val="2203487541"/>
+      </p:ext>
+    </p:extLst>
+  </p:cSld>
+  <p:clrMapOvr>
+    <a:masterClrMapping/>
+  </p:clrMapOvr>
+</p:sld>
+</file>
+
+<file path=ppt/slides/slide23.xml><?xml version="1.0" encoding="utf-8"?>
+<p:sld xmlns:a="http://schemas.openxmlformats.org/drawingml/2006/main" xmlns:r="http://schemas.openxmlformats.org/officeDocument/2006/relationships" xmlns:p="http://schemas.openxmlformats.org/presentationml/2006/main">
+  <p:cSld>
+    <p:spTree>
+      <p:nvGrpSpPr>
+        <p:cNvPr id="1" name=""/>
+        <p:cNvGrpSpPr/>
+        <p:nvPr/>
+      </p:nvGrpSpPr>
+      <p:grpSpPr>
+        <a:xfrm>
+          <a:off x="0" y="0"/>
+          <a:ext cx="0" cy="0"/>
+          <a:chOff x="0" y="0"/>
+          <a:chExt cx="0" cy="0"/>
+        </a:xfrm>
+      </p:grpSpPr>
       <p:pic>
         <p:nvPicPr>
           <p:cNvPr id="4" name="Picture 3"/>
@@ -5034,7 +5309,7 @@
 </p:sld>
 </file>
 
-<file path=ppt/slides/slide23.xml><?xml version="1.0" encoding="utf-8"?>
+<file path=ppt/slides/slide24.xml><?xml version="1.0" encoding="utf-8"?>
 <p:sld xmlns:a="http://schemas.openxmlformats.org/drawingml/2006/main" xmlns:r="http://schemas.openxmlformats.org/officeDocument/2006/relationships" xmlns:p="http://schemas.openxmlformats.org/presentationml/2006/main">
   <p:cSld>
     <p:spTree>
@@ -5132,128 +5407,6 @@
 </p:sld>
 </file>
 
-<file path=ppt/slides/slide24.xml><?xml version="1.0" encoding="utf-8"?>
-<p:sld xmlns:a="http://schemas.openxmlformats.org/drawingml/2006/main" xmlns:r="http://schemas.openxmlformats.org/officeDocument/2006/relationships" xmlns:p="http://schemas.openxmlformats.org/presentationml/2006/main">
-  <p:cSld>
-    <p:spTree>
-      <p:nvGrpSpPr>
-        <p:cNvPr id="1" name=""/>
-        <p:cNvGrpSpPr/>
-        <p:nvPr/>
-      </p:nvGrpSpPr>
-      <p:grpSpPr>
-        <a:xfrm>
-          <a:off x="0" y="0"/>
-          <a:ext cx="0" cy="0"/>
-          <a:chOff x="0" y="0"/>
-          <a:chExt cx="0" cy="0"/>
-        </a:xfrm>
-      </p:grpSpPr>
-      <p:sp>
-        <p:nvSpPr>
-          <p:cNvPr id="4" name="TextBox 3"/>
-          <p:cNvSpPr txBox="1"/>
-          <p:nvPr/>
-        </p:nvSpPr>
-        <p:spPr>
-          <a:xfrm>
-            <a:off x="762000" y="152400"/>
-            <a:ext cx="7287636" cy="369332"/>
-          </a:xfrm>
-          <a:prstGeom prst="rect">
-            <a:avLst/>
-          </a:prstGeom>
-          <a:noFill/>
-        </p:spPr>
-        <p:txBody>
-          <a:bodyPr wrap="none" rtlCol="0">
-            <a:spAutoFit/>
-          </a:bodyPr>
-          <a:lstStyle/>
-          <a:p>
-            <a:r>
-              <a:rPr lang="en-US" dirty="0"/>
-              <a:t>Kendall Rank Correlation – A non-parametric alternative to linear regression</a:t>
-            </a:r>
-          </a:p>
-        </p:txBody>
-      </p:sp>
-      <p:pic>
-        <p:nvPicPr>
-          <p:cNvPr id="38913" name="Picture 1"/>
-          <p:cNvPicPr>
-            <a:picLocks noChangeAspect="1" noChangeArrowheads="1"/>
-          </p:cNvPicPr>
-          <p:nvPr/>
-        </p:nvPicPr>
-        <p:blipFill>
-          <a:blip r:embed="rId2" cstate="print"/>
-          <a:srcRect/>
-          <a:stretch>
-            <a:fillRect/>
-          </a:stretch>
-        </p:blipFill>
-        <p:spPr bwMode="auto">
-          <a:xfrm>
-            <a:off x="381000" y="1219200"/>
-            <a:ext cx="8686800" cy="1625498"/>
-          </a:xfrm>
-          <a:prstGeom prst="rect">
-            <a:avLst/>
-          </a:prstGeom>
-          <a:noFill/>
-          <a:ln w="9525">
-            <a:noFill/>
-            <a:miter lim="800000"/>
-            <a:headEnd/>
-            <a:tailEnd/>
-          </a:ln>
-        </p:spPr>
-      </p:pic>
-      <p:sp>
-        <p:nvSpPr>
-          <p:cNvPr id="6" name="Rectangle 5"/>
-          <p:cNvSpPr/>
-          <p:nvPr/>
-        </p:nvSpPr>
-        <p:spPr>
-          <a:xfrm>
-            <a:off x="1524000" y="6324600"/>
-            <a:ext cx="7924800" cy="369332"/>
-          </a:xfrm>
-          <a:prstGeom prst="rect">
-            <a:avLst/>
-          </a:prstGeom>
-        </p:spPr>
-        <p:txBody>
-          <a:bodyPr wrap="square">
-            <a:spAutoFit/>
-          </a:bodyPr>
-          <a:lstStyle/>
-          <a:p>
-            <a:r>
-              <a:rPr lang="en-US" dirty="0">
-                <a:hlinkClick r:id="rId3"/>
-              </a:rPr>
-              <a:t>http://en.wikipedia.org/wiki/Kendall_tau_rank_correlation_coefficient</a:t>
-            </a:r>
-            <a:endParaRPr lang="en-US" dirty="0"/>
-          </a:p>
-        </p:txBody>
-      </p:sp>
-    </p:spTree>
-    <p:extLst>
-      <p:ext uri="{BB962C8B-B14F-4D97-AF65-F5344CB8AC3E}">
-        <p14:creationId xmlns:p14="http://schemas.microsoft.com/office/powerpoint/2010/main" val="3645044355"/>
-      </p:ext>
-    </p:extLst>
-  </p:cSld>
-  <p:clrMapOvr>
-    <a:masterClrMapping/>
-  </p:clrMapOvr>
-</p:sld>
-</file>
-
 <file path=ppt/slides/slide25.xml><?xml version="1.0" encoding="utf-8"?>
 <p:sld xmlns:a="http://schemas.openxmlformats.org/drawingml/2006/main" xmlns:r="http://schemas.openxmlformats.org/officeDocument/2006/relationships" xmlns:p="http://schemas.openxmlformats.org/presentationml/2006/main">
   <p:cSld>
@@ -5271,9 +5424,38 @@
           <a:chExt cx="0" cy="0"/>
         </a:xfrm>
       </p:grpSpPr>
+      <p:sp>
+        <p:nvSpPr>
+          <p:cNvPr id="4" name="TextBox 3"/>
+          <p:cNvSpPr txBox="1"/>
+          <p:nvPr/>
+        </p:nvSpPr>
+        <p:spPr>
+          <a:xfrm>
+            <a:off x="762000" y="152400"/>
+            <a:ext cx="7287636" cy="369332"/>
+          </a:xfrm>
+          <a:prstGeom prst="rect">
+            <a:avLst/>
+          </a:prstGeom>
+          <a:noFill/>
+        </p:spPr>
+        <p:txBody>
+          <a:bodyPr wrap="none" rtlCol="0">
+            <a:spAutoFit/>
+          </a:bodyPr>
+          <a:lstStyle/>
+          <a:p>
+            <a:r>
+              <a:rPr lang="en-US" dirty="0"/>
+              <a:t>Kendall Rank Correlation – A non-parametric alternative to linear regression</a:t>
+            </a:r>
+          </a:p>
+        </p:txBody>
+      </p:sp>
       <p:pic>
         <p:nvPicPr>
-          <p:cNvPr id="74754" name="Picture 2"/>
+          <p:cNvPr id="38913" name="Picture 1"/>
           <p:cNvPicPr>
             <a:picLocks noChangeAspect="1" noChangeArrowheads="1"/>
           </p:cNvPicPr>
@@ -5288,8 +5470,8 @@
         </p:blipFill>
         <p:spPr bwMode="auto">
           <a:xfrm>
-            <a:off x="304800" y="762000"/>
-            <a:ext cx="8686800" cy="4526188"/>
+            <a:off x="381000" y="1219200"/>
+            <a:ext cx="8686800" cy="1625498"/>
           </a:xfrm>
           <a:prstGeom prst="rect">
             <a:avLst/>
@@ -5305,7 +5487,7 @@
       </p:pic>
       <p:sp>
         <p:nvSpPr>
-          <p:cNvPr id="5" name="Rectangle 4"/>
+          <p:cNvPr id="6" name="Rectangle 5"/>
           <p:cNvSpPr/>
           <p:nvPr/>
         </p:nvSpPr>
@@ -5337,7 +5519,7 @@
     </p:spTree>
     <p:extLst>
       <p:ext uri="{BB962C8B-B14F-4D97-AF65-F5344CB8AC3E}">
-        <p14:creationId xmlns:p14="http://schemas.microsoft.com/office/powerpoint/2010/main" val="146787571"/>
+        <p14:creationId xmlns:p14="http://schemas.microsoft.com/office/powerpoint/2010/main" val="3645044355"/>
       </p:ext>
     </p:extLst>
   </p:cSld>
@@ -5366,7 +5548,7 @@
       </p:grpSpPr>
       <p:pic>
         <p:nvPicPr>
-          <p:cNvPr id="68610" name="Picture 2"/>
+          <p:cNvPr id="74754" name="Picture 2"/>
           <p:cNvPicPr>
             <a:picLocks noChangeAspect="1" noChangeArrowheads="1"/>
           </p:cNvPicPr>
@@ -5381,8 +5563,8 @@
         </p:blipFill>
         <p:spPr bwMode="auto">
           <a:xfrm>
-            <a:off x="1219200" y="990600"/>
-            <a:ext cx="6677025" cy="4791075"/>
+            <a:off x="304800" y="762000"/>
+            <a:ext cx="8686800" cy="4526188"/>
           </a:xfrm>
           <a:prstGeom prst="rect">
             <a:avLst/>
@@ -5396,72 +5578,41 @@
           </a:ln>
         </p:spPr>
       </p:pic>
-      <p:cxnSp>
-        <p:nvCxnSpPr>
-          <p:cNvPr id="6" name="Straight Arrow Connector 5"/>
-          <p:cNvCxnSpPr/>
-          <p:nvPr/>
-        </p:nvCxnSpPr>
-        <p:spPr>
-          <a:xfrm rot="5400000">
-            <a:off x="3657600" y="1143000"/>
-            <a:ext cx="685800" cy="533400"/>
-          </a:xfrm>
-          <a:prstGeom prst="straightConnector1">
-            <a:avLst/>
-          </a:prstGeom>
-          <a:ln>
-            <a:tailEnd type="arrow"/>
-          </a:ln>
-        </p:spPr>
-        <p:style>
-          <a:lnRef idx="1">
-            <a:schemeClr val="accent1"/>
-          </a:lnRef>
-          <a:fillRef idx="0">
-            <a:schemeClr val="accent1"/>
-          </a:fillRef>
-          <a:effectRef idx="0">
-            <a:schemeClr val="accent1"/>
-          </a:effectRef>
-          <a:fontRef idx="minor">
-            <a:schemeClr val="tx1"/>
-          </a:fontRef>
-        </p:style>
-      </p:cxnSp>
-      <p:sp>
-        <p:nvSpPr>
-          <p:cNvPr id="7" name="TextBox 6"/>
-          <p:cNvSpPr txBox="1"/>
-          <p:nvPr/>
-        </p:nvSpPr>
-        <p:spPr>
-          <a:xfrm>
-            <a:off x="1066800" y="152400"/>
-            <a:ext cx="4854149" cy="369332"/>
-          </a:xfrm>
-          <a:prstGeom prst="rect">
-            <a:avLst/>
-          </a:prstGeom>
-          <a:noFill/>
-        </p:spPr>
-        <p:txBody>
-          <a:bodyPr wrap="none" rtlCol="0">
+      <p:sp>
+        <p:nvSpPr>
+          <p:cNvPr id="5" name="Rectangle 4"/>
+          <p:cNvSpPr/>
+          <p:nvPr/>
+        </p:nvSpPr>
+        <p:spPr>
+          <a:xfrm>
+            <a:off x="1524000" y="6324600"/>
+            <a:ext cx="7924800" cy="369332"/>
+          </a:xfrm>
+          <a:prstGeom prst="rect">
+            <a:avLst/>
+          </a:prstGeom>
+        </p:spPr>
+        <p:txBody>
+          <a:bodyPr wrap="square">
             <a:spAutoFit/>
           </a:bodyPr>
           <a:lstStyle/>
           <a:p>
             <a:r>
-              <a:rPr lang="en-US" dirty="0"/>
-              <a:t>This test is not part of the main distribution in R…</a:t>
-            </a:r>
+              <a:rPr lang="en-US" dirty="0">
+                <a:hlinkClick r:id="rId3"/>
+              </a:rPr>
+              <a:t>http://en.wikipedia.org/wiki/Kendall_tau_rank_correlation_coefficient</a:t>
+            </a:r>
+            <a:endParaRPr lang="en-US" dirty="0"/>
           </a:p>
         </p:txBody>
       </p:sp>
     </p:spTree>
     <p:extLst>
       <p:ext uri="{BB962C8B-B14F-4D97-AF65-F5344CB8AC3E}">
-        <p14:creationId xmlns:p14="http://schemas.microsoft.com/office/powerpoint/2010/main" val="2869383839"/>
+        <p14:creationId xmlns:p14="http://schemas.microsoft.com/office/powerpoint/2010/main" val="146787571"/>
       </p:ext>
     </p:extLst>
   </p:cSld>
@@ -5490,6 +5641,130 @@
       </p:grpSpPr>
       <p:pic>
         <p:nvPicPr>
+          <p:cNvPr id="68610" name="Picture 2"/>
+          <p:cNvPicPr>
+            <a:picLocks noChangeAspect="1" noChangeArrowheads="1"/>
+          </p:cNvPicPr>
+          <p:nvPr/>
+        </p:nvPicPr>
+        <p:blipFill>
+          <a:blip r:embed="rId2" cstate="print"/>
+          <a:srcRect/>
+          <a:stretch>
+            <a:fillRect/>
+          </a:stretch>
+        </p:blipFill>
+        <p:spPr bwMode="auto">
+          <a:xfrm>
+            <a:off x="1219200" y="990600"/>
+            <a:ext cx="6677025" cy="4791075"/>
+          </a:xfrm>
+          <a:prstGeom prst="rect">
+            <a:avLst/>
+          </a:prstGeom>
+          <a:noFill/>
+          <a:ln w="9525">
+            <a:noFill/>
+            <a:miter lim="800000"/>
+            <a:headEnd/>
+            <a:tailEnd/>
+          </a:ln>
+        </p:spPr>
+      </p:pic>
+      <p:cxnSp>
+        <p:nvCxnSpPr>
+          <p:cNvPr id="6" name="Straight Arrow Connector 5"/>
+          <p:cNvCxnSpPr/>
+          <p:nvPr/>
+        </p:nvCxnSpPr>
+        <p:spPr>
+          <a:xfrm rot="5400000">
+            <a:off x="3657600" y="1143000"/>
+            <a:ext cx="685800" cy="533400"/>
+          </a:xfrm>
+          <a:prstGeom prst="straightConnector1">
+            <a:avLst/>
+          </a:prstGeom>
+          <a:ln>
+            <a:tailEnd type="arrow"/>
+          </a:ln>
+        </p:spPr>
+        <p:style>
+          <a:lnRef idx="1">
+            <a:schemeClr val="accent1"/>
+          </a:lnRef>
+          <a:fillRef idx="0">
+            <a:schemeClr val="accent1"/>
+          </a:fillRef>
+          <a:effectRef idx="0">
+            <a:schemeClr val="accent1"/>
+          </a:effectRef>
+          <a:fontRef idx="minor">
+            <a:schemeClr val="tx1"/>
+          </a:fontRef>
+        </p:style>
+      </p:cxnSp>
+      <p:sp>
+        <p:nvSpPr>
+          <p:cNvPr id="7" name="TextBox 6"/>
+          <p:cNvSpPr txBox="1"/>
+          <p:nvPr/>
+        </p:nvSpPr>
+        <p:spPr>
+          <a:xfrm>
+            <a:off x="1066800" y="152400"/>
+            <a:ext cx="4854149" cy="369332"/>
+          </a:xfrm>
+          <a:prstGeom prst="rect">
+            <a:avLst/>
+          </a:prstGeom>
+          <a:noFill/>
+        </p:spPr>
+        <p:txBody>
+          <a:bodyPr wrap="none" rtlCol="0">
+            <a:spAutoFit/>
+          </a:bodyPr>
+          <a:lstStyle/>
+          <a:p>
+            <a:r>
+              <a:rPr lang="en-US" dirty="0"/>
+              <a:t>This test is not part of the main distribution in R…</a:t>
+            </a:r>
+          </a:p>
+        </p:txBody>
+      </p:sp>
+    </p:spTree>
+    <p:extLst>
+      <p:ext uri="{BB962C8B-B14F-4D97-AF65-F5344CB8AC3E}">
+        <p14:creationId xmlns:p14="http://schemas.microsoft.com/office/powerpoint/2010/main" val="2869383839"/>
+      </p:ext>
+    </p:extLst>
+  </p:cSld>
+  <p:clrMapOvr>
+    <a:masterClrMapping/>
+  </p:clrMapOvr>
+</p:sld>
+</file>
+
+<file path=ppt/slides/slide28.xml><?xml version="1.0" encoding="utf-8"?>
+<p:sld xmlns:a="http://schemas.openxmlformats.org/drawingml/2006/main" xmlns:r="http://schemas.openxmlformats.org/officeDocument/2006/relationships" xmlns:p="http://schemas.openxmlformats.org/presentationml/2006/main">
+  <p:cSld>
+    <p:spTree>
+      <p:nvGrpSpPr>
+        <p:cNvPr id="1" name=""/>
+        <p:cNvGrpSpPr/>
+        <p:nvPr/>
+      </p:nvGrpSpPr>
+      <p:grpSpPr>
+        <a:xfrm>
+          <a:off x="0" y="0"/>
+          <a:ext cx="0" cy="0"/>
+          <a:chOff x="0" y="0"/>
+          <a:chExt cx="0" cy="0"/>
+        </a:xfrm>
+      </p:grpSpPr>
+      <p:pic>
+        <p:nvPicPr>
           <p:cNvPr id="69634" name="Picture 2"/>
           <p:cNvPicPr>
             <a:picLocks noChangeAspect="1" noChangeArrowheads="1"/>
@@ -5566,7 +5841,7 @@
 </p:sld>
 </file>
 
-<file path=ppt/slides/slide28.xml><?xml version="1.0" encoding="utf-8"?>
+<file path=ppt/slides/slide29.xml><?xml version="1.0" encoding="utf-8"?>
 <p:sld xmlns:a="http://schemas.openxmlformats.org/drawingml/2006/main" xmlns:r="http://schemas.openxmlformats.org/officeDocument/2006/relationships" xmlns:p="http://schemas.openxmlformats.org/presentationml/2006/main">
   <p:cSld>
     <p:spTree>
@@ -5681,130 +5956,6 @@
     <p:extLst>
       <p:ext uri="{BB962C8B-B14F-4D97-AF65-F5344CB8AC3E}">
         <p14:creationId xmlns:p14="http://schemas.microsoft.com/office/powerpoint/2010/main" val="1003328054"/>
-      </p:ext>
-    </p:extLst>
-  </p:cSld>
-  <p:clrMapOvr>
-    <a:masterClrMapping/>
-  </p:clrMapOvr>
-</p:sld>
-</file>
-
-<file path=ppt/slides/slide29.xml><?xml version="1.0" encoding="utf-8"?>
-<p:sld xmlns:a="http://schemas.openxmlformats.org/drawingml/2006/main" xmlns:r="http://schemas.openxmlformats.org/officeDocument/2006/relationships" xmlns:p="http://schemas.openxmlformats.org/presentationml/2006/main">
-  <p:cSld>
-    <p:spTree>
-      <p:nvGrpSpPr>
-        <p:cNvPr id="1" name=""/>
-        <p:cNvGrpSpPr/>
-        <p:nvPr/>
-      </p:nvGrpSpPr>
-      <p:grpSpPr>
-        <a:xfrm>
-          <a:off x="0" y="0"/>
-          <a:ext cx="0" cy="0"/>
-          <a:chOff x="0" y="0"/>
-          <a:chExt cx="0" cy="0"/>
-        </a:xfrm>
-      </p:grpSpPr>
-      <p:pic>
-        <p:nvPicPr>
-          <p:cNvPr id="71682" name="Picture 2"/>
-          <p:cNvPicPr>
-            <a:picLocks noChangeAspect="1" noChangeArrowheads="1"/>
-          </p:cNvPicPr>
-          <p:nvPr/>
-        </p:nvPicPr>
-        <p:blipFill>
-          <a:blip r:embed="rId2" cstate="print"/>
-          <a:srcRect/>
-          <a:stretch>
-            <a:fillRect/>
-          </a:stretch>
-        </p:blipFill>
-        <p:spPr bwMode="auto">
-          <a:xfrm>
-            <a:off x="1295400" y="1676400"/>
-            <a:ext cx="6581775" cy="2533650"/>
-          </a:xfrm>
-          <a:prstGeom prst="rect">
-            <a:avLst/>
-          </a:prstGeom>
-          <a:noFill/>
-          <a:ln w="9525">
-            <a:noFill/>
-            <a:miter lim="800000"/>
-            <a:headEnd/>
-            <a:tailEnd/>
-          </a:ln>
-        </p:spPr>
-      </p:pic>
-      <p:cxnSp>
-        <p:nvCxnSpPr>
-          <p:cNvPr id="6" name="Straight Arrow Connector 5"/>
-          <p:cNvCxnSpPr/>
-          <p:nvPr/>
-        </p:nvCxnSpPr>
-        <p:spPr>
-          <a:xfrm rot="16200000" flipH="1">
-            <a:off x="2438400" y="1447800"/>
-            <a:ext cx="685800" cy="533400"/>
-          </a:xfrm>
-          <a:prstGeom prst="straightConnector1">
-            <a:avLst/>
-          </a:prstGeom>
-          <a:ln>
-            <a:tailEnd type="arrow"/>
-          </a:ln>
-        </p:spPr>
-        <p:style>
-          <a:lnRef idx="1">
-            <a:schemeClr val="accent1"/>
-          </a:lnRef>
-          <a:fillRef idx="0">
-            <a:schemeClr val="accent1"/>
-          </a:fillRef>
-          <a:effectRef idx="0">
-            <a:schemeClr val="accent1"/>
-          </a:effectRef>
-          <a:fontRef idx="minor">
-            <a:schemeClr val="tx1"/>
-          </a:fontRef>
-        </p:style>
-      </p:cxnSp>
-      <p:sp>
-        <p:nvSpPr>
-          <p:cNvPr id="7" name="TextBox 6"/>
-          <p:cNvSpPr txBox="1"/>
-          <p:nvPr/>
-        </p:nvSpPr>
-        <p:spPr>
-          <a:xfrm>
-            <a:off x="1143000" y="1002268"/>
-            <a:ext cx="5334000" cy="369332"/>
-          </a:xfrm>
-          <a:prstGeom prst="rect">
-            <a:avLst/>
-          </a:prstGeom>
-          <a:noFill/>
-        </p:spPr>
-        <p:txBody>
-          <a:bodyPr wrap="square" rtlCol="0">
-            <a:spAutoFit/>
-          </a:bodyPr>
-          <a:lstStyle/>
-          <a:p>
-            <a:r>
-              <a:rPr lang="en-US" dirty="0"/>
-              <a:t>Every time you start R, you have to load the package</a:t>
-            </a:r>
-          </a:p>
-        </p:txBody>
-      </p:sp>
-    </p:spTree>
-    <p:extLst>
-      <p:ext uri="{BB962C8B-B14F-4D97-AF65-F5344CB8AC3E}">
-        <p14:creationId xmlns:p14="http://schemas.microsoft.com/office/powerpoint/2010/main" val="2122834724"/>
       </p:ext>
     </p:extLst>
   </p:cSld>
@@ -5839,30 +5990,30 @@
         </p:nvSpPr>
         <p:spPr>
           <a:xfrm>
-            <a:off x="609600" y="0"/>
-            <a:ext cx="5867400" cy="369332"/>
-          </a:xfrm>
-          <a:prstGeom prst="rect">
-            <a:avLst/>
-          </a:prstGeom>
-          <a:noFill/>
-        </p:spPr>
-        <p:txBody>
-          <a:bodyPr wrap="square" rtlCol="0">
+            <a:off x="762000" y="0"/>
+            <a:ext cx="5414880" cy="369332"/>
+          </a:xfrm>
+          <a:prstGeom prst="rect">
+            <a:avLst/>
+          </a:prstGeom>
+          <a:noFill/>
+        </p:spPr>
+        <p:txBody>
+          <a:bodyPr wrap="none" rtlCol="0">
             <a:spAutoFit/>
           </a:bodyPr>
           <a:lstStyle/>
           <a:p>
             <a:r>
               <a:rPr lang="en-US" dirty="0"/>
-              <a:t>The zeros play havoc with assumptions such as normality</a:t>
+              <a:t>We often see lots of zeros in our sequence datasheets…</a:t>
             </a:r>
           </a:p>
         </p:txBody>
       </p:sp>
       <p:pic>
         <p:nvPicPr>
-          <p:cNvPr id="2050" name="Picture 2"/>
+          <p:cNvPr id="1026" name="Picture 2"/>
           <p:cNvPicPr>
             <a:picLocks noChangeAspect="1" noChangeArrowheads="1"/>
           </p:cNvPicPr>
@@ -5877,8 +6028,8 @@
         </p:blipFill>
         <p:spPr bwMode="auto">
           <a:xfrm>
-            <a:off x="762000" y="457200"/>
-            <a:ext cx="5334000" cy="485775"/>
+            <a:off x="152400" y="533400"/>
+            <a:ext cx="8915400" cy="4140455"/>
           </a:xfrm>
           <a:prstGeom prst="rect">
             <a:avLst/>
@@ -5892,48 +6043,16 @@
           </a:ln>
         </p:spPr>
       </p:pic>
-      <p:pic>
-        <p:nvPicPr>
-          <p:cNvPr id="2051" name="Picture 3"/>
-          <p:cNvPicPr>
-            <a:picLocks noChangeAspect="1" noChangeArrowheads="1"/>
-          </p:cNvPicPr>
-          <p:nvPr/>
-        </p:nvPicPr>
-        <p:blipFill>
-          <a:blip r:embed="rId3" cstate="print"/>
-          <a:srcRect/>
-          <a:stretch>
-            <a:fillRect/>
-          </a:stretch>
-        </p:blipFill>
-        <p:spPr bwMode="auto">
-          <a:xfrm>
-            <a:off x="2133600" y="838200"/>
-            <a:ext cx="5191125" cy="5239640"/>
-          </a:xfrm>
-          <a:prstGeom prst="rect">
-            <a:avLst/>
-          </a:prstGeom>
-          <a:noFill/>
-          <a:ln w="9525">
-            <a:noFill/>
-            <a:miter lim="800000"/>
-            <a:headEnd/>
-            <a:tailEnd/>
-          </a:ln>
-        </p:spPr>
-      </p:pic>
-      <p:sp>
-        <p:nvSpPr>
-          <p:cNvPr id="7" name="TextBox 6"/>
+      <p:sp>
+        <p:nvSpPr>
+          <p:cNvPr id="6" name="TextBox 5"/>
           <p:cNvSpPr txBox="1"/>
           <p:nvPr/>
         </p:nvSpPr>
         <p:spPr>
           <a:xfrm>
-            <a:off x="533400" y="6096000"/>
-            <a:ext cx="8411918" cy="646331"/>
+            <a:off x="228600" y="4876800"/>
+            <a:ext cx="8755025" cy="923330"/>
           </a:xfrm>
           <a:prstGeom prst="rect">
             <a:avLst/>
@@ -5948,33 +6067,66 @@
           <a:p>
             <a:r>
               <a:rPr lang="en-US" dirty="0"/>
-              <a:t>Today we will look at </a:t>
-            </a:r>
-            <a:r>
-              <a:rPr lang="en-US" dirty="0">
-                <a:solidFill>
-                  <a:srgbClr val="FF0000"/>
-                </a:solidFill>
+              <a:t>The source of all these zeros is not entirely clear…</a:t>
+            </a:r>
+          </a:p>
+          <a:p>
+            <a:r>
+              <a:rPr lang="en-US" dirty="0"/>
+              <a:t>Sequencing error, </a:t>
+            </a:r>
+            <a:r>
+              <a:rPr lang="en-US" dirty="0" err="1"/>
+              <a:t>mis</a:t>
+            </a:r>
+            <a:r>
+              <a:rPr lang="en-US" dirty="0"/>
+              <a:t>-classified </a:t>
+            </a:r>
+            <a:r>
+              <a:rPr lang="en-US" dirty="0" err="1"/>
+              <a:t>taxa</a:t>
+            </a:r>
+            <a:r>
+              <a:rPr lang="en-US" dirty="0"/>
+              <a:t>, lack of sequencing depth in some samples,</a:t>
+            </a:r>
+          </a:p>
+          <a:p>
+            <a:r>
+              <a:rPr lang="en-US" dirty="0"/>
+              <a:t>Biological diversity (we all have a few unique bugs that are not shared across many people).</a:t>
+            </a:r>
+          </a:p>
+        </p:txBody>
+      </p:sp>
+      <p:sp>
+        <p:nvSpPr>
+          <p:cNvPr id="7" name="Rectangle 6"/>
+          <p:cNvSpPr/>
+          <p:nvPr/>
+        </p:nvSpPr>
+        <p:spPr>
+          <a:xfrm>
+            <a:off x="609600" y="6428601"/>
+            <a:ext cx="7924800" cy="276999"/>
+          </a:xfrm>
+          <a:prstGeom prst="rect">
+            <a:avLst/>
+          </a:prstGeom>
+        </p:spPr>
+        <p:txBody>
+          <a:bodyPr wrap="square">
+            <a:spAutoFit/>
+          </a:bodyPr>
+          <a:lstStyle/>
+          <a:p>
+            <a:r>
+              <a:rPr lang="en-US" sz="1200" dirty="0">
+                <a:latin typeface="Arial" pitchFamily="34" charset="0"/>
+                <a:cs typeface="Arial" pitchFamily="34" charset="0"/>
               </a:rPr>
-              <a:t>mixture models</a:t>
-            </a:r>
-            <a:r>
-              <a:rPr lang="en-US" dirty="0"/>
-              <a:t> that explicitly model the over-abundance of zeros.</a:t>
-            </a:r>
-          </a:p>
-          <a:p>
-            <a:r>
-              <a:rPr lang="en-US" dirty="0"/>
-              <a:t>We follow chapter 11 in the </a:t>
-            </a:r>
-            <a:r>
-              <a:rPr lang="en-US" dirty="0" err="1"/>
-              <a:t>Zuur</a:t>
-            </a:r>
-            <a:r>
-              <a:rPr lang="en-US" dirty="0"/>
-              <a:t> book…</a:t>
+              <a:t>http://afodor.github.io/classes/stats2015/caseControlData.txt</a:t>
             </a:r>
           </a:p>
         </p:txBody>
@@ -6006,7 +6158,7 @@
       </p:grpSpPr>
       <p:pic>
         <p:nvPicPr>
-          <p:cNvPr id="72706" name="Picture 2"/>
+          <p:cNvPr id="71682" name="Picture 2"/>
           <p:cNvPicPr>
             <a:picLocks noChangeAspect="1" noChangeArrowheads="1"/>
           </p:cNvPicPr>
@@ -6021,8 +6173,8 @@
         </p:blipFill>
         <p:spPr bwMode="auto">
           <a:xfrm>
-            <a:off x="2628900" y="509588"/>
-            <a:ext cx="3886200" cy="5838825"/>
+            <a:off x="1295400" y="1676400"/>
+            <a:ext cx="6581775" cy="2533650"/>
           </a:xfrm>
           <a:prstGeom prst="rect">
             <a:avLst/>
@@ -6036,10 +6188,72 @@
           </a:ln>
         </p:spPr>
       </p:pic>
+      <p:cxnSp>
+        <p:nvCxnSpPr>
+          <p:cNvPr id="6" name="Straight Arrow Connector 5"/>
+          <p:cNvCxnSpPr/>
+          <p:nvPr/>
+        </p:nvCxnSpPr>
+        <p:spPr>
+          <a:xfrm rot="16200000" flipH="1">
+            <a:off x="2438400" y="1447800"/>
+            <a:ext cx="685800" cy="533400"/>
+          </a:xfrm>
+          <a:prstGeom prst="straightConnector1">
+            <a:avLst/>
+          </a:prstGeom>
+          <a:ln>
+            <a:tailEnd type="arrow"/>
+          </a:ln>
+        </p:spPr>
+        <p:style>
+          <a:lnRef idx="1">
+            <a:schemeClr val="accent1"/>
+          </a:lnRef>
+          <a:fillRef idx="0">
+            <a:schemeClr val="accent1"/>
+          </a:fillRef>
+          <a:effectRef idx="0">
+            <a:schemeClr val="accent1"/>
+          </a:effectRef>
+          <a:fontRef idx="minor">
+            <a:schemeClr val="tx1"/>
+          </a:fontRef>
+        </p:style>
+      </p:cxnSp>
+      <p:sp>
+        <p:nvSpPr>
+          <p:cNvPr id="7" name="TextBox 6"/>
+          <p:cNvSpPr txBox="1"/>
+          <p:nvPr/>
+        </p:nvSpPr>
+        <p:spPr>
+          <a:xfrm>
+            <a:off x="1143000" y="1002268"/>
+            <a:ext cx="5334000" cy="369332"/>
+          </a:xfrm>
+          <a:prstGeom prst="rect">
+            <a:avLst/>
+          </a:prstGeom>
+          <a:noFill/>
+        </p:spPr>
+        <p:txBody>
+          <a:bodyPr wrap="square" rtlCol="0">
+            <a:spAutoFit/>
+          </a:bodyPr>
+          <a:lstStyle/>
+          <a:p>
+            <a:r>
+              <a:rPr lang="en-US" dirty="0"/>
+              <a:t>Every time you start R, you have to load the package</a:t>
+            </a:r>
+          </a:p>
+        </p:txBody>
+      </p:sp>
     </p:spTree>
     <p:extLst>
       <p:ext uri="{BB962C8B-B14F-4D97-AF65-F5344CB8AC3E}">
-        <p14:creationId xmlns:p14="http://schemas.microsoft.com/office/powerpoint/2010/main" val="684570428"/>
+        <p14:creationId xmlns:p14="http://schemas.microsoft.com/office/powerpoint/2010/main" val="2122834724"/>
       </p:ext>
     </p:extLst>
   </p:cSld>
@@ -6068,6 +6282,68 @@
       </p:grpSpPr>
       <p:pic>
         <p:nvPicPr>
+          <p:cNvPr id="72706" name="Picture 2"/>
+          <p:cNvPicPr>
+            <a:picLocks noChangeAspect="1" noChangeArrowheads="1"/>
+          </p:cNvPicPr>
+          <p:nvPr/>
+        </p:nvPicPr>
+        <p:blipFill>
+          <a:blip r:embed="rId2" cstate="print"/>
+          <a:srcRect/>
+          <a:stretch>
+            <a:fillRect/>
+          </a:stretch>
+        </p:blipFill>
+        <p:spPr bwMode="auto">
+          <a:xfrm>
+            <a:off x="2628900" y="509588"/>
+            <a:ext cx="3886200" cy="5838825"/>
+          </a:xfrm>
+          <a:prstGeom prst="rect">
+            <a:avLst/>
+          </a:prstGeom>
+          <a:noFill/>
+          <a:ln w="9525">
+            <a:noFill/>
+            <a:miter lim="800000"/>
+            <a:headEnd/>
+            <a:tailEnd/>
+          </a:ln>
+        </p:spPr>
+      </p:pic>
+    </p:spTree>
+    <p:extLst>
+      <p:ext uri="{BB962C8B-B14F-4D97-AF65-F5344CB8AC3E}">
+        <p14:creationId xmlns:p14="http://schemas.microsoft.com/office/powerpoint/2010/main" val="684570428"/>
+      </p:ext>
+    </p:extLst>
+  </p:cSld>
+  <p:clrMapOvr>
+    <a:masterClrMapping/>
+  </p:clrMapOvr>
+</p:sld>
+</file>
+
+<file path=ppt/slides/slide32.xml><?xml version="1.0" encoding="utf-8"?>
+<p:sld xmlns:a="http://schemas.openxmlformats.org/drawingml/2006/main" xmlns:r="http://schemas.openxmlformats.org/officeDocument/2006/relationships" xmlns:p="http://schemas.openxmlformats.org/presentationml/2006/main">
+  <p:cSld>
+    <p:spTree>
+      <p:nvGrpSpPr>
+        <p:cNvPr id="1" name=""/>
+        <p:cNvGrpSpPr/>
+        <p:nvPr/>
+      </p:nvGrpSpPr>
+      <p:grpSpPr>
+        <a:xfrm>
+          <a:off x="0" y="0"/>
+          <a:ext cx="0" cy="0"/>
+          <a:chOff x="0" y="0"/>
+          <a:chExt cx="0" cy="0"/>
+        </a:xfrm>
+      </p:grpSpPr>
+      <p:pic>
+        <p:nvPicPr>
           <p:cNvPr id="75778" name="Picture 2"/>
           <p:cNvPicPr>
             <a:picLocks noChangeAspect="1" noChangeArrowheads="1"/>
@@ -6140,7 +6416,7 @@
 </p:sld>
 </file>
 
-<file path=ppt/slides/slide32.xml><?xml version="1.0" encoding="utf-8"?>
+<file path=ppt/slides/slide33.xml><?xml version="1.0" encoding="utf-8"?>
 <p:sld xmlns:a="http://schemas.openxmlformats.org/drawingml/2006/main" xmlns:r="http://schemas.openxmlformats.org/officeDocument/2006/relationships" xmlns:p="http://schemas.openxmlformats.org/presentationml/2006/main">
   <p:cSld>
     <p:spTree>
@@ -6219,165 +6495,155 @@
           <a:chExt cx="0" cy="0"/>
         </a:xfrm>
       </p:grpSpPr>
+      <p:sp>
+        <p:nvSpPr>
+          <p:cNvPr id="4" name="TextBox 3"/>
+          <p:cNvSpPr txBox="1"/>
+          <p:nvPr/>
+        </p:nvSpPr>
+        <p:spPr>
+          <a:xfrm>
+            <a:off x="609600" y="0"/>
+            <a:ext cx="5867400" cy="369332"/>
+          </a:xfrm>
+          <a:prstGeom prst="rect">
+            <a:avLst/>
+          </a:prstGeom>
+          <a:noFill/>
+        </p:spPr>
+        <p:txBody>
+          <a:bodyPr wrap="square" rtlCol="0">
+            <a:spAutoFit/>
+          </a:bodyPr>
+          <a:lstStyle/>
+          <a:p>
+            <a:r>
+              <a:rPr lang="en-US" dirty="0"/>
+              <a:t>The zeros play havoc with assumptions such as normality</a:t>
+            </a:r>
+          </a:p>
+        </p:txBody>
+      </p:sp>
       <p:pic>
         <p:nvPicPr>
-          <p:cNvPr id="4" name="Picture 3"/>
+          <p:cNvPr id="2050" name="Picture 2"/>
           <p:cNvPicPr>
-            <a:picLocks noChangeAspect="1"/>
+            <a:picLocks noChangeAspect="1" noChangeArrowheads="1"/>
           </p:cNvPicPr>
           <p:nvPr/>
         </p:nvPicPr>
         <p:blipFill>
-          <a:blip r:embed="rId2"/>
+          <a:blip r:embed="rId2" cstate="print"/>
+          <a:srcRect/>
           <a:stretch>
             <a:fillRect/>
           </a:stretch>
         </p:blipFill>
-        <p:spPr>
-          <a:xfrm>
-            <a:off x="0" y="1828800"/>
-            <a:ext cx="9144000" cy="2933723"/>
-          </a:xfrm>
-          <a:prstGeom prst="rect">
-            <a:avLst/>
-          </a:prstGeom>
+        <p:spPr bwMode="auto">
+          <a:xfrm>
+            <a:off x="762000" y="457200"/>
+            <a:ext cx="5334000" cy="485775"/>
+          </a:xfrm>
+          <a:prstGeom prst="rect">
+            <a:avLst/>
+          </a:prstGeom>
+          <a:noFill/>
+          <a:ln w="9525">
+            <a:noFill/>
+            <a:miter lim="800000"/>
+            <a:headEnd/>
+            <a:tailEnd/>
+          </a:ln>
         </p:spPr>
       </p:pic>
-      <p:sp>
-        <p:nvSpPr>
-          <p:cNvPr id="5" name="TextBox 4"/>
-          <p:cNvSpPr txBox="1"/>
-          <p:nvPr/>
-        </p:nvSpPr>
-        <p:spPr>
-          <a:xfrm>
-            <a:off x="471668" y="152400"/>
-            <a:ext cx="7834132" cy="646331"/>
-          </a:xfrm>
-          <a:prstGeom prst="rect">
-            <a:avLst/>
-          </a:prstGeom>
-          <a:noFill/>
-        </p:spPr>
-        <p:txBody>
-          <a:bodyPr wrap="none" rtlCol="0">
-            <a:spAutoFit/>
-          </a:bodyPr>
-          <a:lstStyle/>
-          <a:p>
-            <a:r>
-              <a:rPr lang="en-US" dirty="0"/>
-              <a:t>Poisson and negative binomial models have an explicit expectation of some zeros, </a:t>
-            </a:r>
-          </a:p>
-          <a:p>
-            <a:r>
-              <a:rPr lang="en-US" dirty="0"/>
-              <a:t>but the # of zeros is linked to the overall parameters of the model </a:t>
-            </a:r>
-          </a:p>
-        </p:txBody>
-      </p:sp>
-      <p:sp>
-        <p:nvSpPr>
-          <p:cNvPr id="6" name="Rectangle 5"/>
-          <p:cNvSpPr/>
-          <p:nvPr/>
-        </p:nvSpPr>
-        <p:spPr>
-          <a:xfrm>
-            <a:off x="1905000" y="4495800"/>
-            <a:ext cx="7086600" cy="304800"/>
-          </a:xfrm>
-          <a:prstGeom prst="rect">
-            <a:avLst/>
-          </a:prstGeom>
-          <a:solidFill>
-            <a:schemeClr val="bg1"/>
-          </a:solidFill>
-          <a:ln>
-            <a:noFill/>
-          </a:ln>
-        </p:spPr>
-        <p:style>
-          <a:lnRef idx="2">
-            <a:schemeClr val="accent1">
-              <a:shade val="50000"/>
-            </a:schemeClr>
-          </a:lnRef>
-          <a:fillRef idx="1">
-            <a:schemeClr val="accent1"/>
-          </a:fillRef>
-          <a:effectRef idx="0">
-            <a:schemeClr val="accent1"/>
-          </a:effectRef>
-          <a:fontRef idx="minor">
-            <a:schemeClr val="lt1"/>
-          </a:fontRef>
-        </p:style>
-        <p:txBody>
-          <a:bodyPr rtlCol="0" anchor="ctr"/>
-          <a:lstStyle/>
-          <a:p>
-            <a:pPr algn="ctr"/>
-            <a:endParaRPr lang="en-US"/>
-          </a:p>
-        </p:txBody>
-      </p:sp>
       <p:pic>
         <p:nvPicPr>
-          <p:cNvPr id="7" name="Picture 6"/>
+          <p:cNvPr id="2051" name="Picture 3"/>
           <p:cNvPicPr>
-            <a:picLocks noChangeAspect="1"/>
+            <a:picLocks noChangeAspect="1" noChangeArrowheads="1"/>
           </p:cNvPicPr>
           <p:nvPr/>
         </p:nvPicPr>
         <p:blipFill>
-          <a:blip r:embed="rId3"/>
+          <a:blip r:embed="rId3" cstate="print"/>
+          <a:srcRect/>
           <a:stretch>
             <a:fillRect/>
           </a:stretch>
         </p:blipFill>
-        <p:spPr>
-          <a:xfrm>
-            <a:off x="366712" y="1524000"/>
-            <a:ext cx="4510088" cy="376282"/>
-          </a:xfrm>
-          <a:prstGeom prst="rect">
-            <a:avLst/>
-          </a:prstGeom>
+        <p:spPr bwMode="auto">
+          <a:xfrm>
+            <a:off x="2133600" y="838200"/>
+            <a:ext cx="5191125" cy="5239640"/>
+          </a:xfrm>
+          <a:prstGeom prst="rect">
+            <a:avLst/>
+          </a:prstGeom>
+          <a:noFill/>
+          <a:ln w="9525">
+            <a:noFill/>
+            <a:miter lim="800000"/>
+            <a:headEnd/>
+            <a:tailEnd/>
+          </a:ln>
         </p:spPr>
       </p:pic>
-      <p:pic>
-        <p:nvPicPr>
-          <p:cNvPr id="8" name="Picture 7"/>
-          <p:cNvPicPr>
-            <a:picLocks noChangeAspect="1"/>
-          </p:cNvPicPr>
-          <p:nvPr/>
-        </p:nvPicPr>
-        <p:blipFill>
-          <a:blip r:embed="rId4"/>
-          <a:stretch>
-            <a:fillRect/>
-          </a:stretch>
-        </p:blipFill>
-        <p:spPr>
-          <a:xfrm>
-            <a:off x="2133600" y="5486400"/>
-            <a:ext cx="5638800" cy="863545"/>
-          </a:xfrm>
-          <a:prstGeom prst="rect">
-            <a:avLst/>
-          </a:prstGeom>
-        </p:spPr>
-      </p:pic>
+      <p:sp>
+        <p:nvSpPr>
+          <p:cNvPr id="7" name="TextBox 6"/>
+          <p:cNvSpPr txBox="1"/>
+          <p:nvPr/>
+        </p:nvSpPr>
+        <p:spPr>
+          <a:xfrm>
+            <a:off x="533400" y="6096000"/>
+            <a:ext cx="8411918" cy="646331"/>
+          </a:xfrm>
+          <a:prstGeom prst="rect">
+            <a:avLst/>
+          </a:prstGeom>
+          <a:noFill/>
+        </p:spPr>
+        <p:txBody>
+          <a:bodyPr wrap="none" rtlCol="0">
+            <a:spAutoFit/>
+          </a:bodyPr>
+          <a:lstStyle/>
+          <a:p>
+            <a:r>
+              <a:rPr lang="en-US" dirty="0"/>
+              <a:t>Today we will look at </a:t>
+            </a:r>
+            <a:r>
+              <a:rPr lang="en-US" dirty="0">
+                <a:solidFill>
+                  <a:srgbClr val="FF0000"/>
+                </a:solidFill>
+              </a:rPr>
+              <a:t>mixture models</a:t>
+            </a:r>
+            <a:r>
+              <a:rPr lang="en-US" dirty="0"/>
+              <a:t> that explicitly model the over-abundance of zeros.</a:t>
+            </a:r>
+          </a:p>
+          <a:p>
+            <a:r>
+              <a:rPr lang="en-US" dirty="0"/>
+              <a:t>We follow chapter 11 in the </a:t>
+            </a:r>
+            <a:r>
+              <a:rPr lang="en-US" dirty="0" err="1"/>
+              <a:t>Zuur</a:t>
+            </a:r>
+            <a:r>
+              <a:rPr lang="en-US" dirty="0"/>
+              <a:t> book…</a:t>
+            </a:r>
+          </a:p>
+        </p:txBody>
+      </p:sp>
     </p:spTree>
-    <p:extLst>
-      <p:ext uri="{BB962C8B-B14F-4D97-AF65-F5344CB8AC3E}">
-        <p14:creationId xmlns:p14="http://schemas.microsoft.com/office/powerpoint/2010/main" val="4220325864"/>
-      </p:ext>
-    </p:extLst>
   </p:cSld>
   <p:clrMapOvr>
     <a:masterClrMapping/>
@@ -6404,505 +6670,163 @@
       </p:grpSpPr>
       <p:pic>
         <p:nvPicPr>
-          <p:cNvPr id="3074" name="Picture 2"/>
+          <p:cNvPr id="4" name="Picture 3"/>
           <p:cNvPicPr>
-            <a:picLocks noChangeAspect="1" noChangeArrowheads="1"/>
+            <a:picLocks noChangeAspect="1"/>
           </p:cNvPicPr>
           <p:nvPr/>
         </p:nvPicPr>
         <p:blipFill>
-          <a:blip r:embed="rId2" cstate="print"/>
-          <a:srcRect/>
+          <a:blip r:embed="rId2"/>
           <a:stretch>
             <a:fillRect/>
           </a:stretch>
         </p:blipFill>
-        <p:spPr bwMode="auto">
-          <a:xfrm>
-            <a:off x="990600" y="2209800"/>
-            <a:ext cx="5953125" cy="809625"/>
-          </a:xfrm>
-          <a:prstGeom prst="rect">
-            <a:avLst/>
-          </a:prstGeom>
-          <a:noFill/>
-          <a:ln w="9525">
+        <p:spPr>
+          <a:xfrm>
+            <a:off x="0" y="1828800"/>
+            <a:ext cx="9144000" cy="2933723"/>
+          </a:xfrm>
+          <a:prstGeom prst="rect">
+            <a:avLst/>
+          </a:prstGeom>
+        </p:spPr>
+      </p:pic>
+      <p:sp>
+        <p:nvSpPr>
+          <p:cNvPr id="5" name="TextBox 4"/>
+          <p:cNvSpPr txBox="1"/>
+          <p:nvPr/>
+        </p:nvSpPr>
+        <p:spPr>
+          <a:xfrm>
+            <a:off x="471668" y="152400"/>
+            <a:ext cx="7834132" cy="646331"/>
+          </a:xfrm>
+          <a:prstGeom prst="rect">
+            <a:avLst/>
+          </a:prstGeom>
+          <a:noFill/>
+        </p:spPr>
+        <p:txBody>
+          <a:bodyPr wrap="none" rtlCol="0">
+            <a:spAutoFit/>
+          </a:bodyPr>
+          <a:lstStyle/>
+          <a:p>
+            <a:r>
+              <a:rPr lang="en-US" dirty="0"/>
+              <a:t>Poisson and negative binomial models have an explicit expectation of some zeros, </a:t>
+            </a:r>
+          </a:p>
+          <a:p>
+            <a:r>
+              <a:rPr lang="en-US" dirty="0"/>
+              <a:t>but the # of zeros is linked to the overall parameters of the model </a:t>
+            </a:r>
+          </a:p>
+        </p:txBody>
+      </p:sp>
+      <p:sp>
+        <p:nvSpPr>
+          <p:cNvPr id="6" name="Rectangle 5"/>
+          <p:cNvSpPr/>
+          <p:nvPr/>
+        </p:nvSpPr>
+        <p:spPr>
+          <a:xfrm>
+            <a:off x="1905000" y="4495800"/>
+            <a:ext cx="7086600" cy="304800"/>
+          </a:xfrm>
+          <a:prstGeom prst="rect">
+            <a:avLst/>
+          </a:prstGeom>
+          <a:solidFill>
+            <a:schemeClr val="bg1"/>
+          </a:solidFill>
+          <a:ln>
             <a:noFill/>
-            <a:miter lim="800000"/>
-            <a:headEnd/>
-            <a:tailEnd/>
           </a:ln>
         </p:spPr>
-      </p:pic>
-      <p:cxnSp>
-        <p:nvCxnSpPr>
-          <p:cNvPr id="6" name="Straight Arrow Connector 5"/>
-          <p:cNvCxnSpPr/>
-          <p:nvPr/>
-        </p:nvCxnSpPr>
-        <p:spPr>
-          <a:xfrm>
-            <a:off x="3276600" y="1828800"/>
-            <a:ext cx="228600" cy="533400"/>
-          </a:xfrm>
-          <a:prstGeom prst="straightConnector1">
-            <a:avLst/>
-          </a:prstGeom>
-          <a:ln>
-            <a:tailEnd type="arrow"/>
-          </a:ln>
-        </p:spPr>
         <p:style>
-          <a:lnRef idx="1">
-            <a:schemeClr val="accent1"/>
+          <a:lnRef idx="2">
+            <a:schemeClr val="accent1">
+              <a:shade val="50000"/>
+            </a:schemeClr>
           </a:lnRef>
-          <a:fillRef idx="0">
+          <a:fillRef idx="1">
             <a:schemeClr val="accent1"/>
           </a:fillRef>
           <a:effectRef idx="0">
             <a:schemeClr val="accent1"/>
           </a:effectRef>
           <a:fontRef idx="minor">
-            <a:schemeClr val="tx1"/>
+            <a:schemeClr val="lt1"/>
           </a:fontRef>
         </p:style>
-      </p:cxnSp>
-      <p:sp>
-        <p:nvSpPr>
-          <p:cNvPr id="7" name="TextBox 6"/>
-          <p:cNvSpPr txBox="1"/>
-          <p:nvPr/>
-        </p:nvSpPr>
-        <p:spPr>
-          <a:xfrm>
-            <a:off x="838200" y="1459468"/>
-            <a:ext cx="7765011" cy="369332"/>
-          </a:xfrm>
-          <a:prstGeom prst="rect">
-            <a:avLst/>
-          </a:prstGeom>
-          <a:noFill/>
-        </p:spPr>
-        <p:txBody>
-          <a:bodyPr wrap="none" rtlCol="0">
-            <a:spAutoFit/>
-          </a:bodyPr>
-          <a:lstStyle/>
-          <a:p>
-            <a:r>
-              <a:rPr lang="en-US" dirty="0"/>
-              <a:t>This will be binomial distributed with </a:t>
-            </a:r>
-            <a:r>
-              <a:rPr lang="en-US" dirty="0">
-                <a:sym typeface="Symbol"/>
-              </a:rPr>
-              <a:t> = probability of a false or “rounded” zero </a:t>
-            </a:r>
-            <a:endParaRPr lang="en-US" dirty="0"/>
-          </a:p>
-        </p:txBody>
-      </p:sp>
-      <p:cxnSp>
-        <p:nvCxnSpPr>
-          <p:cNvPr id="8" name="Straight Arrow Connector 7"/>
-          <p:cNvCxnSpPr/>
-          <p:nvPr/>
-        </p:nvCxnSpPr>
-        <p:spPr>
-          <a:xfrm>
-            <a:off x="4724400" y="1828800"/>
-            <a:ext cx="228600" cy="533400"/>
-          </a:xfrm>
-          <a:prstGeom prst="straightConnector1">
-            <a:avLst/>
-          </a:prstGeom>
-          <a:ln>
-            <a:tailEnd type="arrow"/>
-          </a:ln>
-        </p:spPr>
-        <p:style>
-          <a:lnRef idx="1">
-            <a:schemeClr val="accent1"/>
-          </a:lnRef>
-          <a:fillRef idx="0">
-            <a:schemeClr val="accent1"/>
-          </a:fillRef>
-          <a:effectRef idx="0">
-            <a:schemeClr val="accent1"/>
-          </a:effectRef>
-          <a:fontRef idx="minor">
-            <a:schemeClr val="tx1"/>
-          </a:fontRef>
-        </p:style>
-      </p:cxnSp>
-      <p:cxnSp>
-        <p:nvCxnSpPr>
-          <p:cNvPr id="10" name="Straight Arrow Connector 9"/>
-          <p:cNvCxnSpPr/>
-          <p:nvPr/>
-        </p:nvCxnSpPr>
-        <p:spPr>
-          <a:xfrm flipV="1">
-            <a:off x="3581400" y="2971800"/>
-            <a:ext cx="228600" cy="457200"/>
-          </a:xfrm>
-          <a:prstGeom prst="straightConnector1">
-            <a:avLst/>
-          </a:prstGeom>
-          <a:ln>
-            <a:tailEnd type="arrow"/>
-          </a:ln>
-        </p:spPr>
-        <p:style>
-          <a:lnRef idx="1">
-            <a:schemeClr val="accent1"/>
-          </a:lnRef>
-          <a:fillRef idx="0">
-            <a:schemeClr val="accent1"/>
-          </a:fillRef>
-          <a:effectRef idx="0">
-            <a:schemeClr val="accent1"/>
-          </a:effectRef>
-          <a:fontRef idx="minor">
-            <a:schemeClr val="tx1"/>
-          </a:fontRef>
-        </p:style>
-      </p:cxnSp>
-      <p:sp>
-        <p:nvSpPr>
-          <p:cNvPr id="11" name="TextBox 10"/>
-          <p:cNvSpPr txBox="1"/>
-          <p:nvPr/>
-        </p:nvSpPr>
-        <p:spPr>
-          <a:xfrm>
-            <a:off x="228600" y="3429000"/>
-            <a:ext cx="8804654" cy="369332"/>
-          </a:xfrm>
-          <a:prstGeom prst="rect">
-            <a:avLst/>
-          </a:prstGeom>
-          <a:noFill/>
-        </p:spPr>
-        <p:txBody>
-          <a:bodyPr wrap="none" rtlCol="0">
-            <a:spAutoFit/>
-          </a:bodyPr>
-          <a:lstStyle/>
-          <a:p>
-            <a:r>
-              <a:rPr lang="en-US" dirty="0"/>
-              <a:t>This will be either Poisson or Negative Binomial distributed of the true or “essential” </a:t>
-            </a:r>
-            <a:r>
-              <a:rPr lang="en-US" dirty="0" err="1"/>
-              <a:t>zeors</a:t>
-            </a:r>
-            <a:endParaRPr lang="en-US" dirty="0"/>
+        <p:txBody>
+          <a:bodyPr rtlCol="0" anchor="ctr"/>
+          <a:lstStyle/>
+          <a:p>
+            <a:pPr algn="ctr"/>
+            <a:endParaRPr lang="en-US"/>
           </a:p>
         </p:txBody>
       </p:sp>
       <p:pic>
         <p:nvPicPr>
-          <p:cNvPr id="3075" name="Picture 3"/>
+          <p:cNvPr id="7" name="Picture 6"/>
           <p:cNvPicPr>
-            <a:picLocks noChangeAspect="1" noChangeArrowheads="1"/>
+            <a:picLocks noChangeAspect="1"/>
           </p:cNvPicPr>
           <p:nvPr/>
         </p:nvPicPr>
         <p:blipFill>
-          <a:blip r:embed="rId3" cstate="print"/>
-          <a:srcRect/>
+          <a:blip r:embed="rId3"/>
           <a:stretch>
             <a:fillRect/>
           </a:stretch>
         </p:blipFill>
-        <p:spPr bwMode="auto">
-          <a:xfrm>
-            <a:off x="1828800" y="5257800"/>
-            <a:ext cx="3600450" cy="800100"/>
-          </a:xfrm>
-          <a:prstGeom prst="rect">
-            <a:avLst/>
-          </a:prstGeom>
-          <a:noFill/>
-          <a:ln w="9525">
-            <a:noFill/>
-            <a:miter lim="800000"/>
-            <a:headEnd/>
-            <a:tailEnd/>
-          </a:ln>
+        <p:spPr>
+          <a:xfrm>
+            <a:off x="366712" y="1524000"/>
+            <a:ext cx="4510088" cy="376282"/>
+          </a:xfrm>
+          <a:prstGeom prst="rect">
+            <a:avLst/>
+          </a:prstGeom>
         </p:spPr>
       </p:pic>
-      <p:cxnSp>
-        <p:nvCxnSpPr>
-          <p:cNvPr id="14" name="Straight Arrow Connector 13"/>
-          <p:cNvCxnSpPr/>
-          <p:nvPr/>
-        </p:nvCxnSpPr>
-        <p:spPr>
-          <a:xfrm flipH="1">
-            <a:off x="3886200" y="4914900"/>
-            <a:ext cx="228600" cy="381000"/>
-          </a:xfrm>
-          <a:prstGeom prst="straightConnector1">
-            <a:avLst/>
-          </a:prstGeom>
-          <a:ln>
-            <a:tailEnd type="arrow"/>
-          </a:ln>
-        </p:spPr>
-        <p:style>
-          <a:lnRef idx="1">
-            <a:schemeClr val="accent1"/>
-          </a:lnRef>
-          <a:fillRef idx="0">
-            <a:schemeClr val="accent1"/>
-          </a:fillRef>
-          <a:effectRef idx="0">
-            <a:schemeClr val="accent1"/>
-          </a:effectRef>
-          <a:fontRef idx="minor">
-            <a:schemeClr val="tx1"/>
-          </a:fontRef>
-        </p:style>
-      </p:cxnSp>
-      <p:sp>
-        <p:nvSpPr>
-          <p:cNvPr id="15" name="TextBox 14"/>
-          <p:cNvSpPr txBox="1"/>
-          <p:nvPr/>
-        </p:nvSpPr>
-        <p:spPr>
-          <a:xfrm>
-            <a:off x="1447800" y="4533900"/>
-            <a:ext cx="3949351" cy="369332"/>
-          </a:xfrm>
-          <a:prstGeom prst="rect">
-            <a:avLst/>
-          </a:prstGeom>
-          <a:noFill/>
-        </p:spPr>
-        <p:txBody>
-          <a:bodyPr wrap="none" rtlCol="0">
-            <a:spAutoFit/>
-          </a:bodyPr>
-          <a:lstStyle/>
-          <a:p>
-            <a:r>
-              <a:rPr lang="en-US" dirty="0" err="1"/>
-              <a:t>Prob</a:t>
-            </a:r>
-            <a:r>
-              <a:rPr lang="en-US" dirty="0"/>
-              <a:t> of zero under binomial distribution</a:t>
-            </a:r>
-          </a:p>
-        </p:txBody>
-      </p:sp>
-      <p:cxnSp>
-        <p:nvCxnSpPr>
-          <p:cNvPr id="17" name="Straight Arrow Connector 16"/>
-          <p:cNvCxnSpPr/>
-          <p:nvPr/>
-        </p:nvCxnSpPr>
-        <p:spPr>
-          <a:xfrm flipH="1">
-            <a:off x="5181600" y="5219700"/>
-            <a:ext cx="533400" cy="152400"/>
-          </a:xfrm>
-          <a:prstGeom prst="straightConnector1">
-            <a:avLst/>
-          </a:prstGeom>
-          <a:ln>
-            <a:tailEnd type="arrow"/>
-          </a:ln>
-        </p:spPr>
-        <p:style>
-          <a:lnRef idx="1">
-            <a:schemeClr val="accent1"/>
-          </a:lnRef>
-          <a:fillRef idx="0">
-            <a:schemeClr val="accent1"/>
-          </a:fillRef>
-          <a:effectRef idx="0">
-            <a:schemeClr val="accent1"/>
-          </a:effectRef>
-          <a:fontRef idx="minor">
-            <a:schemeClr val="tx1"/>
-          </a:fontRef>
-        </p:style>
-      </p:cxnSp>
-      <p:sp>
-        <p:nvSpPr>
-          <p:cNvPr id="18" name="TextBox 17"/>
-          <p:cNvSpPr txBox="1"/>
-          <p:nvPr/>
-        </p:nvSpPr>
-        <p:spPr>
-          <a:xfrm>
-            <a:off x="1828800" y="3962400"/>
-            <a:ext cx="4272132" cy="369332"/>
-          </a:xfrm>
-          <a:prstGeom prst="rect">
-            <a:avLst/>
-          </a:prstGeom>
-          <a:noFill/>
-        </p:spPr>
-        <p:txBody>
-          <a:bodyPr wrap="none" rtlCol="0">
-            <a:spAutoFit/>
-          </a:bodyPr>
-          <a:lstStyle/>
-          <a:p>
-            <a:r>
-              <a:rPr lang="en-US" dirty="0"/>
-              <a:t>We will start with the Poisson distribution…</a:t>
-            </a:r>
-          </a:p>
-        </p:txBody>
-      </p:sp>
-      <p:sp>
-        <p:nvSpPr>
-          <p:cNvPr id="19" name="TextBox 18"/>
-          <p:cNvSpPr txBox="1"/>
-          <p:nvPr/>
-        </p:nvSpPr>
-        <p:spPr>
-          <a:xfrm>
-            <a:off x="5638800" y="4953000"/>
-            <a:ext cx="2825197" cy="369332"/>
-          </a:xfrm>
-          <a:prstGeom prst="rect">
-            <a:avLst/>
-          </a:prstGeom>
-          <a:noFill/>
-        </p:spPr>
-        <p:txBody>
-          <a:bodyPr wrap="none" rtlCol="0">
-            <a:spAutoFit/>
-          </a:bodyPr>
-          <a:lstStyle/>
-          <a:p>
-            <a:r>
-              <a:rPr lang="en-US" dirty="0"/>
-              <a:t>Poisson probability of </a:t>
-            </a:r>
-            <a:r>
-              <a:rPr lang="en-US"/>
-              <a:t>a zero</a:t>
-            </a:r>
-          </a:p>
-        </p:txBody>
-      </p:sp>
-      <p:cxnSp>
-        <p:nvCxnSpPr>
-          <p:cNvPr id="21" name="Straight Arrow Connector 20"/>
-          <p:cNvCxnSpPr/>
-          <p:nvPr/>
-        </p:nvCxnSpPr>
-        <p:spPr>
-          <a:xfrm flipH="1" flipV="1">
-            <a:off x="5334000" y="5791200"/>
-            <a:ext cx="457200" cy="152400"/>
-          </a:xfrm>
-          <a:prstGeom prst="straightConnector1">
-            <a:avLst/>
-          </a:prstGeom>
-          <a:ln>
-            <a:tailEnd type="arrow"/>
-          </a:ln>
-        </p:spPr>
-        <p:style>
-          <a:lnRef idx="1">
-            <a:schemeClr val="accent1"/>
-          </a:lnRef>
-          <a:fillRef idx="0">
-            <a:schemeClr val="accent1"/>
-          </a:fillRef>
-          <a:effectRef idx="0">
-            <a:schemeClr val="accent1"/>
-          </a:effectRef>
-          <a:fontRef idx="minor">
-            <a:schemeClr val="tx1"/>
-          </a:fontRef>
-        </p:style>
-      </p:cxnSp>
-      <p:sp>
-        <p:nvSpPr>
-          <p:cNvPr id="22" name="TextBox 21"/>
-          <p:cNvSpPr txBox="1"/>
-          <p:nvPr/>
-        </p:nvSpPr>
-        <p:spPr>
-          <a:xfrm>
-            <a:off x="5867400" y="5867400"/>
-            <a:ext cx="3097707" cy="369332"/>
-          </a:xfrm>
-          <a:prstGeom prst="rect">
-            <a:avLst/>
-          </a:prstGeom>
-          <a:noFill/>
-        </p:spPr>
-        <p:txBody>
-          <a:bodyPr wrap="none" rtlCol="0">
-            <a:spAutoFit/>
-          </a:bodyPr>
-          <a:lstStyle/>
-          <a:p>
-            <a:r>
-              <a:rPr lang="en-US" dirty="0"/>
-              <a:t>Poisson probability </a:t>
-            </a:r>
-            <a:r>
-              <a:rPr lang="en-US"/>
-              <a:t>of non-zero</a:t>
-            </a:r>
-          </a:p>
-        </p:txBody>
-      </p:sp>
-      <p:sp>
-        <p:nvSpPr>
-          <p:cNvPr id="16" name="Rectangle 15"/>
-          <p:cNvSpPr/>
-          <p:nvPr/>
-        </p:nvSpPr>
-        <p:spPr>
-          <a:xfrm>
-            <a:off x="990600" y="152400"/>
-            <a:ext cx="7086600" cy="646331"/>
-          </a:xfrm>
-          <a:prstGeom prst="rect">
-            <a:avLst/>
-          </a:prstGeom>
-        </p:spPr>
-        <p:txBody>
-          <a:bodyPr wrap="square">
-            <a:spAutoFit/>
-          </a:bodyPr>
-          <a:lstStyle/>
-          <a:p>
-            <a:r>
-              <a:rPr lang="en-US" dirty="0"/>
-              <a:t>Zero-inflated models use </a:t>
-            </a:r>
-            <a:r>
-              <a:rPr lang="en-US" dirty="0">
-                <a:solidFill>
-                  <a:srgbClr val="FF0000"/>
-                </a:solidFill>
-              </a:rPr>
-              <a:t>Mixture models</a:t>
-            </a:r>
-            <a:r>
-              <a:rPr lang="en-US" dirty="0"/>
-              <a:t> to explicitly model the over-abundance of zeros</a:t>
-            </a:r>
-          </a:p>
-        </p:txBody>
-      </p:sp>
+      <p:pic>
+        <p:nvPicPr>
+          <p:cNvPr id="8" name="Picture 7"/>
+          <p:cNvPicPr>
+            <a:picLocks noChangeAspect="1"/>
+          </p:cNvPicPr>
+          <p:nvPr/>
+        </p:nvPicPr>
+        <p:blipFill>
+          <a:blip r:embed="rId4"/>
+          <a:stretch>
+            <a:fillRect/>
+          </a:stretch>
+        </p:blipFill>
+        <p:spPr>
+          <a:xfrm>
+            <a:off x="2133600" y="5486400"/>
+            <a:ext cx="5638800" cy="863545"/>
+          </a:xfrm>
+          <a:prstGeom prst="rect">
+            <a:avLst/>
+          </a:prstGeom>
+        </p:spPr>
+      </p:pic>
     </p:spTree>
+    <p:extLst>
+      <p:ext uri="{BB962C8B-B14F-4D97-AF65-F5344CB8AC3E}">
+        <p14:creationId xmlns:p14="http://schemas.microsoft.com/office/powerpoint/2010/main" val="4220325864"/>
+      </p:ext>
+    </p:extLst>
   </p:cSld>
   <p:clrMapOvr>
     <a:masterClrMapping/>
@@ -6927,44 +6851,9 @@
           <a:chExt cx="0" cy="0"/>
         </a:xfrm>
       </p:grpSpPr>
-      <p:sp>
-        <p:nvSpPr>
-          <p:cNvPr id="4" name="TextBox 3"/>
-          <p:cNvSpPr txBox="1"/>
-          <p:nvPr/>
-        </p:nvSpPr>
-        <p:spPr>
-          <a:xfrm>
-            <a:off x="609600" y="0"/>
-            <a:ext cx="7311553" cy="646331"/>
-          </a:xfrm>
-          <a:prstGeom prst="rect">
-            <a:avLst/>
-          </a:prstGeom>
-          <a:noFill/>
-        </p:spPr>
-        <p:txBody>
-          <a:bodyPr wrap="none" rtlCol="0">
-            <a:spAutoFit/>
-          </a:bodyPr>
-          <a:lstStyle/>
-          <a:p>
-            <a:r>
-              <a:rPr lang="en-US" dirty="0"/>
-              <a:t>As in all generalized linear models, we have 3 parts in the specification for a </a:t>
-            </a:r>
-          </a:p>
-          <a:p>
-            <a:r>
-              <a:rPr lang="en-US" dirty="0"/>
-              <a:t>Poisson zero inflated model</a:t>
-            </a:r>
-          </a:p>
-        </p:txBody>
-      </p:sp>
       <p:pic>
         <p:nvPicPr>
-          <p:cNvPr id="4098" name="Picture 2"/>
+          <p:cNvPr id="3074" name="Picture 2"/>
           <p:cNvPicPr>
             <a:picLocks noChangeAspect="1" noChangeArrowheads="1"/>
           </p:cNvPicPr>
@@ -6979,8 +6868,8 @@
         </p:blipFill>
         <p:spPr bwMode="auto">
           <a:xfrm>
-            <a:off x="1371600" y="952500"/>
-            <a:ext cx="3600450" cy="800100"/>
+            <a:off x="990600" y="2209800"/>
+            <a:ext cx="5953125" cy="809625"/>
           </a:xfrm>
           <a:prstGeom prst="rect">
             <a:avLst/>
@@ -6996,14 +6885,14 @@
       </p:pic>
       <p:cxnSp>
         <p:nvCxnSpPr>
-          <p:cNvPr id="7" name="Straight Arrow Connector 6"/>
+          <p:cNvPr id="6" name="Straight Arrow Connector 5"/>
           <p:cNvCxnSpPr/>
           <p:nvPr/>
         </p:nvCxnSpPr>
         <p:spPr>
-          <a:xfrm flipH="1">
-            <a:off x="4953000" y="1181100"/>
-            <a:ext cx="304800" cy="0"/>
+          <a:xfrm>
+            <a:off x="3276600" y="1828800"/>
+            <a:ext cx="228600" cy="533400"/>
           </a:xfrm>
           <a:prstGeom prst="straightConnector1">
             <a:avLst/>
@@ -7029,14 +6918,14 @@
       </p:cxnSp>
       <p:sp>
         <p:nvSpPr>
-          <p:cNvPr id="8" name="TextBox 7"/>
+          <p:cNvPr id="7" name="TextBox 6"/>
           <p:cNvSpPr txBox="1"/>
           <p:nvPr/>
         </p:nvSpPr>
         <p:spPr>
           <a:xfrm>
-            <a:off x="4876800" y="876300"/>
-            <a:ext cx="4211217" cy="369332"/>
+            <a:off x="838200" y="1459468"/>
+            <a:ext cx="7765011" cy="369332"/>
           </a:xfrm>
           <a:prstGeom prst="rect">
             <a:avLst/>
@@ -7051,312 +6940,13 @@
           <a:p>
             <a:r>
               <a:rPr lang="en-US" dirty="0"/>
-              <a:t>Zeros are distributed by binomial + Poisson</a:t>
-            </a:r>
-          </a:p>
-        </p:txBody>
-      </p:sp>
-      <p:sp>
-        <p:nvSpPr>
-          <p:cNvPr id="9" name="TextBox 8"/>
-          <p:cNvSpPr txBox="1"/>
-          <p:nvPr/>
-        </p:nvSpPr>
-        <p:spPr>
-          <a:xfrm>
-            <a:off x="5257800" y="1333500"/>
-            <a:ext cx="3657600" cy="369332"/>
-          </a:xfrm>
-          <a:prstGeom prst="rect">
-            <a:avLst/>
-          </a:prstGeom>
-          <a:noFill/>
-        </p:spPr>
-        <p:txBody>
-          <a:bodyPr wrap="square" rtlCol="0">
-            <a:spAutoFit/>
-          </a:bodyPr>
-          <a:lstStyle/>
-          <a:p>
-            <a:r>
-              <a:rPr lang="en-US" dirty="0"/>
-              <a:t>non-zeros distributed by Poisson</a:t>
-            </a:r>
-          </a:p>
-        </p:txBody>
-      </p:sp>
-      <p:cxnSp>
-        <p:nvCxnSpPr>
-          <p:cNvPr id="11" name="Straight Arrow Connector 10"/>
-          <p:cNvCxnSpPr/>
-          <p:nvPr/>
-        </p:nvCxnSpPr>
-        <p:spPr>
-          <a:xfrm flipH="1">
-            <a:off x="4953000" y="1485900"/>
-            <a:ext cx="304800" cy="0"/>
-          </a:xfrm>
-          <a:prstGeom prst="straightConnector1">
-            <a:avLst/>
-          </a:prstGeom>
-          <a:ln>
-            <a:tailEnd type="arrow"/>
-          </a:ln>
-        </p:spPr>
-        <p:style>
-          <a:lnRef idx="1">
-            <a:schemeClr val="accent1"/>
-          </a:lnRef>
-          <a:fillRef idx="0">
-            <a:schemeClr val="accent1"/>
-          </a:fillRef>
-          <a:effectRef idx="0">
-            <a:schemeClr val="accent1"/>
-          </a:effectRef>
-          <a:fontRef idx="minor">
-            <a:schemeClr val="tx1"/>
-          </a:fontRef>
-        </p:style>
-      </p:cxnSp>
-      <p:pic>
-        <p:nvPicPr>
-          <p:cNvPr id="4099" name="Picture 3"/>
-          <p:cNvPicPr>
-            <a:picLocks noChangeAspect="1" noChangeArrowheads="1"/>
-          </p:cNvPicPr>
-          <p:nvPr/>
-        </p:nvPicPr>
-        <p:blipFill>
-          <a:blip r:embed="rId3" cstate="print"/>
-          <a:srcRect/>
-          <a:stretch>
-            <a:fillRect/>
-          </a:stretch>
-        </p:blipFill>
-        <p:spPr bwMode="auto">
-          <a:xfrm>
-            <a:off x="457200" y="1981200"/>
-            <a:ext cx="5753100" cy="733425"/>
-          </a:xfrm>
-          <a:prstGeom prst="rect">
-            <a:avLst/>
-          </a:prstGeom>
-          <a:noFill/>
-          <a:ln w="9525">
-            <a:noFill/>
-            <a:miter lim="800000"/>
-            <a:headEnd/>
-            <a:tailEnd/>
-          </a:ln>
-        </p:spPr>
-      </p:pic>
-      <p:sp>
-        <p:nvSpPr>
-          <p:cNvPr id="14" name="TextBox 13"/>
-          <p:cNvSpPr txBox="1"/>
-          <p:nvPr/>
-        </p:nvSpPr>
-        <p:spPr>
-          <a:xfrm>
-            <a:off x="6248400" y="2057400"/>
-            <a:ext cx="2266261" cy="646331"/>
-          </a:xfrm>
-          <a:prstGeom prst="rect">
-            <a:avLst/>
-          </a:prstGeom>
-          <a:noFill/>
-        </p:spPr>
-        <p:txBody>
-          <a:bodyPr wrap="none" rtlCol="0">
-            <a:spAutoFit/>
-          </a:bodyPr>
-          <a:lstStyle/>
-          <a:p>
-            <a:r>
-              <a:rPr lang="en-US" dirty="0"/>
-              <a:t>Mean and variance</a:t>
-            </a:r>
-          </a:p>
-          <a:p>
-            <a:r>
-              <a:rPr lang="en-US" dirty="0"/>
-              <a:t>(stated without proof)</a:t>
-            </a:r>
-          </a:p>
-        </p:txBody>
-      </p:sp>
-      <p:pic>
-        <p:nvPicPr>
-          <p:cNvPr id="4100" name="Picture 4"/>
-          <p:cNvPicPr>
-            <a:picLocks noChangeAspect="1" noChangeArrowheads="1"/>
-          </p:cNvPicPr>
-          <p:nvPr/>
-        </p:nvPicPr>
-        <p:blipFill>
-          <a:blip r:embed="rId4" cstate="print"/>
-          <a:srcRect/>
-          <a:stretch>
-            <a:fillRect/>
-          </a:stretch>
-        </p:blipFill>
-        <p:spPr bwMode="auto">
-          <a:xfrm>
-            <a:off x="1600200" y="3048000"/>
-            <a:ext cx="2286000" cy="438150"/>
-          </a:xfrm>
-          <a:prstGeom prst="rect">
-            <a:avLst/>
-          </a:prstGeom>
-          <a:noFill/>
-          <a:ln w="9525">
-            <a:noFill/>
-            <a:miter lim="800000"/>
-            <a:headEnd/>
-            <a:tailEnd/>
-          </a:ln>
-        </p:spPr>
-      </p:pic>
-      <p:pic>
-        <p:nvPicPr>
-          <p:cNvPr id="4101" name="Picture 5"/>
-          <p:cNvPicPr>
-            <a:picLocks noChangeAspect="1" noChangeArrowheads="1"/>
-          </p:cNvPicPr>
-          <p:nvPr/>
-        </p:nvPicPr>
-        <p:blipFill>
-          <a:blip r:embed="rId5" cstate="print"/>
-          <a:srcRect/>
-          <a:stretch>
-            <a:fillRect/>
-          </a:stretch>
-        </p:blipFill>
-        <p:spPr bwMode="auto">
-          <a:xfrm>
-            <a:off x="1447800" y="3429000"/>
-            <a:ext cx="2533650" cy="714375"/>
-          </a:xfrm>
-          <a:prstGeom prst="rect">
-            <a:avLst/>
-          </a:prstGeom>
-          <a:noFill/>
-          <a:ln w="9525">
-            <a:noFill/>
-            <a:miter lim="800000"/>
-            <a:headEnd/>
-            <a:tailEnd/>
-          </a:ln>
-        </p:spPr>
-      </p:pic>
-      <p:sp>
-        <p:nvSpPr>
-          <p:cNvPr id="17" name="TextBox 16"/>
-          <p:cNvSpPr txBox="1"/>
-          <p:nvPr/>
-        </p:nvSpPr>
-        <p:spPr>
-          <a:xfrm>
-            <a:off x="4419600" y="3352800"/>
-            <a:ext cx="1641283" cy="369332"/>
-          </a:xfrm>
-          <a:prstGeom prst="rect">
-            <a:avLst/>
-          </a:prstGeom>
-          <a:noFill/>
-        </p:spPr>
-        <p:txBody>
-          <a:bodyPr wrap="none" rtlCol="0">
-            <a:spAutoFit/>
-          </a:bodyPr>
-          <a:lstStyle/>
-          <a:p>
-            <a:r>
-              <a:rPr lang="en-US" dirty="0"/>
-              <a:t>(link equations)</a:t>
-            </a:r>
-          </a:p>
-        </p:txBody>
-      </p:sp>
-      <p:sp>
-        <p:nvSpPr>
-          <p:cNvPr id="18" name="TextBox 17"/>
-          <p:cNvSpPr txBox="1"/>
-          <p:nvPr/>
-        </p:nvSpPr>
-        <p:spPr>
-          <a:xfrm>
-            <a:off x="1447800" y="4495800"/>
-            <a:ext cx="7285584" cy="2031325"/>
-          </a:xfrm>
-          <a:prstGeom prst="rect">
-            <a:avLst/>
-          </a:prstGeom>
-          <a:noFill/>
-        </p:spPr>
-        <p:txBody>
-          <a:bodyPr wrap="none" rtlCol="0">
-            <a:spAutoFit/>
-          </a:bodyPr>
-          <a:lstStyle/>
-          <a:p>
-            <a:r>
-              <a:rPr lang="en-US" dirty="0"/>
-              <a:t>Our link equations ensure that </a:t>
+              <a:t>This will be binomial distributed with </a:t>
             </a:r>
             <a:r>
               <a:rPr lang="en-US" dirty="0">
                 <a:sym typeface="Symbol"/>
               </a:rPr>
-              <a:t> (which belongs to the binomial) can</a:t>
-            </a:r>
-          </a:p>
-          <a:p>
-            <a:r>
-              <a:rPr lang="en-US" dirty="0">
-                <a:sym typeface="Symbol"/>
-              </a:rPr>
-              <a:t>only </a:t>
-            </a:r>
-            <a:r>
-              <a:rPr lang="en-US" dirty="0"/>
-              <a:t> range from 0 to 1 (where the binomial is defined)</a:t>
-            </a:r>
-          </a:p>
-          <a:p>
-            <a:endParaRPr lang="en-US" dirty="0"/>
-          </a:p>
-          <a:p>
-            <a:r>
-              <a:rPr lang="en-US" dirty="0"/>
-              <a:t>And that </a:t>
-            </a:r>
-            <a:r>
-              <a:rPr lang="en-US" dirty="0">
-                <a:sym typeface="Symbol"/>
-              </a:rPr>
-              <a:t> (which belongs to the Poisson) can only range &gt;= 0 </a:t>
-            </a:r>
-          </a:p>
-          <a:p>
-            <a:r>
-              <a:rPr lang="en-US" dirty="0">
-                <a:sym typeface="Symbol"/>
-              </a:rPr>
-              <a:t>(where the Poisson is defined)</a:t>
-            </a:r>
-          </a:p>
-          <a:p>
-            <a:endParaRPr lang="en-US" dirty="0">
-              <a:sym typeface="Symbol"/>
-            </a:endParaRPr>
-          </a:p>
-          <a:p>
-            <a:r>
-              <a:rPr lang="en-US" dirty="0">
-                <a:sym typeface="Symbol"/>
-              </a:rPr>
-              <a:t>From these, we can write a (complicated) likelihood function to maximize..</a:t>
+              <a:t> = probability of a false or “rounded” zero </a:t>
             </a:r>
             <a:endParaRPr lang="en-US" dirty="0"/>
           </a:p>
@@ -7364,14 +6954,14 @@
       </p:sp>
       <p:cxnSp>
         <p:nvCxnSpPr>
-          <p:cNvPr id="16" name="Straight Arrow Connector 15"/>
+          <p:cNvPr id="8" name="Straight Arrow Connector 7"/>
           <p:cNvCxnSpPr/>
           <p:nvPr/>
         </p:nvCxnSpPr>
         <p:spPr>
-          <a:xfrm flipH="1" flipV="1">
-            <a:off x="3733800" y="3276600"/>
-            <a:ext cx="609600" cy="152400"/>
+          <a:xfrm>
+            <a:off x="4724400" y="1828800"/>
+            <a:ext cx="228600" cy="533400"/>
           </a:xfrm>
           <a:prstGeom prst="straightConnector1">
             <a:avLst/>
@@ -7397,14 +6987,14 @@
       </p:cxnSp>
       <p:cxnSp>
         <p:nvCxnSpPr>
-          <p:cNvPr id="20" name="Straight Arrow Connector 19"/>
+          <p:cNvPr id="10" name="Straight Arrow Connector 9"/>
           <p:cNvCxnSpPr/>
           <p:nvPr/>
         </p:nvCxnSpPr>
         <p:spPr>
-          <a:xfrm flipH="1">
-            <a:off x="3810000" y="3657600"/>
-            <a:ext cx="533400" cy="152400"/>
+          <a:xfrm flipV="1">
+            <a:off x="3581400" y="2971800"/>
+            <a:ext cx="228600" cy="457200"/>
           </a:xfrm>
           <a:prstGeom prst="straightConnector1">
             <a:avLst/>
@@ -7430,14 +7020,14 @@
       </p:cxnSp>
       <p:sp>
         <p:nvSpPr>
-          <p:cNvPr id="21" name="TextBox 20"/>
+          <p:cNvPr id="11" name="TextBox 10"/>
           <p:cNvSpPr txBox="1"/>
           <p:nvPr/>
         </p:nvSpPr>
         <p:spPr>
           <a:xfrm>
-            <a:off x="457200" y="685800"/>
-            <a:ext cx="2089611" cy="369332"/>
+            <a:off x="228600" y="3429000"/>
+            <a:ext cx="8804654" cy="369332"/>
           </a:xfrm>
           <a:prstGeom prst="rect">
             <a:avLst/>
@@ -7452,21 +7042,91 @@
           <a:p>
             <a:r>
               <a:rPr lang="en-US" dirty="0"/>
-              <a:t>Model assumptions:</a:t>
-            </a:r>
-          </a:p>
-        </p:txBody>
-      </p:sp>
-      <p:sp>
-        <p:nvSpPr>
-          <p:cNvPr id="22" name="TextBox 21"/>
+              <a:t>This will be either Poisson or Negative Binomial distributed of the true or “essential” </a:t>
+            </a:r>
+            <a:r>
+              <a:rPr lang="en-US" dirty="0" err="1"/>
+              <a:t>zeors</a:t>
+            </a:r>
+            <a:endParaRPr lang="en-US" dirty="0"/>
+          </a:p>
+        </p:txBody>
+      </p:sp>
+      <p:pic>
+        <p:nvPicPr>
+          <p:cNvPr id="3075" name="Picture 3"/>
+          <p:cNvPicPr>
+            <a:picLocks noChangeAspect="1" noChangeArrowheads="1"/>
+          </p:cNvPicPr>
+          <p:nvPr/>
+        </p:nvPicPr>
+        <p:blipFill>
+          <a:blip r:embed="rId3" cstate="print"/>
+          <a:srcRect/>
+          <a:stretch>
+            <a:fillRect/>
+          </a:stretch>
+        </p:blipFill>
+        <p:spPr bwMode="auto">
+          <a:xfrm>
+            <a:off x="1828800" y="5257800"/>
+            <a:ext cx="3600450" cy="800100"/>
+          </a:xfrm>
+          <a:prstGeom prst="rect">
+            <a:avLst/>
+          </a:prstGeom>
+          <a:noFill/>
+          <a:ln w="9525">
+            <a:noFill/>
+            <a:miter lim="800000"/>
+            <a:headEnd/>
+            <a:tailEnd/>
+          </a:ln>
+        </p:spPr>
+      </p:pic>
+      <p:cxnSp>
+        <p:nvCxnSpPr>
+          <p:cNvPr id="14" name="Straight Arrow Connector 13"/>
+          <p:cNvCxnSpPr/>
+          <p:nvPr/>
+        </p:nvCxnSpPr>
+        <p:spPr>
+          <a:xfrm flipH="1">
+            <a:off x="3886200" y="4914900"/>
+            <a:ext cx="228600" cy="381000"/>
+          </a:xfrm>
+          <a:prstGeom prst="straightConnector1">
+            <a:avLst/>
+          </a:prstGeom>
+          <a:ln>
+            <a:tailEnd type="arrow"/>
+          </a:ln>
+        </p:spPr>
+        <p:style>
+          <a:lnRef idx="1">
+            <a:schemeClr val="accent1"/>
+          </a:lnRef>
+          <a:fillRef idx="0">
+            <a:schemeClr val="accent1"/>
+          </a:fillRef>
+          <a:effectRef idx="0">
+            <a:schemeClr val="accent1"/>
+          </a:effectRef>
+          <a:fontRef idx="minor">
+            <a:schemeClr val="tx1"/>
+          </a:fontRef>
+        </p:style>
+      </p:cxnSp>
+      <p:sp>
+        <p:nvSpPr>
+          <p:cNvPr id="15" name="TextBox 14"/>
           <p:cNvSpPr txBox="1"/>
           <p:nvPr/>
         </p:nvSpPr>
         <p:spPr>
           <a:xfrm>
-            <a:off x="4495800" y="3657600"/>
-            <a:ext cx="4391780" cy="646331"/>
+            <a:off x="1447800" y="4533900"/>
+            <a:ext cx="3949351" cy="369332"/>
           </a:xfrm>
           <a:prstGeom prst="rect">
             <a:avLst/>
@@ -7480,14 +7140,213 @@
           <a:lstStyle/>
           <a:p>
             <a:r>
+              <a:rPr lang="en-US" dirty="0" err="1"/>
+              <a:t>Prob</a:t>
+            </a:r>
+            <a:r>
               <a:rPr lang="en-US" dirty="0"/>
-              <a:t>The two link equations can share parameters</a:t>
-            </a:r>
-          </a:p>
+              <a:t> of zero under binomial distribution</a:t>
+            </a:r>
+          </a:p>
+        </p:txBody>
+      </p:sp>
+      <p:cxnSp>
+        <p:nvCxnSpPr>
+          <p:cNvPr id="17" name="Straight Arrow Connector 16"/>
+          <p:cNvCxnSpPr/>
+          <p:nvPr/>
+        </p:nvCxnSpPr>
+        <p:spPr>
+          <a:xfrm flipH="1">
+            <a:off x="5181600" y="5219700"/>
+            <a:ext cx="533400" cy="152400"/>
+          </a:xfrm>
+          <a:prstGeom prst="straightConnector1">
+            <a:avLst/>
+          </a:prstGeom>
+          <a:ln>
+            <a:tailEnd type="arrow"/>
+          </a:ln>
+        </p:spPr>
+        <p:style>
+          <a:lnRef idx="1">
+            <a:schemeClr val="accent1"/>
+          </a:lnRef>
+          <a:fillRef idx="0">
+            <a:schemeClr val="accent1"/>
+          </a:fillRef>
+          <a:effectRef idx="0">
+            <a:schemeClr val="accent1"/>
+          </a:effectRef>
+          <a:fontRef idx="minor">
+            <a:schemeClr val="tx1"/>
+          </a:fontRef>
+        </p:style>
+      </p:cxnSp>
+      <p:sp>
+        <p:nvSpPr>
+          <p:cNvPr id="18" name="TextBox 17"/>
+          <p:cNvSpPr txBox="1"/>
+          <p:nvPr/>
+        </p:nvSpPr>
+        <p:spPr>
+          <a:xfrm>
+            <a:off x="1828800" y="3962400"/>
+            <a:ext cx="4272132" cy="369332"/>
+          </a:xfrm>
+          <a:prstGeom prst="rect">
+            <a:avLst/>
+          </a:prstGeom>
+          <a:noFill/>
+        </p:spPr>
+        <p:txBody>
+          <a:bodyPr wrap="none" rtlCol="0">
+            <a:spAutoFit/>
+          </a:bodyPr>
+          <a:lstStyle/>
           <a:p>
             <a:r>
               <a:rPr lang="en-US" dirty="0"/>
-              <a:t>or not!</a:t>
+              <a:t>We will start with the Poisson distribution…</a:t>
+            </a:r>
+          </a:p>
+        </p:txBody>
+      </p:sp>
+      <p:sp>
+        <p:nvSpPr>
+          <p:cNvPr id="19" name="TextBox 18"/>
+          <p:cNvSpPr txBox="1"/>
+          <p:nvPr/>
+        </p:nvSpPr>
+        <p:spPr>
+          <a:xfrm>
+            <a:off x="5638800" y="4953000"/>
+            <a:ext cx="2825197" cy="369332"/>
+          </a:xfrm>
+          <a:prstGeom prst="rect">
+            <a:avLst/>
+          </a:prstGeom>
+          <a:noFill/>
+        </p:spPr>
+        <p:txBody>
+          <a:bodyPr wrap="none" rtlCol="0">
+            <a:spAutoFit/>
+          </a:bodyPr>
+          <a:lstStyle/>
+          <a:p>
+            <a:r>
+              <a:rPr lang="en-US" dirty="0"/>
+              <a:t>Poisson probability of </a:t>
+            </a:r>
+            <a:r>
+              <a:rPr lang="en-US"/>
+              <a:t>a zero</a:t>
+            </a:r>
+          </a:p>
+        </p:txBody>
+      </p:sp>
+      <p:cxnSp>
+        <p:nvCxnSpPr>
+          <p:cNvPr id="21" name="Straight Arrow Connector 20"/>
+          <p:cNvCxnSpPr/>
+          <p:nvPr/>
+        </p:nvCxnSpPr>
+        <p:spPr>
+          <a:xfrm flipH="1" flipV="1">
+            <a:off x="5334000" y="5791200"/>
+            <a:ext cx="457200" cy="152400"/>
+          </a:xfrm>
+          <a:prstGeom prst="straightConnector1">
+            <a:avLst/>
+          </a:prstGeom>
+          <a:ln>
+            <a:tailEnd type="arrow"/>
+          </a:ln>
+        </p:spPr>
+        <p:style>
+          <a:lnRef idx="1">
+            <a:schemeClr val="accent1"/>
+          </a:lnRef>
+          <a:fillRef idx="0">
+            <a:schemeClr val="accent1"/>
+          </a:fillRef>
+          <a:effectRef idx="0">
+            <a:schemeClr val="accent1"/>
+          </a:effectRef>
+          <a:fontRef idx="minor">
+            <a:schemeClr val="tx1"/>
+          </a:fontRef>
+        </p:style>
+      </p:cxnSp>
+      <p:sp>
+        <p:nvSpPr>
+          <p:cNvPr id="22" name="TextBox 21"/>
+          <p:cNvSpPr txBox="1"/>
+          <p:nvPr/>
+        </p:nvSpPr>
+        <p:spPr>
+          <a:xfrm>
+            <a:off x="5867400" y="5867400"/>
+            <a:ext cx="3097707" cy="369332"/>
+          </a:xfrm>
+          <a:prstGeom prst="rect">
+            <a:avLst/>
+          </a:prstGeom>
+          <a:noFill/>
+        </p:spPr>
+        <p:txBody>
+          <a:bodyPr wrap="none" rtlCol="0">
+            <a:spAutoFit/>
+          </a:bodyPr>
+          <a:lstStyle/>
+          <a:p>
+            <a:r>
+              <a:rPr lang="en-US" dirty="0"/>
+              <a:t>Poisson probability </a:t>
+            </a:r>
+            <a:r>
+              <a:rPr lang="en-US"/>
+              <a:t>of non-zero</a:t>
+            </a:r>
+          </a:p>
+        </p:txBody>
+      </p:sp>
+      <p:sp>
+        <p:nvSpPr>
+          <p:cNvPr id="16" name="Rectangle 15"/>
+          <p:cNvSpPr/>
+          <p:nvPr/>
+        </p:nvSpPr>
+        <p:spPr>
+          <a:xfrm>
+            <a:off x="990600" y="152400"/>
+            <a:ext cx="7086600" cy="646331"/>
+          </a:xfrm>
+          <a:prstGeom prst="rect">
+            <a:avLst/>
+          </a:prstGeom>
+        </p:spPr>
+        <p:txBody>
+          <a:bodyPr wrap="square">
+            <a:spAutoFit/>
+          </a:bodyPr>
+          <a:lstStyle/>
+          <a:p>
+            <a:r>
+              <a:rPr lang="en-US" dirty="0"/>
+              <a:t>Zero-inflated models use </a:t>
+            </a:r>
+            <a:r>
+              <a:rPr lang="en-US" dirty="0">
+                <a:solidFill>
+                  <a:srgbClr val="FF0000"/>
+                </a:solidFill>
+              </a:rPr>
+              <a:t>Mixture models</a:t>
+            </a:r>
+            <a:r>
+              <a:rPr lang="en-US" dirty="0"/>
+              <a:t> to explicitly model the over-abundance of zeros</a:t>
             </a:r>
           </a:p>
         </p:txBody>
@@ -7519,14 +7378,14 @@
       </p:grpSpPr>
       <p:sp>
         <p:nvSpPr>
-          <p:cNvPr id="2" name="TextBox 1"/>
+          <p:cNvPr id="4" name="TextBox 3"/>
           <p:cNvSpPr txBox="1"/>
           <p:nvPr/>
         </p:nvSpPr>
         <p:spPr>
           <a:xfrm>
-            <a:off x="762000" y="152400"/>
-            <a:ext cx="3519938" cy="369332"/>
+            <a:off x="609600" y="0"/>
+            <a:ext cx="7311553" cy="646331"/>
           </a:xfrm>
           <a:prstGeom prst="rect">
             <a:avLst/>
@@ -7541,18 +7400,20 @@
           <a:p>
             <a:r>
               <a:rPr lang="en-US" dirty="0"/>
-              <a:t>Let’s consider </a:t>
-            </a:r>
-            <a:r>
-              <a:rPr lang="en-US"/>
-              <a:t>an example dataset…</a:t>
+              <a:t>As in all generalized linear models, we have 3 parts in the specification for a </a:t>
+            </a:r>
+          </a:p>
+          <a:p>
+            <a:r>
+              <a:rPr lang="en-US" dirty="0"/>
+              <a:t>Poisson zero inflated model</a:t>
             </a:r>
           </a:p>
         </p:txBody>
       </p:sp>
       <p:pic>
         <p:nvPicPr>
-          <p:cNvPr id="1027" name="Picture 3"/>
+          <p:cNvPr id="4098" name="Picture 2"/>
           <p:cNvPicPr>
             <a:picLocks noChangeAspect="1" noChangeArrowheads="1"/>
           </p:cNvPicPr>
@@ -7567,8 +7428,8 @@
         </p:blipFill>
         <p:spPr bwMode="auto">
           <a:xfrm>
-            <a:off x="247650" y="533400"/>
-            <a:ext cx="5772150" cy="2752725"/>
+            <a:off x="1371600" y="952500"/>
+            <a:ext cx="3600450" cy="800100"/>
           </a:xfrm>
           <a:prstGeom prst="rect">
             <a:avLst/>
@@ -7582,9 +7443,133 @@
           </a:ln>
         </p:spPr>
       </p:pic>
+      <p:cxnSp>
+        <p:nvCxnSpPr>
+          <p:cNvPr id="7" name="Straight Arrow Connector 6"/>
+          <p:cNvCxnSpPr/>
+          <p:nvPr/>
+        </p:nvCxnSpPr>
+        <p:spPr>
+          <a:xfrm flipH="1">
+            <a:off x="4953000" y="1181100"/>
+            <a:ext cx="304800" cy="0"/>
+          </a:xfrm>
+          <a:prstGeom prst="straightConnector1">
+            <a:avLst/>
+          </a:prstGeom>
+          <a:ln>
+            <a:tailEnd type="arrow"/>
+          </a:ln>
+        </p:spPr>
+        <p:style>
+          <a:lnRef idx="1">
+            <a:schemeClr val="accent1"/>
+          </a:lnRef>
+          <a:fillRef idx="0">
+            <a:schemeClr val="accent1"/>
+          </a:fillRef>
+          <a:effectRef idx="0">
+            <a:schemeClr val="accent1"/>
+          </a:effectRef>
+          <a:fontRef idx="minor">
+            <a:schemeClr val="tx1"/>
+          </a:fontRef>
+        </p:style>
+      </p:cxnSp>
+      <p:sp>
+        <p:nvSpPr>
+          <p:cNvPr id="8" name="TextBox 7"/>
+          <p:cNvSpPr txBox="1"/>
+          <p:nvPr/>
+        </p:nvSpPr>
+        <p:spPr>
+          <a:xfrm>
+            <a:off x="4876800" y="876300"/>
+            <a:ext cx="4211217" cy="369332"/>
+          </a:xfrm>
+          <a:prstGeom prst="rect">
+            <a:avLst/>
+          </a:prstGeom>
+          <a:noFill/>
+        </p:spPr>
+        <p:txBody>
+          <a:bodyPr wrap="none" rtlCol="0">
+            <a:spAutoFit/>
+          </a:bodyPr>
+          <a:lstStyle/>
+          <a:p>
+            <a:r>
+              <a:rPr lang="en-US" dirty="0"/>
+              <a:t>Zeros are distributed by binomial + Poisson</a:t>
+            </a:r>
+          </a:p>
+        </p:txBody>
+      </p:sp>
+      <p:sp>
+        <p:nvSpPr>
+          <p:cNvPr id="9" name="TextBox 8"/>
+          <p:cNvSpPr txBox="1"/>
+          <p:nvPr/>
+        </p:nvSpPr>
+        <p:spPr>
+          <a:xfrm>
+            <a:off x="5257800" y="1333500"/>
+            <a:ext cx="3657600" cy="369332"/>
+          </a:xfrm>
+          <a:prstGeom prst="rect">
+            <a:avLst/>
+          </a:prstGeom>
+          <a:noFill/>
+        </p:spPr>
+        <p:txBody>
+          <a:bodyPr wrap="square" rtlCol="0">
+            <a:spAutoFit/>
+          </a:bodyPr>
+          <a:lstStyle/>
+          <a:p>
+            <a:r>
+              <a:rPr lang="en-US" dirty="0"/>
+              <a:t>non-zeros distributed by Poisson</a:t>
+            </a:r>
+          </a:p>
+        </p:txBody>
+      </p:sp>
+      <p:cxnSp>
+        <p:nvCxnSpPr>
+          <p:cNvPr id="11" name="Straight Arrow Connector 10"/>
+          <p:cNvCxnSpPr/>
+          <p:nvPr/>
+        </p:nvCxnSpPr>
+        <p:spPr>
+          <a:xfrm flipH="1">
+            <a:off x="4953000" y="1485900"/>
+            <a:ext cx="304800" cy="0"/>
+          </a:xfrm>
+          <a:prstGeom prst="straightConnector1">
+            <a:avLst/>
+          </a:prstGeom>
+          <a:ln>
+            <a:tailEnd type="arrow"/>
+          </a:ln>
+        </p:spPr>
+        <p:style>
+          <a:lnRef idx="1">
+            <a:schemeClr val="accent1"/>
+          </a:lnRef>
+          <a:fillRef idx="0">
+            <a:schemeClr val="accent1"/>
+          </a:fillRef>
+          <a:effectRef idx="0">
+            <a:schemeClr val="accent1"/>
+          </a:effectRef>
+          <a:fontRef idx="minor">
+            <a:schemeClr val="tx1"/>
+          </a:fontRef>
+        </p:style>
+      </p:cxnSp>
       <p:pic>
         <p:nvPicPr>
-          <p:cNvPr id="1026" name="Picture 2"/>
+          <p:cNvPr id="4099" name="Picture 3"/>
           <p:cNvPicPr>
             <a:picLocks noChangeAspect="1" noChangeArrowheads="1"/>
           </p:cNvPicPr>
@@ -7599,8 +7584,8 @@
         </p:blipFill>
         <p:spPr bwMode="auto">
           <a:xfrm>
-            <a:off x="4343400" y="2218758"/>
-            <a:ext cx="4646156" cy="4639242"/>
+            <a:off x="457200" y="1981200"/>
+            <a:ext cx="5753100" cy="733425"/>
           </a:xfrm>
           <a:prstGeom prst="rect">
             <a:avLst/>
@@ -7612,19 +7597,18 @@
             <a:headEnd/>
             <a:tailEnd/>
           </a:ln>
-          <a:effectLst/>
         </p:spPr>
       </p:pic>
       <p:sp>
         <p:nvSpPr>
-          <p:cNvPr id="6" name="TextBox 5"/>
+          <p:cNvPr id="14" name="TextBox 13"/>
           <p:cNvSpPr txBox="1"/>
           <p:nvPr/>
         </p:nvSpPr>
         <p:spPr>
           <a:xfrm>
-            <a:off x="-38672" y="3429000"/>
-            <a:ext cx="4458272" cy="1477328"/>
+            <a:off x="6248400" y="2057400"/>
+            <a:ext cx="2266261" cy="646331"/>
           </a:xfrm>
           <a:prstGeom prst="rect">
             <a:avLst/>
@@ -7639,7 +7623,153 @@
           <a:p>
             <a:r>
               <a:rPr lang="en-US" dirty="0"/>
-              <a:t>Many zeros in this dataset (~54%) of all data</a:t>
+              <a:t>Mean and variance</a:t>
+            </a:r>
+          </a:p>
+          <a:p>
+            <a:r>
+              <a:rPr lang="en-US" dirty="0"/>
+              <a:t>(stated without proof)</a:t>
+            </a:r>
+          </a:p>
+        </p:txBody>
+      </p:sp>
+      <p:pic>
+        <p:nvPicPr>
+          <p:cNvPr id="4100" name="Picture 4"/>
+          <p:cNvPicPr>
+            <a:picLocks noChangeAspect="1" noChangeArrowheads="1"/>
+          </p:cNvPicPr>
+          <p:nvPr/>
+        </p:nvPicPr>
+        <p:blipFill>
+          <a:blip r:embed="rId4" cstate="print"/>
+          <a:srcRect/>
+          <a:stretch>
+            <a:fillRect/>
+          </a:stretch>
+        </p:blipFill>
+        <p:spPr bwMode="auto">
+          <a:xfrm>
+            <a:off x="1600200" y="3048000"/>
+            <a:ext cx="2286000" cy="438150"/>
+          </a:xfrm>
+          <a:prstGeom prst="rect">
+            <a:avLst/>
+          </a:prstGeom>
+          <a:noFill/>
+          <a:ln w="9525">
+            <a:noFill/>
+            <a:miter lim="800000"/>
+            <a:headEnd/>
+            <a:tailEnd/>
+          </a:ln>
+        </p:spPr>
+      </p:pic>
+      <p:pic>
+        <p:nvPicPr>
+          <p:cNvPr id="4101" name="Picture 5"/>
+          <p:cNvPicPr>
+            <a:picLocks noChangeAspect="1" noChangeArrowheads="1"/>
+          </p:cNvPicPr>
+          <p:nvPr/>
+        </p:nvPicPr>
+        <p:blipFill>
+          <a:blip r:embed="rId5" cstate="print"/>
+          <a:srcRect/>
+          <a:stretch>
+            <a:fillRect/>
+          </a:stretch>
+        </p:blipFill>
+        <p:spPr bwMode="auto">
+          <a:xfrm>
+            <a:off x="1447800" y="3429000"/>
+            <a:ext cx="2533650" cy="714375"/>
+          </a:xfrm>
+          <a:prstGeom prst="rect">
+            <a:avLst/>
+          </a:prstGeom>
+          <a:noFill/>
+          <a:ln w="9525">
+            <a:noFill/>
+            <a:miter lim="800000"/>
+            <a:headEnd/>
+            <a:tailEnd/>
+          </a:ln>
+        </p:spPr>
+      </p:pic>
+      <p:sp>
+        <p:nvSpPr>
+          <p:cNvPr id="17" name="TextBox 16"/>
+          <p:cNvSpPr txBox="1"/>
+          <p:nvPr/>
+        </p:nvSpPr>
+        <p:spPr>
+          <a:xfrm>
+            <a:off x="4419600" y="3352800"/>
+            <a:ext cx="1641283" cy="369332"/>
+          </a:xfrm>
+          <a:prstGeom prst="rect">
+            <a:avLst/>
+          </a:prstGeom>
+          <a:noFill/>
+        </p:spPr>
+        <p:txBody>
+          <a:bodyPr wrap="none" rtlCol="0">
+            <a:spAutoFit/>
+          </a:bodyPr>
+          <a:lstStyle/>
+          <a:p>
+            <a:r>
+              <a:rPr lang="en-US" dirty="0"/>
+              <a:t>(link equations)</a:t>
+            </a:r>
+          </a:p>
+        </p:txBody>
+      </p:sp>
+      <p:sp>
+        <p:nvSpPr>
+          <p:cNvPr id="18" name="TextBox 17"/>
+          <p:cNvSpPr txBox="1"/>
+          <p:nvPr/>
+        </p:nvSpPr>
+        <p:spPr>
+          <a:xfrm>
+            <a:off x="1447800" y="4495800"/>
+            <a:ext cx="7285584" cy="2031325"/>
+          </a:xfrm>
+          <a:prstGeom prst="rect">
+            <a:avLst/>
+          </a:prstGeom>
+          <a:noFill/>
+        </p:spPr>
+        <p:txBody>
+          <a:bodyPr wrap="none" rtlCol="0">
+            <a:spAutoFit/>
+          </a:bodyPr>
+          <a:lstStyle/>
+          <a:p>
+            <a:r>
+              <a:rPr lang="en-US" dirty="0"/>
+              <a:t>Our link equations ensure that </a:t>
+            </a:r>
+            <a:r>
+              <a:rPr lang="en-US" dirty="0">
+                <a:sym typeface="Symbol"/>
+              </a:rPr>
+              <a:t> (which belongs to the binomial) can</a:t>
+            </a:r>
+          </a:p>
+          <a:p>
+            <a:r>
+              <a:rPr lang="en-US" dirty="0">
+                <a:sym typeface="Symbol"/>
+              </a:rPr>
+              <a:t>only </a:t>
+            </a:r>
+            <a:r>
+              <a:rPr lang="en-US" dirty="0"/>
+              <a:t> range from 0 to 1 (where the binomial is defined)</a:t>
             </a:r>
           </a:p>
           <a:p>
@@ -7648,17 +7778,166 @@
           <a:p>
             <a:r>
               <a:rPr lang="en-US" dirty="0"/>
-              <a:t>Your eye is drawn to the high intensity points,</a:t>
-            </a:r>
-          </a:p>
+              <a:t>And that </a:t>
+            </a:r>
+            <a:r>
+              <a:rPr lang="en-US" dirty="0">
+                <a:sym typeface="Symbol"/>
+              </a:rPr>
+              <a:t> (which belongs to the Poisson) can only range &gt;= 0 </a:t>
+            </a:r>
+          </a:p>
+          <a:p>
+            <a:r>
+              <a:rPr lang="en-US" dirty="0">
+                <a:sym typeface="Symbol"/>
+              </a:rPr>
+              <a:t>(where the Poisson is defined)</a:t>
+            </a:r>
+          </a:p>
+          <a:p>
+            <a:endParaRPr lang="en-US" dirty="0">
+              <a:sym typeface="Symbol"/>
+            </a:endParaRPr>
+          </a:p>
+          <a:p>
+            <a:r>
+              <a:rPr lang="en-US" dirty="0">
+                <a:sym typeface="Symbol"/>
+              </a:rPr>
+              <a:t>From these, we can write a (complicated) likelihood function to maximize..</a:t>
+            </a:r>
+            <a:endParaRPr lang="en-US" dirty="0"/>
+          </a:p>
+        </p:txBody>
+      </p:sp>
+      <p:cxnSp>
+        <p:nvCxnSpPr>
+          <p:cNvPr id="16" name="Straight Arrow Connector 15"/>
+          <p:cNvCxnSpPr/>
+          <p:nvPr/>
+        </p:nvCxnSpPr>
+        <p:spPr>
+          <a:xfrm flipH="1" flipV="1">
+            <a:off x="3733800" y="3276600"/>
+            <a:ext cx="609600" cy="152400"/>
+          </a:xfrm>
+          <a:prstGeom prst="straightConnector1">
+            <a:avLst/>
+          </a:prstGeom>
+          <a:ln>
+            <a:tailEnd type="arrow"/>
+          </a:ln>
+        </p:spPr>
+        <p:style>
+          <a:lnRef idx="1">
+            <a:schemeClr val="accent1"/>
+          </a:lnRef>
+          <a:fillRef idx="0">
+            <a:schemeClr val="accent1"/>
+          </a:fillRef>
+          <a:effectRef idx="0">
+            <a:schemeClr val="accent1"/>
+          </a:effectRef>
+          <a:fontRef idx="minor">
+            <a:schemeClr val="tx1"/>
+          </a:fontRef>
+        </p:style>
+      </p:cxnSp>
+      <p:cxnSp>
+        <p:nvCxnSpPr>
+          <p:cNvPr id="20" name="Straight Arrow Connector 19"/>
+          <p:cNvCxnSpPr/>
+          <p:nvPr/>
+        </p:nvCxnSpPr>
+        <p:spPr>
+          <a:xfrm flipH="1">
+            <a:off x="3810000" y="3657600"/>
+            <a:ext cx="533400" cy="152400"/>
+          </a:xfrm>
+          <a:prstGeom prst="straightConnector1">
+            <a:avLst/>
+          </a:prstGeom>
+          <a:ln>
+            <a:tailEnd type="arrow"/>
+          </a:ln>
+        </p:spPr>
+        <p:style>
+          <a:lnRef idx="1">
+            <a:schemeClr val="accent1"/>
+          </a:lnRef>
+          <a:fillRef idx="0">
+            <a:schemeClr val="accent1"/>
+          </a:fillRef>
+          <a:effectRef idx="0">
+            <a:schemeClr val="accent1"/>
+          </a:effectRef>
+          <a:fontRef idx="minor">
+            <a:schemeClr val="tx1"/>
+          </a:fontRef>
+        </p:style>
+      </p:cxnSp>
+      <p:sp>
+        <p:nvSpPr>
+          <p:cNvPr id="21" name="TextBox 20"/>
+          <p:cNvSpPr txBox="1"/>
+          <p:nvPr/>
+        </p:nvSpPr>
+        <p:spPr>
+          <a:xfrm>
+            <a:off x="457200" y="685800"/>
+            <a:ext cx="2089611" cy="369332"/>
+          </a:xfrm>
+          <a:prstGeom prst="rect">
+            <a:avLst/>
+          </a:prstGeom>
+          <a:noFill/>
+        </p:spPr>
+        <p:txBody>
+          <a:bodyPr wrap="none" rtlCol="0">
+            <a:spAutoFit/>
+          </a:bodyPr>
+          <a:lstStyle/>
           <a:p>
             <a:r>
               <a:rPr lang="en-US" dirty="0"/>
-              <a:t>But only ~2.6% of all data &gt; 50</a:t>
-            </a:r>
-          </a:p>
-          <a:p>
-            <a:endParaRPr lang="en-US" dirty="0"/>
+              <a:t>Model assumptions:</a:t>
+            </a:r>
+          </a:p>
+        </p:txBody>
+      </p:sp>
+      <p:sp>
+        <p:nvSpPr>
+          <p:cNvPr id="22" name="TextBox 21"/>
+          <p:cNvSpPr txBox="1"/>
+          <p:nvPr/>
+        </p:nvSpPr>
+        <p:spPr>
+          <a:xfrm>
+            <a:off x="4495800" y="3657600"/>
+            <a:ext cx="4391780" cy="646331"/>
+          </a:xfrm>
+          <a:prstGeom prst="rect">
+            <a:avLst/>
+          </a:prstGeom>
+          <a:noFill/>
+        </p:spPr>
+        <p:txBody>
+          <a:bodyPr wrap="none" rtlCol="0">
+            <a:spAutoFit/>
+          </a:bodyPr>
+          <a:lstStyle/>
+          <a:p>
+            <a:r>
+              <a:rPr lang="en-US" dirty="0"/>
+              <a:t>The two link equations can share parameters</a:t>
+            </a:r>
+          </a:p>
+          <a:p>
+            <a:r>
+              <a:rPr lang="en-US" dirty="0"/>
+              <a:t>or not!</a:t>
+            </a:r>
           </a:p>
         </p:txBody>
       </p:sp>
@@ -7689,14 +7968,14 @@
       </p:grpSpPr>
       <p:sp>
         <p:nvSpPr>
-          <p:cNvPr id="4" name="TextBox 3"/>
+          <p:cNvPr id="2" name="TextBox 1"/>
           <p:cNvSpPr txBox="1"/>
           <p:nvPr/>
         </p:nvSpPr>
         <p:spPr>
           <a:xfrm>
-            <a:off x="381000" y="-76200"/>
-            <a:ext cx="7610738" cy="369332"/>
+            <a:off x="762000" y="152400"/>
+            <a:ext cx="3519938" cy="369332"/>
           </a:xfrm>
           <a:prstGeom prst="rect">
             <a:avLst/>
@@ -7711,42 +7990,18 @@
           <a:p>
             <a:r>
               <a:rPr lang="en-US" dirty="0"/>
-              <a:t>We will fit a series of models to the data…  We start with a simple linear model..</a:t>
-            </a:r>
-          </a:p>
-        </p:txBody>
-      </p:sp>
-      <p:sp>
-        <p:nvSpPr>
-          <p:cNvPr id="5" name="Rectangle 4"/>
-          <p:cNvSpPr/>
-          <p:nvPr/>
-        </p:nvSpPr>
-        <p:spPr>
-          <a:xfrm>
-            <a:off x="76200" y="6550223"/>
-            <a:ext cx="9601200" cy="307777"/>
-          </a:xfrm>
-          <a:prstGeom prst="rect">
-            <a:avLst/>
-          </a:prstGeom>
-        </p:spPr>
-        <p:txBody>
-          <a:bodyPr wrap="square">
-            <a:spAutoFit/>
-          </a:bodyPr>
-          <a:lstStyle/>
-          <a:p>
-            <a:r>
-              <a:rPr lang="en-US" sz="1400" dirty="0"/>
-              <a:t>https://github.com/afodor/metagenomicsTools/blob/master/src/classExamples/zeroInflatedExample.txt</a:t>
+              <a:t>Let’s consider </a:t>
+            </a:r>
+            <a:r>
+              <a:rPr lang="en-US"/>
+              <a:t>an example dataset…</a:t>
             </a:r>
           </a:p>
         </p:txBody>
       </p:sp>
       <p:pic>
         <p:nvPicPr>
-          <p:cNvPr id="2051" name="Picture 3"/>
+          <p:cNvPr id="1027" name="Picture 3"/>
           <p:cNvPicPr>
             <a:picLocks noChangeAspect="1" noChangeArrowheads="1"/>
           </p:cNvPicPr>
@@ -7761,8 +8016,8 @@
         </p:blipFill>
         <p:spPr bwMode="auto">
           <a:xfrm>
-            <a:off x="228600" y="228600"/>
-            <a:ext cx="8610600" cy="1638300"/>
+            <a:off x="247650" y="533400"/>
+            <a:ext cx="5772150" cy="2752725"/>
           </a:xfrm>
           <a:prstGeom prst="rect">
             <a:avLst/>
@@ -7778,7 +8033,7 @@
       </p:pic>
       <p:pic>
         <p:nvPicPr>
-          <p:cNvPr id="2052" name="Picture 4"/>
+          <p:cNvPr id="1026" name="Picture 2"/>
           <p:cNvPicPr>
             <a:picLocks noChangeAspect="1" noChangeArrowheads="1"/>
           </p:cNvPicPr>
@@ -7793,8 +8048,8 @@
         </p:blipFill>
         <p:spPr bwMode="auto">
           <a:xfrm>
-            <a:off x="1524000" y="1905000"/>
-            <a:ext cx="4572000" cy="4572000"/>
+            <a:off x="4343400" y="2218758"/>
+            <a:ext cx="4646156" cy="4639242"/>
           </a:xfrm>
           <a:prstGeom prst="rect">
             <a:avLst/>
@@ -7806,51 +8061,19 @@
             <a:headEnd/>
             <a:tailEnd/>
           </a:ln>
+          <a:effectLst/>
         </p:spPr>
       </p:pic>
-      <p:cxnSp>
-        <p:nvCxnSpPr>
-          <p:cNvPr id="10" name="Straight Arrow Connector 9"/>
-          <p:cNvCxnSpPr/>
-          <p:nvPr/>
-        </p:nvCxnSpPr>
-        <p:spPr>
-          <a:xfrm flipH="1">
-            <a:off x="5943600" y="5410200"/>
-            <a:ext cx="457200" cy="381000"/>
-          </a:xfrm>
-          <a:prstGeom prst="straightConnector1">
-            <a:avLst/>
-          </a:prstGeom>
-          <a:ln>
-            <a:tailEnd type="arrow"/>
-          </a:ln>
-        </p:spPr>
-        <p:style>
-          <a:lnRef idx="1">
-            <a:schemeClr val="accent1"/>
-          </a:lnRef>
-          <a:fillRef idx="0">
-            <a:schemeClr val="accent1"/>
-          </a:fillRef>
-          <a:effectRef idx="0">
-            <a:schemeClr val="accent1"/>
-          </a:effectRef>
-          <a:fontRef idx="minor">
-            <a:schemeClr val="tx1"/>
-          </a:fontRef>
-        </p:style>
-      </p:cxnSp>
-      <p:sp>
-        <p:nvSpPr>
-          <p:cNvPr id="11" name="TextBox 10"/>
+      <p:sp>
+        <p:nvSpPr>
+          <p:cNvPr id="6" name="TextBox 5"/>
           <p:cNvSpPr txBox="1"/>
           <p:nvPr/>
         </p:nvSpPr>
         <p:spPr>
           <a:xfrm>
-            <a:off x="6400800" y="5105400"/>
-            <a:ext cx="2304542" cy="646331"/>
+            <a:off x="-38672" y="3429000"/>
+            <a:ext cx="4458272" cy="1477328"/>
           </a:xfrm>
           <a:prstGeom prst="rect">
             <a:avLst/>
@@ -7865,82 +8088,26 @@
           <a:p>
             <a:r>
               <a:rPr lang="en-US" dirty="0"/>
-              <a:t>Our model goes below</a:t>
-            </a:r>
+              <a:t>Many zeros in this dataset (~54%) of all data</a:t>
+            </a:r>
+          </a:p>
+          <a:p>
+            <a:endParaRPr lang="en-US" dirty="0"/>
           </a:p>
           <a:p>
             <a:r>
               <a:rPr lang="en-US" dirty="0"/>
-              <a:t>Zero…</a:t>
-            </a:r>
-          </a:p>
-        </p:txBody>
-      </p:sp>
-      <p:cxnSp>
-        <p:nvCxnSpPr>
-          <p:cNvPr id="13" name="Straight Arrow Connector 12"/>
-          <p:cNvCxnSpPr/>
-          <p:nvPr/>
-        </p:nvCxnSpPr>
-        <p:spPr>
-          <a:xfrm>
-            <a:off x="1066800" y="4953000"/>
-            <a:ext cx="838200" cy="457200"/>
-          </a:xfrm>
-          <a:prstGeom prst="straightConnector1">
-            <a:avLst/>
-          </a:prstGeom>
-          <a:ln>
-            <a:tailEnd type="arrow"/>
-          </a:ln>
-        </p:spPr>
-        <p:style>
-          <a:lnRef idx="1">
-            <a:schemeClr val="accent1"/>
-          </a:lnRef>
-          <a:fillRef idx="0">
-            <a:schemeClr val="accent1"/>
-          </a:fillRef>
-          <a:effectRef idx="0">
-            <a:schemeClr val="accent1"/>
-          </a:effectRef>
-          <a:fontRef idx="minor">
-            <a:schemeClr val="tx1"/>
-          </a:fontRef>
-        </p:style>
-      </p:cxnSp>
-      <p:sp>
-        <p:nvSpPr>
-          <p:cNvPr id="14" name="TextBox 13"/>
-          <p:cNvSpPr txBox="1"/>
-          <p:nvPr/>
-        </p:nvSpPr>
-        <p:spPr>
-          <a:xfrm>
-            <a:off x="76200" y="4419600"/>
-            <a:ext cx="1916230" cy="646331"/>
-          </a:xfrm>
-          <a:prstGeom prst="rect">
-            <a:avLst/>
-          </a:prstGeom>
-          <a:noFill/>
-        </p:spPr>
-        <p:txBody>
-          <a:bodyPr wrap="none" rtlCol="0">
-            <a:spAutoFit/>
-          </a:bodyPr>
-          <a:lstStyle/>
+              <a:t>Your eye is drawn to the high intensity points,</a:t>
+            </a:r>
+          </a:p>
           <a:p>
             <a:r>
               <a:rPr lang="en-US" dirty="0"/>
-              <a:t>Constant variance </a:t>
-            </a:r>
-          </a:p>
-          <a:p>
-            <a:r>
-              <a:rPr lang="en-US" dirty="0"/>
-              <a:t>Is problematic</a:t>
-            </a:r>
+              <a:t>But only ~2.6% of all data &gt; 50</a:t>
+            </a:r>
+          </a:p>
+          <a:p>
+            <a:endParaRPr lang="en-US" dirty="0"/>
           </a:p>
         </p:txBody>
       </p:sp>
@@ -7969,9 +8136,66 @@
           <a:chExt cx="0" cy="0"/>
         </a:xfrm>
       </p:grpSpPr>
+      <p:sp>
+        <p:nvSpPr>
+          <p:cNvPr id="4" name="TextBox 3"/>
+          <p:cNvSpPr txBox="1"/>
+          <p:nvPr/>
+        </p:nvSpPr>
+        <p:spPr>
+          <a:xfrm>
+            <a:off x="381000" y="-76200"/>
+            <a:ext cx="7610738" cy="369332"/>
+          </a:xfrm>
+          <a:prstGeom prst="rect">
+            <a:avLst/>
+          </a:prstGeom>
+          <a:noFill/>
+        </p:spPr>
+        <p:txBody>
+          <a:bodyPr wrap="none" rtlCol="0">
+            <a:spAutoFit/>
+          </a:bodyPr>
+          <a:lstStyle/>
+          <a:p>
+            <a:r>
+              <a:rPr lang="en-US" dirty="0"/>
+              <a:t>We will fit a series of models to the data…  We start with a simple linear model..</a:t>
+            </a:r>
+          </a:p>
+        </p:txBody>
+      </p:sp>
+      <p:sp>
+        <p:nvSpPr>
+          <p:cNvPr id="5" name="Rectangle 4"/>
+          <p:cNvSpPr/>
+          <p:nvPr/>
+        </p:nvSpPr>
+        <p:spPr>
+          <a:xfrm>
+            <a:off x="76200" y="6550223"/>
+            <a:ext cx="9601200" cy="307777"/>
+          </a:xfrm>
+          <a:prstGeom prst="rect">
+            <a:avLst/>
+          </a:prstGeom>
+        </p:spPr>
+        <p:txBody>
+          <a:bodyPr wrap="square">
+            <a:spAutoFit/>
+          </a:bodyPr>
+          <a:lstStyle/>
+          <a:p>
+            <a:r>
+              <a:rPr lang="en-US" sz="1400" dirty="0"/>
+              <a:t>https://github.com/afodor/metagenomicsTools/blob/master/src/classExamples/zeroInflatedExample.txt</a:t>
+            </a:r>
+          </a:p>
+        </p:txBody>
+      </p:sp>
       <p:pic>
         <p:nvPicPr>
-          <p:cNvPr id="3074" name="Picture 2"/>
+          <p:cNvPr id="2051" name="Picture 3"/>
           <p:cNvPicPr>
             <a:picLocks noChangeAspect="1" noChangeArrowheads="1"/>
           </p:cNvPicPr>
@@ -7986,8 +8210,8 @@
         </p:blipFill>
         <p:spPr bwMode="auto">
           <a:xfrm>
-            <a:off x="0" y="1752600"/>
-            <a:ext cx="4900612" cy="4900612"/>
+            <a:off x="228600" y="228600"/>
+            <a:ext cx="8610600" cy="1638300"/>
           </a:xfrm>
           <a:prstGeom prst="rect">
             <a:avLst/>
@@ -8001,47 +8225,9 @@
           </a:ln>
         </p:spPr>
       </p:pic>
-      <p:sp>
-        <p:nvSpPr>
-          <p:cNvPr id="5" name="TextBox 4"/>
-          <p:cNvSpPr txBox="1"/>
-          <p:nvPr/>
-        </p:nvSpPr>
-        <p:spPr>
-          <a:xfrm>
-            <a:off x="1143000" y="152400"/>
-            <a:ext cx="2629631" cy="923330"/>
-          </a:xfrm>
-          <a:prstGeom prst="rect">
-            <a:avLst/>
-          </a:prstGeom>
-          <a:noFill/>
-        </p:spPr>
-        <p:txBody>
-          <a:bodyPr wrap="none" rtlCol="0">
-            <a:spAutoFit/>
-          </a:bodyPr>
-          <a:lstStyle/>
-          <a:p>
-            <a:r>
-              <a:rPr lang="en-US" dirty="0"/>
-              <a:t>The residuals are a mess…</a:t>
-            </a:r>
-          </a:p>
-          <a:p>
-            <a:endParaRPr lang="en-US" dirty="0"/>
-          </a:p>
-          <a:p>
-            <a:r>
-              <a:rPr lang="en-US" dirty="0"/>
-              <a:t>plot(M0)</a:t>
-            </a:r>
-          </a:p>
-        </p:txBody>
-      </p:sp>
       <p:pic>
         <p:nvPicPr>
-          <p:cNvPr id="3075" name="Picture 3"/>
+          <p:cNvPr id="2052" name="Picture 4"/>
           <p:cNvPicPr>
             <a:picLocks noChangeAspect="1" noChangeArrowheads="1"/>
           </p:cNvPicPr>
@@ -8056,8 +8242,8 @@
         </p:blipFill>
         <p:spPr bwMode="auto">
           <a:xfrm>
-            <a:off x="4724400" y="2057400"/>
-            <a:ext cx="4286596" cy="4267200"/>
+            <a:off x="1524000" y="1905000"/>
+            <a:ext cx="4572000" cy="4572000"/>
           </a:xfrm>
           <a:prstGeom prst="rect">
             <a:avLst/>
@@ -8071,6 +8257,142 @@
           </a:ln>
         </p:spPr>
       </p:pic>
+      <p:cxnSp>
+        <p:nvCxnSpPr>
+          <p:cNvPr id="10" name="Straight Arrow Connector 9"/>
+          <p:cNvCxnSpPr/>
+          <p:nvPr/>
+        </p:nvCxnSpPr>
+        <p:spPr>
+          <a:xfrm flipH="1">
+            <a:off x="5943600" y="5410200"/>
+            <a:ext cx="457200" cy="381000"/>
+          </a:xfrm>
+          <a:prstGeom prst="straightConnector1">
+            <a:avLst/>
+          </a:prstGeom>
+          <a:ln>
+            <a:tailEnd type="arrow"/>
+          </a:ln>
+        </p:spPr>
+        <p:style>
+          <a:lnRef idx="1">
+            <a:schemeClr val="accent1"/>
+          </a:lnRef>
+          <a:fillRef idx="0">
+            <a:schemeClr val="accent1"/>
+          </a:fillRef>
+          <a:effectRef idx="0">
+            <a:schemeClr val="accent1"/>
+          </a:effectRef>
+          <a:fontRef idx="minor">
+            <a:schemeClr val="tx1"/>
+          </a:fontRef>
+        </p:style>
+      </p:cxnSp>
+      <p:sp>
+        <p:nvSpPr>
+          <p:cNvPr id="11" name="TextBox 10"/>
+          <p:cNvSpPr txBox="1"/>
+          <p:nvPr/>
+        </p:nvSpPr>
+        <p:spPr>
+          <a:xfrm>
+            <a:off x="6400800" y="5105400"/>
+            <a:ext cx="2304542" cy="646331"/>
+          </a:xfrm>
+          <a:prstGeom prst="rect">
+            <a:avLst/>
+          </a:prstGeom>
+          <a:noFill/>
+        </p:spPr>
+        <p:txBody>
+          <a:bodyPr wrap="none" rtlCol="0">
+            <a:spAutoFit/>
+          </a:bodyPr>
+          <a:lstStyle/>
+          <a:p>
+            <a:r>
+              <a:rPr lang="en-US" dirty="0"/>
+              <a:t>Our model goes below</a:t>
+            </a:r>
+          </a:p>
+          <a:p>
+            <a:r>
+              <a:rPr lang="en-US" dirty="0"/>
+              <a:t>Zero…</a:t>
+            </a:r>
+          </a:p>
+        </p:txBody>
+      </p:sp>
+      <p:cxnSp>
+        <p:nvCxnSpPr>
+          <p:cNvPr id="13" name="Straight Arrow Connector 12"/>
+          <p:cNvCxnSpPr/>
+          <p:nvPr/>
+        </p:nvCxnSpPr>
+        <p:spPr>
+          <a:xfrm>
+            <a:off x="1066800" y="4953000"/>
+            <a:ext cx="838200" cy="457200"/>
+          </a:xfrm>
+          <a:prstGeom prst="straightConnector1">
+            <a:avLst/>
+          </a:prstGeom>
+          <a:ln>
+            <a:tailEnd type="arrow"/>
+          </a:ln>
+        </p:spPr>
+        <p:style>
+          <a:lnRef idx="1">
+            <a:schemeClr val="accent1"/>
+          </a:lnRef>
+          <a:fillRef idx="0">
+            <a:schemeClr val="accent1"/>
+          </a:fillRef>
+          <a:effectRef idx="0">
+            <a:schemeClr val="accent1"/>
+          </a:effectRef>
+          <a:fontRef idx="minor">
+            <a:schemeClr val="tx1"/>
+          </a:fontRef>
+        </p:style>
+      </p:cxnSp>
+      <p:sp>
+        <p:nvSpPr>
+          <p:cNvPr id="14" name="TextBox 13"/>
+          <p:cNvSpPr txBox="1"/>
+          <p:nvPr/>
+        </p:nvSpPr>
+        <p:spPr>
+          <a:xfrm>
+            <a:off x="76200" y="4419600"/>
+            <a:ext cx="1916230" cy="646331"/>
+          </a:xfrm>
+          <a:prstGeom prst="rect">
+            <a:avLst/>
+          </a:prstGeom>
+          <a:noFill/>
+        </p:spPr>
+        <p:txBody>
+          <a:bodyPr wrap="none" rtlCol="0">
+            <a:spAutoFit/>
+          </a:bodyPr>
+          <a:lstStyle/>
+          <a:p>
+            <a:r>
+              <a:rPr lang="en-US" dirty="0"/>
+              <a:t>Constant variance </a:t>
+            </a:r>
+          </a:p>
+          <a:p>
+            <a:r>
+              <a:rPr lang="en-US" dirty="0"/>
+              <a:t>Is problematic</a:t>
+            </a:r>
+          </a:p>
+        </p:txBody>
+      </p:sp>
     </p:spTree>
   </p:cSld>
   <p:clrMapOvr>
